--- a/Going Beyond ReSharper with Roslyn.pptx
+++ b/Going Beyond ReSharper with Roslyn.pptx
@@ -263,7 +263,7 @@
               <a:rPr lang="en-US" smtClean="0">
                 <a:latin typeface="Segoe UI" pitchFamily="34" charset="0"/>
               </a:rPr>
-              <a:t>3/27/2015 10:13 PM</a:t>
+              <a:t>3/27/2015 10:45 PM</a:t>
             </a:fld>
             <a:endParaRPr lang="en-US" dirty="0">
               <a:latin typeface="Segoe UI" pitchFamily="34" charset="0"/>
@@ -561,7 +561,7 @@
           <a:p>
             <a:fld id="{2DFDA5C7-BBAE-481E-8BF7-731156A2E2C1}" type="datetime8">
               <a:rPr lang="en-US" smtClean="0"/>
-              <a:t>3/27/2015 10:13 PM</a:t>
+              <a:t>3/27/2015 10:45 PM</a:t>
             </a:fld>
             <a:endParaRPr lang="en-US" dirty="0"/>
           </a:p>
@@ -937,7 +937,7 @@
           <a:p>
             <a:fld id="{2DFDA5C7-BBAE-481E-8BF7-731156A2E2C1}" type="datetime8">
               <a:rPr lang="en-US" smtClean="0"/>
-              <a:t>3/27/2015 10:13 PM</a:t>
+              <a:t>3/27/2015 10:45 PM</a:t>
             </a:fld>
             <a:endParaRPr lang="en-US" dirty="0"/>
           </a:p>
@@ -1110,7 +1110,7 @@
           <a:p>
             <a:fld id="{2DFDA5C7-BBAE-481E-8BF7-731156A2E2C1}" type="datetime8">
               <a:rPr lang="en-US" smtClean="0"/>
-              <a:t>3/27/2015 10:13 PM</a:t>
+              <a:t>3/27/2015 10:45 PM</a:t>
             </a:fld>
             <a:endParaRPr lang="en-US" dirty="0"/>
           </a:p>
@@ -1283,7 +1283,7 @@
           <a:p>
             <a:fld id="{2DFDA5C7-BBAE-481E-8BF7-731156A2E2C1}" type="datetime8">
               <a:rPr lang="en-US" smtClean="0"/>
-              <a:t>3/27/2015 10:13 PM</a:t>
+              <a:t>3/27/2015 10:45 PM</a:t>
             </a:fld>
             <a:endParaRPr lang="en-US" dirty="0"/>
           </a:p>
@@ -1456,7 +1456,7 @@
           <a:p>
             <a:fld id="{2DFDA5C7-BBAE-481E-8BF7-731156A2E2C1}" type="datetime8">
               <a:rPr lang="en-US" smtClean="0"/>
-              <a:t>3/27/2015 10:13 PM</a:t>
+              <a:t>3/27/2015 10:45 PM</a:t>
             </a:fld>
             <a:endParaRPr lang="en-US" dirty="0"/>
           </a:p>
@@ -1629,7 +1629,7 @@
           <a:p>
             <a:fld id="{2DFDA5C7-BBAE-481E-8BF7-731156A2E2C1}" type="datetime8">
               <a:rPr lang="en-US" smtClean="0"/>
-              <a:t>3/27/2015 10:13 PM</a:t>
+              <a:t>3/27/2015 10:45 PM</a:t>
             </a:fld>
             <a:endParaRPr lang="en-US" dirty="0"/>
           </a:p>
@@ -7374,7 +7374,7 @@
         <p:spPr>
           <a:xfrm>
             <a:off x="274638" y="1212850"/>
-            <a:ext cx="11887200" cy="1846659"/>
+            <a:ext cx="12041540" cy="4487382"/>
           </a:xfrm>
         </p:spPr>
         <p:txBody>
@@ -7391,7 +7391,46 @@
             </a:r>
             <a:r>
               <a:rPr lang="en-US" dirty="0" smtClean="0"/>
-              <a:t>in your personal or business development?</a:t>
+              <a:t>in your personal or business development</a:t>
+            </a:r>
+            <a:r>
+              <a:rPr lang="en-US" dirty="0" smtClean="0"/>
+              <a:t>?</a:t>
+            </a:r>
+          </a:p>
+          <a:p>
+            <a:endParaRPr lang="en-US" dirty="0"/>
+          </a:p>
+          <a:p>
+            <a:pPr marL="0" indent="0">
+              <a:buNone/>
+            </a:pPr>
+            <a:endParaRPr lang="en-US" sz="3600" dirty="0" smtClean="0"/>
+          </a:p>
+          <a:p>
+            <a:pPr marL="0" indent="0">
+              <a:buNone/>
+            </a:pPr>
+            <a:r>
+              <a:rPr lang="en-US" u="sng" dirty="0" smtClean="0"/>
+              <a:t>Sample Code &amp; Slides</a:t>
+            </a:r>
+          </a:p>
+          <a:p>
+            <a:pPr marL="0" indent="0">
+              <a:buNone/>
+            </a:pPr>
+            <a:r>
+              <a:rPr lang="en-US" dirty="0" smtClean="0"/>
+              <a:t>github.com/</a:t>
+            </a:r>
+            <a:r>
+              <a:rPr lang="en-US" dirty="0" err="1" smtClean="0"/>
+              <a:t>jlattimer</a:t>
+            </a:r>
+            <a:r>
+              <a:rPr lang="en-US" dirty="0" smtClean="0"/>
+              <a:t>/NewCodeCamp2015_RosylnDemo</a:t>
             </a:r>
             <a:endParaRPr lang="en-US" dirty="0"/>
           </a:p>
@@ -10170,103 +10209,6 @@
 </file>
 
 <file path=customXml/item1.xml><?xml version="1.0" encoding="utf-8"?>
-<p:properties xmlns:p="http://schemas.microsoft.com/office/2006/metadata/properties" xmlns:xsi="http://www.w3.org/2001/XMLSchema-instance" xmlns:pc="http://schemas.microsoft.com/office/infopath/2007/PartnerControls">
-  <documentManagement>
-    <TrackTaxHTField0 xmlns="2295e2e7-0eeb-498e-8716-217bb2ee6ee3">
-      <Terms xmlns="http://schemas.microsoft.com/office/infopath/2007/PartnerControls"/>
-    </TrackTaxHTField0>
-    <CampaignTaxHTField0 xmlns="2295e2e7-0eeb-498e-8716-217bb2ee6ee3">
-      <Terms xmlns="http://schemas.microsoft.com/office/infopath/2007/PartnerControls"/>
-    </CampaignTaxHTField0>
-    <Event_x0020_End_x0020_Date xmlns="2295e2e7-0eeb-498e-8716-217bb2ee6ee3">2014-03-07T08:00:00+00:00</Event_x0020_End_x0020_Date>
-    <Event_x0020_Start_x0020_Date xmlns="2295e2e7-0eeb-498e-8716-217bb2ee6ee3">2014-03-04T08:00:00+00:00</Event_x0020_Start_x0020_Date>
-    <MS_x0020_Speaker xmlns="2295e2e7-0eeb-498e-8716-217bb2ee6ee3">
-      <UserInfo>
-        <DisplayName/>
-        <AccountId xsi:nil="true"/>
-        <AccountType/>
-      </UserInfo>
-    </MS_x0020_Speaker>
-    <External_x0020_Speaker xmlns="2295e2e7-0eeb-498e-8716-217bb2ee6ee3" xsi:nil="true"/>
-    <Session_x0020_Code xmlns="2295e2e7-0eeb-498e-8716-217bb2ee6ee3" xsi:nil="true"/>
-    <ProductTaxHTField0 xmlns="2295e2e7-0eeb-498e-8716-217bb2ee6ee3">
-      <Terms xmlns="http://schemas.microsoft.com/office/infopath/2007/PartnerControls"/>
-    </ProductTaxHTField0>
-    <Presentation_x0020_Date xmlns="2295e2e7-0eeb-498e-8716-217bb2ee6ee3" xsi:nil="true"/>
-    <Event_x0020_LocationTaxHTField0 xmlns="2295e2e7-0eeb-498e-8716-217bb2ee6ee3">
-      <Terms xmlns="http://schemas.microsoft.com/office/infopath/2007/PartnerControls">
-        <TermInfo xmlns="http://schemas.microsoft.com/office/infopath/2007/PartnerControls">
-          <TermName xmlns="http://schemas.microsoft.com/office/infopath/2007/PartnerControls">Atlanta</TermName>
-          <TermId xmlns="http://schemas.microsoft.com/office/infopath/2007/PartnerControls">01fb9831-5840-48a0-a576-3e48f42baa53</TermId>
-        </TermInfo>
-      </Terms>
-    </Event_x0020_LocationTaxHTField0>
-    <Event1TaxHTField0 xmlns="2295e2e7-0eeb-498e-8716-217bb2ee6ee3">
-      <Terms xmlns="http://schemas.microsoft.com/office/infopath/2007/PartnerControls">
-        <TermInfo xmlns="http://schemas.microsoft.com/office/infopath/2007/PartnerControls">
-          <TermName xmlns="http://schemas.microsoft.com/office/infopath/2007/PartnerControls">Convergence</TermName>
-          <TermId xmlns="http://schemas.microsoft.com/office/infopath/2007/PartnerControls">1d09c950-c38f-4478-9281-d35ce331b3fb</TermId>
-        </TermInfo>
-      </Terms>
-    </Event1TaxHTField0>
-    <AudienceTaxHTField0 xmlns="8b529f77-48ab-4581-b468-93f09345b8aa">
-      <Terms xmlns="http://schemas.microsoft.com/office/infopath/2007/PartnerControls">
-        <TermInfo xmlns="http://schemas.microsoft.com/office/infopath/2007/PartnerControls">
-          <TermName xmlns="http://schemas.microsoft.com/office/infopath/2007/PartnerControls">customers</TermName>
-          <TermId xmlns="http://schemas.microsoft.com/office/infopath/2007/PartnerControls">53e3f70c-67b5-450d-95d4-c8ae9a16f63b</TermId>
-        </TermInfo>
-        <TermInfo xmlns="http://schemas.microsoft.com/office/infopath/2007/PartnerControls">
-          <TermName xmlns="http://schemas.microsoft.com/office/infopath/2007/PartnerControls">consumers</TermName>
-          <TermId xmlns="http://schemas.microsoft.com/office/infopath/2007/PartnerControls">9adf4a48-4924-43a3-9278-975755bc3172</TermId>
-        </TermInfo>
-        <TermInfo xmlns="http://schemas.microsoft.com/office/infopath/2007/PartnerControls">
-          <TermName xmlns="http://schemas.microsoft.com/office/infopath/2007/PartnerControls">partners</TermName>
-          <TermId xmlns="http://schemas.microsoft.com/office/infopath/2007/PartnerControls">1d23b997-60ce-4cfd-9201-15f1ad449e79</TermId>
-        </TermInfo>
-        <TermInfo xmlns="http://schemas.microsoft.com/office/infopath/2007/PartnerControls">
-          <TermName xmlns="http://schemas.microsoft.com/office/infopath/2007/PartnerControls">employees</TermName>
-          <TermId xmlns="http://schemas.microsoft.com/office/infopath/2007/PartnerControls">56f02798-ac9e-42de-92e6-b37395b5f857</TermId>
-        </TermInfo>
-      </Terms>
-    </AudienceTaxHTField0>
-    <TaxCatchAll xmlns="230e9df3-be65-4c73-a93b-d1236ebd677e">
-      <Value>626</Value>
-      <Value>273</Value>
-      <Value>740</Value>
-      <Value>352</Value>
-      <Value>267</Value>
-      <Value>745</Value>
-      <Value>330</Value>
-    </TaxCatchAll>
-    <MS_x0020_Content_x0020_Owner xmlns="2295e2e7-0eeb-498e-8716-217bb2ee6ee3">
-      <UserInfo>
-        <DisplayName/>
-        <AccountId xsi:nil="true"/>
-        <AccountType/>
-      </UserInfo>
-    </MS_x0020_Content_x0020_Owner>
-    <Event_x0020_VenueTaxHTField0 xmlns="2295e2e7-0eeb-498e-8716-217bb2ee6ee3">
-      <Terms xmlns="http://schemas.microsoft.com/office/infopath/2007/PartnerControls">
-        <TermInfo xmlns="http://schemas.microsoft.com/office/infopath/2007/PartnerControls">
-          <TermName xmlns="http://schemas.microsoft.com/office/infopath/2007/PartnerControls">Georgia World Congress Center</TermName>
-          <TermId xmlns="http://schemas.microsoft.com/office/infopath/2007/PartnerControls">ea0ece34-59a6-4d43-8d9e-d0f9e2a2f1ce</TermId>
-        </TermInfo>
-      </Terms>
-    </Event_x0020_VenueTaxHTField0>
-  </documentManagement>
-</p:properties>
-</file>
-
-<file path=customXml/item2.xml><?xml version="1.0" encoding="utf-8"?>
-<?mso-contentType ?>
-<FormTemplates xmlns="http://schemas.microsoft.com/sharepoint/v3/contenttype/forms">
-  <Display>DocumentLibraryForm</Display>
-  <Edit>DocumentLibraryForm</Edit>
-  <New>DocumentLibraryForm</New>
-</FormTemplates>
-</file>
-
-<file path=customXml/item3.xml><?xml version="1.0" encoding="utf-8"?>
 <ct:contentTypeSchema xmlns:ct="http://schemas.microsoft.com/office/2006/metadata/contentType" xmlns:ma="http://schemas.microsoft.com/office/2006/metadata/properties/metaAttributes" ct:_="" ma:_="" ma:contentTypeName="PresentationsDoc" ma:contentTypeID="0x010100B88FC3ECA26D1C46B3C4C83281D2EB9C003BBE479AF4108146A616B6B5E7069DBC" ma:contentTypeVersion="61" ma:contentTypeDescription="" ma:contentTypeScope="" ma:versionID="89fe5faf2f25a24617a4f509b32cc989">
   <xsd:schema xmlns:xsd="http://www.w3.org/2001/XMLSchema" xmlns:xs="http://www.w3.org/2001/XMLSchema" xmlns:p="http://schemas.microsoft.com/office/2006/metadata/properties" xmlns:ns2="2295e2e7-0eeb-498e-8716-217bb2ee6ee3" xmlns:ns3="230e9df3-be65-4c73-a93b-d1236ebd677e" xmlns:ns4="8b529f77-48ab-4581-b468-93f09345b8aa" targetNamespace="http://schemas.microsoft.com/office/2006/metadata/properties" ma:root="true" ma:fieldsID="dfcb5511298a0ed35e170e5fd997f4f9" ns2:_="" ns3:_="" ns4:_="">
     <xsd:import namespace="2295e2e7-0eeb-498e-8716-217bb2ee6ee3"/>
@@ -10550,33 +10492,104 @@
 </ct:contentTypeSchema>
 </file>
 
-<file path=customXml/itemProps1.xml><?xml version="1.0" encoding="utf-8"?>
-<ds:datastoreItem xmlns:ds="http://schemas.openxmlformats.org/officeDocument/2006/customXml" ds:itemID="{F990F116-B58F-4255-B05B-DA3808E0E5C6}">
-  <ds:schemaRefs>
-    <ds:schemaRef ds:uri="http://purl.org/dc/elements/1.1/"/>
-    <ds:schemaRef ds:uri="8b529f77-48ab-4581-b468-93f09345b8aa"/>
-    <ds:schemaRef ds:uri="http://schemas.microsoft.com/office/infopath/2007/PartnerControls"/>
-    <ds:schemaRef ds:uri="http://schemas.openxmlformats.org/package/2006/metadata/core-properties"/>
-    <ds:schemaRef ds:uri="2295e2e7-0eeb-498e-8716-217bb2ee6ee3"/>
-    <ds:schemaRef ds:uri="http://schemas.microsoft.com/office/2006/documentManagement/types"/>
-    <ds:schemaRef ds:uri="http://purl.org/dc/terms/"/>
-    <ds:schemaRef ds:uri="230e9df3-be65-4c73-a93b-d1236ebd677e"/>
-    <ds:schemaRef ds:uri="http://schemas.microsoft.com/office/2006/metadata/properties"/>
-    <ds:schemaRef ds:uri="http://www.w3.org/XML/1998/namespace"/>
-    <ds:schemaRef ds:uri="http://purl.org/dc/dcmitype/"/>
-  </ds:schemaRefs>
-</ds:datastoreItem>
+<file path=customXml/item2.xml><?xml version="1.0" encoding="utf-8"?>
+<?mso-contentType ?>
+<FormTemplates xmlns="http://schemas.microsoft.com/sharepoint/v3/contenttype/forms">
+  <Display>DocumentLibraryForm</Display>
+  <Edit>DocumentLibraryForm</Edit>
+  <New>DocumentLibraryForm</New>
+</FormTemplates>
 </file>
 
-<file path=customXml/itemProps2.xml><?xml version="1.0" encoding="utf-8"?>
-<ds:datastoreItem xmlns:ds="http://schemas.openxmlformats.org/officeDocument/2006/customXml" ds:itemID="{758FDAC0-319D-4A54-8D8E-1D42CB1F8004}">
-  <ds:schemaRefs>
-    <ds:schemaRef ds:uri="http://schemas.microsoft.com/sharepoint/v3/contenttype/forms"/>
-  </ds:schemaRefs>
-</ds:datastoreItem>
+<file path=customXml/item3.xml><?xml version="1.0" encoding="utf-8"?>
+<p:properties xmlns:p="http://schemas.microsoft.com/office/2006/metadata/properties" xmlns:xsi="http://www.w3.org/2001/XMLSchema-instance" xmlns:pc="http://schemas.microsoft.com/office/infopath/2007/PartnerControls">
+  <documentManagement>
+    <TrackTaxHTField0 xmlns="2295e2e7-0eeb-498e-8716-217bb2ee6ee3">
+      <Terms xmlns="http://schemas.microsoft.com/office/infopath/2007/PartnerControls"/>
+    </TrackTaxHTField0>
+    <CampaignTaxHTField0 xmlns="2295e2e7-0eeb-498e-8716-217bb2ee6ee3">
+      <Terms xmlns="http://schemas.microsoft.com/office/infopath/2007/PartnerControls"/>
+    </CampaignTaxHTField0>
+    <Event_x0020_End_x0020_Date xmlns="2295e2e7-0eeb-498e-8716-217bb2ee6ee3">2014-03-07T08:00:00+00:00</Event_x0020_End_x0020_Date>
+    <Event_x0020_Start_x0020_Date xmlns="2295e2e7-0eeb-498e-8716-217bb2ee6ee3">2014-03-04T08:00:00+00:00</Event_x0020_Start_x0020_Date>
+    <MS_x0020_Speaker xmlns="2295e2e7-0eeb-498e-8716-217bb2ee6ee3">
+      <UserInfo>
+        <DisplayName/>
+        <AccountId xsi:nil="true"/>
+        <AccountType/>
+      </UserInfo>
+    </MS_x0020_Speaker>
+    <External_x0020_Speaker xmlns="2295e2e7-0eeb-498e-8716-217bb2ee6ee3" xsi:nil="true"/>
+    <Session_x0020_Code xmlns="2295e2e7-0eeb-498e-8716-217bb2ee6ee3" xsi:nil="true"/>
+    <ProductTaxHTField0 xmlns="2295e2e7-0eeb-498e-8716-217bb2ee6ee3">
+      <Terms xmlns="http://schemas.microsoft.com/office/infopath/2007/PartnerControls"/>
+    </ProductTaxHTField0>
+    <Presentation_x0020_Date xmlns="2295e2e7-0eeb-498e-8716-217bb2ee6ee3" xsi:nil="true"/>
+    <Event_x0020_LocationTaxHTField0 xmlns="2295e2e7-0eeb-498e-8716-217bb2ee6ee3">
+      <Terms xmlns="http://schemas.microsoft.com/office/infopath/2007/PartnerControls">
+        <TermInfo xmlns="http://schemas.microsoft.com/office/infopath/2007/PartnerControls">
+          <TermName xmlns="http://schemas.microsoft.com/office/infopath/2007/PartnerControls">Atlanta</TermName>
+          <TermId xmlns="http://schemas.microsoft.com/office/infopath/2007/PartnerControls">01fb9831-5840-48a0-a576-3e48f42baa53</TermId>
+        </TermInfo>
+      </Terms>
+    </Event_x0020_LocationTaxHTField0>
+    <Event1TaxHTField0 xmlns="2295e2e7-0eeb-498e-8716-217bb2ee6ee3">
+      <Terms xmlns="http://schemas.microsoft.com/office/infopath/2007/PartnerControls">
+        <TermInfo xmlns="http://schemas.microsoft.com/office/infopath/2007/PartnerControls">
+          <TermName xmlns="http://schemas.microsoft.com/office/infopath/2007/PartnerControls">Convergence</TermName>
+          <TermId xmlns="http://schemas.microsoft.com/office/infopath/2007/PartnerControls">1d09c950-c38f-4478-9281-d35ce331b3fb</TermId>
+        </TermInfo>
+      </Terms>
+    </Event1TaxHTField0>
+    <AudienceTaxHTField0 xmlns="8b529f77-48ab-4581-b468-93f09345b8aa">
+      <Terms xmlns="http://schemas.microsoft.com/office/infopath/2007/PartnerControls">
+        <TermInfo xmlns="http://schemas.microsoft.com/office/infopath/2007/PartnerControls">
+          <TermName xmlns="http://schemas.microsoft.com/office/infopath/2007/PartnerControls">customers</TermName>
+          <TermId xmlns="http://schemas.microsoft.com/office/infopath/2007/PartnerControls">53e3f70c-67b5-450d-95d4-c8ae9a16f63b</TermId>
+        </TermInfo>
+        <TermInfo xmlns="http://schemas.microsoft.com/office/infopath/2007/PartnerControls">
+          <TermName xmlns="http://schemas.microsoft.com/office/infopath/2007/PartnerControls">consumers</TermName>
+          <TermId xmlns="http://schemas.microsoft.com/office/infopath/2007/PartnerControls">9adf4a48-4924-43a3-9278-975755bc3172</TermId>
+        </TermInfo>
+        <TermInfo xmlns="http://schemas.microsoft.com/office/infopath/2007/PartnerControls">
+          <TermName xmlns="http://schemas.microsoft.com/office/infopath/2007/PartnerControls">partners</TermName>
+          <TermId xmlns="http://schemas.microsoft.com/office/infopath/2007/PartnerControls">1d23b997-60ce-4cfd-9201-15f1ad449e79</TermId>
+        </TermInfo>
+        <TermInfo xmlns="http://schemas.microsoft.com/office/infopath/2007/PartnerControls">
+          <TermName xmlns="http://schemas.microsoft.com/office/infopath/2007/PartnerControls">employees</TermName>
+          <TermId xmlns="http://schemas.microsoft.com/office/infopath/2007/PartnerControls">56f02798-ac9e-42de-92e6-b37395b5f857</TermId>
+        </TermInfo>
+      </Terms>
+    </AudienceTaxHTField0>
+    <TaxCatchAll xmlns="230e9df3-be65-4c73-a93b-d1236ebd677e">
+      <Value>626</Value>
+      <Value>273</Value>
+      <Value>740</Value>
+      <Value>352</Value>
+      <Value>267</Value>
+      <Value>745</Value>
+      <Value>330</Value>
+    </TaxCatchAll>
+    <MS_x0020_Content_x0020_Owner xmlns="2295e2e7-0eeb-498e-8716-217bb2ee6ee3">
+      <UserInfo>
+        <DisplayName/>
+        <AccountId xsi:nil="true"/>
+        <AccountType/>
+      </UserInfo>
+    </MS_x0020_Content_x0020_Owner>
+    <Event_x0020_VenueTaxHTField0 xmlns="2295e2e7-0eeb-498e-8716-217bb2ee6ee3">
+      <Terms xmlns="http://schemas.microsoft.com/office/infopath/2007/PartnerControls">
+        <TermInfo xmlns="http://schemas.microsoft.com/office/infopath/2007/PartnerControls">
+          <TermName xmlns="http://schemas.microsoft.com/office/infopath/2007/PartnerControls">Georgia World Congress Center</TermName>
+          <TermId xmlns="http://schemas.microsoft.com/office/infopath/2007/PartnerControls">ea0ece34-59a6-4d43-8d9e-d0f9e2a2f1ce</TermId>
+        </TermInfo>
+      </Terms>
+    </Event_x0020_VenueTaxHTField0>
+  </documentManagement>
+</p:properties>
 </file>
 
-<file path=customXml/itemProps3.xml><?xml version="1.0" encoding="utf-8"?>
+<file path=customXml/itemProps1.xml><?xml version="1.0" encoding="utf-8"?>
 <ds:datastoreItem xmlns:ds="http://schemas.openxmlformats.org/officeDocument/2006/customXml" ds:itemID="{F20C9CFA-D549-4AB3-8A50-ED22815DF7D3}">
   <ds:schemaRefs>
     <ds:schemaRef ds:uri="http://schemas.microsoft.com/office/2006/metadata/contentType"/>
@@ -10594,4 +10607,30 @@
     <ds:schemaRef ds:uri="http://schemas.microsoft.com/internal/obd"/>
   </ds:schemaRefs>
 </ds:datastoreItem>
+</file>
+
+<file path=customXml/itemProps2.xml><?xml version="1.0" encoding="utf-8"?>
+<ds:datastoreItem xmlns:ds="http://schemas.openxmlformats.org/officeDocument/2006/customXml" ds:itemID="{758FDAC0-319D-4A54-8D8E-1D42CB1F8004}">
+  <ds:schemaRefs>
+    <ds:schemaRef ds:uri="http://schemas.microsoft.com/sharepoint/v3/contenttype/forms"/>
+  </ds:schemaRefs>
+</ds:datastoreItem>
+</file>
+
+<file path=customXml/itemProps3.xml><?xml version="1.0" encoding="utf-8"?>
+<ds:datastoreItem xmlns:ds="http://schemas.openxmlformats.org/officeDocument/2006/customXml" ds:itemID="{F990F116-B58F-4255-B05B-DA3808E0E5C6}">
+  <ds:schemaRefs>
+    <ds:schemaRef ds:uri="http://purl.org/dc/elements/1.1/"/>
+    <ds:schemaRef ds:uri="8b529f77-48ab-4581-b468-93f09345b8aa"/>
+    <ds:schemaRef ds:uri="http://schemas.microsoft.com/office/infopath/2007/PartnerControls"/>
+    <ds:schemaRef ds:uri="http://schemas.openxmlformats.org/package/2006/metadata/core-properties"/>
+    <ds:schemaRef ds:uri="2295e2e7-0eeb-498e-8716-217bb2ee6ee3"/>
+    <ds:schemaRef ds:uri="http://schemas.microsoft.com/office/2006/documentManagement/types"/>
+    <ds:schemaRef ds:uri="http://purl.org/dc/terms/"/>
+    <ds:schemaRef ds:uri="230e9df3-be65-4c73-a93b-d1236ebd677e"/>
+    <ds:schemaRef ds:uri="http://schemas.microsoft.com/office/2006/metadata/properties"/>
+    <ds:schemaRef ds:uri="http://www.w3.org/XML/1998/namespace"/>
+    <ds:schemaRef ds:uri="http://purl.org/dc/dcmitype/"/>
+  </ds:schemaRefs>
+</ds:datastoreItem>
 </file>
--- a/Going Beyond ReSharper with Roslyn.pptx
+++ b/Going Beyond ReSharper with Roslyn.pptx
@@ -263,7 +263,7 @@
               <a:rPr lang="en-US" smtClean="0">
                 <a:latin typeface="Segoe UI" pitchFamily="34" charset="0"/>
               </a:rPr>
-              <a:t>3/27/2015 10:45 PM</a:t>
+              <a:t>4/23/2015 9:25 AM</a:t>
             </a:fld>
             <a:endParaRPr lang="en-US" dirty="0">
               <a:latin typeface="Segoe UI" pitchFamily="34" charset="0"/>
@@ -561,7 +561,7 @@
           <a:p>
             <a:fld id="{2DFDA5C7-BBAE-481E-8BF7-731156A2E2C1}" type="datetime8">
               <a:rPr lang="en-US" smtClean="0"/>
-              <a:t>3/27/2015 10:45 PM</a:t>
+              <a:t>4/23/2015 9:25 AM</a:t>
             </a:fld>
             <a:endParaRPr lang="en-US" dirty="0"/>
           </a:p>
@@ -937,7 +937,7 @@
           <a:p>
             <a:fld id="{2DFDA5C7-BBAE-481E-8BF7-731156A2E2C1}" type="datetime8">
               <a:rPr lang="en-US" smtClean="0"/>
-              <a:t>3/27/2015 10:45 PM</a:t>
+              <a:t>4/23/2015 9:25 AM</a:t>
             </a:fld>
             <a:endParaRPr lang="en-US" dirty="0"/>
           </a:p>
@@ -1110,7 +1110,7 @@
           <a:p>
             <a:fld id="{2DFDA5C7-BBAE-481E-8BF7-731156A2E2C1}" type="datetime8">
               <a:rPr lang="en-US" smtClean="0"/>
-              <a:t>3/27/2015 10:45 PM</a:t>
+              <a:t>4/23/2015 9:25 AM</a:t>
             </a:fld>
             <a:endParaRPr lang="en-US" dirty="0"/>
           </a:p>
@@ -1283,7 +1283,7 @@
           <a:p>
             <a:fld id="{2DFDA5C7-BBAE-481E-8BF7-731156A2E2C1}" type="datetime8">
               <a:rPr lang="en-US" smtClean="0"/>
-              <a:t>3/27/2015 10:45 PM</a:t>
+              <a:t>4/23/2015 9:25 AM</a:t>
             </a:fld>
             <a:endParaRPr lang="en-US" dirty="0"/>
           </a:p>
@@ -1456,7 +1456,7 @@
           <a:p>
             <a:fld id="{2DFDA5C7-BBAE-481E-8BF7-731156A2E2C1}" type="datetime8">
               <a:rPr lang="en-US" smtClean="0"/>
-              <a:t>3/27/2015 10:45 PM</a:t>
+              <a:t>4/23/2015 9:25 AM</a:t>
             </a:fld>
             <a:endParaRPr lang="en-US" dirty="0"/>
           </a:p>
@@ -1629,7 +1629,7 @@
           <a:p>
             <a:fld id="{2DFDA5C7-BBAE-481E-8BF7-731156A2E2C1}" type="datetime8">
               <a:rPr lang="en-US" smtClean="0"/>
-              <a:t>3/27/2015 10:45 PM</a:t>
+              <a:t>4/23/2015 9:25 AM</a:t>
             </a:fld>
             <a:endParaRPr lang="en-US" dirty="0"/>
           </a:p>
@@ -7374,7 +7374,7 @@
         <p:spPr>
           <a:xfrm>
             <a:off x="274638" y="1212850"/>
-            <a:ext cx="12041540" cy="4487382"/>
+            <a:ext cx="12041540" cy="4351961"/>
           </a:xfrm>
         </p:spPr>
         <p:txBody>
@@ -7391,11 +7391,7 @@
             </a:r>
             <a:r>
               <a:rPr lang="en-US" dirty="0" smtClean="0"/>
-              <a:t>in your personal or business development</a:t>
-            </a:r>
-            <a:r>
-              <a:rPr lang="en-US" dirty="0" smtClean="0"/>
-              <a:t>?</a:t>
+              <a:t>in your personal or business development?</a:t>
             </a:r>
           </a:p>
           <a:p>
@@ -7421,18 +7417,22 @@
               <a:buNone/>
             </a:pPr>
             <a:r>
-              <a:rPr lang="en-US" dirty="0" smtClean="0"/>
+              <a:rPr lang="en-US" sz="3200" dirty="0" smtClean="0"/>
               <a:t>github.com/</a:t>
             </a:r>
             <a:r>
-              <a:rPr lang="en-US" dirty="0" err="1" smtClean="0"/>
+              <a:rPr lang="en-US" sz="3200" dirty="0" err="1" smtClean="0"/>
               <a:t>jlattimer</a:t>
             </a:r>
             <a:r>
-              <a:rPr lang="en-US" dirty="0" smtClean="0"/>
-              <a:t>/NewCodeCamp2015_RosylnDemo</a:t>
-            </a:r>
-            <a:endParaRPr lang="en-US" dirty="0"/>
+              <a:rPr lang="en-US" sz="3200" dirty="0" smtClean="0"/>
+              <a:t>/</a:t>
+            </a:r>
+            <a:r>
+              <a:rPr lang="en-US" sz="3200" dirty="0" err="1" smtClean="0"/>
+              <a:t>GoingBeyondReSharperWithRoslyn_Demo</a:t>
+            </a:r>
+            <a:endParaRPr lang="en-US" sz="3200" dirty="0"/>
           </a:p>
         </p:txBody>
       </p:sp>
@@ -10209,6 +10209,103 @@
 </file>
 
 <file path=customXml/item1.xml><?xml version="1.0" encoding="utf-8"?>
+<p:properties xmlns:p="http://schemas.microsoft.com/office/2006/metadata/properties" xmlns:xsi="http://www.w3.org/2001/XMLSchema-instance" xmlns:pc="http://schemas.microsoft.com/office/infopath/2007/PartnerControls">
+  <documentManagement>
+    <TrackTaxHTField0 xmlns="2295e2e7-0eeb-498e-8716-217bb2ee6ee3">
+      <Terms xmlns="http://schemas.microsoft.com/office/infopath/2007/PartnerControls"/>
+    </TrackTaxHTField0>
+    <CampaignTaxHTField0 xmlns="2295e2e7-0eeb-498e-8716-217bb2ee6ee3">
+      <Terms xmlns="http://schemas.microsoft.com/office/infopath/2007/PartnerControls"/>
+    </CampaignTaxHTField0>
+    <Event_x0020_End_x0020_Date xmlns="2295e2e7-0eeb-498e-8716-217bb2ee6ee3">2014-03-07T08:00:00+00:00</Event_x0020_End_x0020_Date>
+    <Event_x0020_Start_x0020_Date xmlns="2295e2e7-0eeb-498e-8716-217bb2ee6ee3">2014-03-04T08:00:00+00:00</Event_x0020_Start_x0020_Date>
+    <MS_x0020_Speaker xmlns="2295e2e7-0eeb-498e-8716-217bb2ee6ee3">
+      <UserInfo>
+        <DisplayName/>
+        <AccountId xsi:nil="true"/>
+        <AccountType/>
+      </UserInfo>
+    </MS_x0020_Speaker>
+    <External_x0020_Speaker xmlns="2295e2e7-0eeb-498e-8716-217bb2ee6ee3" xsi:nil="true"/>
+    <Session_x0020_Code xmlns="2295e2e7-0eeb-498e-8716-217bb2ee6ee3" xsi:nil="true"/>
+    <ProductTaxHTField0 xmlns="2295e2e7-0eeb-498e-8716-217bb2ee6ee3">
+      <Terms xmlns="http://schemas.microsoft.com/office/infopath/2007/PartnerControls"/>
+    </ProductTaxHTField0>
+    <Presentation_x0020_Date xmlns="2295e2e7-0eeb-498e-8716-217bb2ee6ee3" xsi:nil="true"/>
+    <Event_x0020_LocationTaxHTField0 xmlns="2295e2e7-0eeb-498e-8716-217bb2ee6ee3">
+      <Terms xmlns="http://schemas.microsoft.com/office/infopath/2007/PartnerControls">
+        <TermInfo xmlns="http://schemas.microsoft.com/office/infopath/2007/PartnerControls">
+          <TermName xmlns="http://schemas.microsoft.com/office/infopath/2007/PartnerControls">Atlanta</TermName>
+          <TermId xmlns="http://schemas.microsoft.com/office/infopath/2007/PartnerControls">01fb9831-5840-48a0-a576-3e48f42baa53</TermId>
+        </TermInfo>
+      </Terms>
+    </Event_x0020_LocationTaxHTField0>
+    <Event1TaxHTField0 xmlns="2295e2e7-0eeb-498e-8716-217bb2ee6ee3">
+      <Terms xmlns="http://schemas.microsoft.com/office/infopath/2007/PartnerControls">
+        <TermInfo xmlns="http://schemas.microsoft.com/office/infopath/2007/PartnerControls">
+          <TermName xmlns="http://schemas.microsoft.com/office/infopath/2007/PartnerControls">Convergence</TermName>
+          <TermId xmlns="http://schemas.microsoft.com/office/infopath/2007/PartnerControls">1d09c950-c38f-4478-9281-d35ce331b3fb</TermId>
+        </TermInfo>
+      </Terms>
+    </Event1TaxHTField0>
+    <AudienceTaxHTField0 xmlns="8b529f77-48ab-4581-b468-93f09345b8aa">
+      <Terms xmlns="http://schemas.microsoft.com/office/infopath/2007/PartnerControls">
+        <TermInfo xmlns="http://schemas.microsoft.com/office/infopath/2007/PartnerControls">
+          <TermName xmlns="http://schemas.microsoft.com/office/infopath/2007/PartnerControls">customers</TermName>
+          <TermId xmlns="http://schemas.microsoft.com/office/infopath/2007/PartnerControls">53e3f70c-67b5-450d-95d4-c8ae9a16f63b</TermId>
+        </TermInfo>
+        <TermInfo xmlns="http://schemas.microsoft.com/office/infopath/2007/PartnerControls">
+          <TermName xmlns="http://schemas.microsoft.com/office/infopath/2007/PartnerControls">consumers</TermName>
+          <TermId xmlns="http://schemas.microsoft.com/office/infopath/2007/PartnerControls">9adf4a48-4924-43a3-9278-975755bc3172</TermId>
+        </TermInfo>
+        <TermInfo xmlns="http://schemas.microsoft.com/office/infopath/2007/PartnerControls">
+          <TermName xmlns="http://schemas.microsoft.com/office/infopath/2007/PartnerControls">partners</TermName>
+          <TermId xmlns="http://schemas.microsoft.com/office/infopath/2007/PartnerControls">1d23b997-60ce-4cfd-9201-15f1ad449e79</TermId>
+        </TermInfo>
+        <TermInfo xmlns="http://schemas.microsoft.com/office/infopath/2007/PartnerControls">
+          <TermName xmlns="http://schemas.microsoft.com/office/infopath/2007/PartnerControls">employees</TermName>
+          <TermId xmlns="http://schemas.microsoft.com/office/infopath/2007/PartnerControls">56f02798-ac9e-42de-92e6-b37395b5f857</TermId>
+        </TermInfo>
+      </Terms>
+    </AudienceTaxHTField0>
+    <TaxCatchAll xmlns="230e9df3-be65-4c73-a93b-d1236ebd677e">
+      <Value>626</Value>
+      <Value>273</Value>
+      <Value>740</Value>
+      <Value>352</Value>
+      <Value>267</Value>
+      <Value>745</Value>
+      <Value>330</Value>
+    </TaxCatchAll>
+    <MS_x0020_Content_x0020_Owner xmlns="2295e2e7-0eeb-498e-8716-217bb2ee6ee3">
+      <UserInfo>
+        <DisplayName/>
+        <AccountId xsi:nil="true"/>
+        <AccountType/>
+      </UserInfo>
+    </MS_x0020_Content_x0020_Owner>
+    <Event_x0020_VenueTaxHTField0 xmlns="2295e2e7-0eeb-498e-8716-217bb2ee6ee3">
+      <Terms xmlns="http://schemas.microsoft.com/office/infopath/2007/PartnerControls">
+        <TermInfo xmlns="http://schemas.microsoft.com/office/infopath/2007/PartnerControls">
+          <TermName xmlns="http://schemas.microsoft.com/office/infopath/2007/PartnerControls">Georgia World Congress Center</TermName>
+          <TermId xmlns="http://schemas.microsoft.com/office/infopath/2007/PartnerControls">ea0ece34-59a6-4d43-8d9e-d0f9e2a2f1ce</TermId>
+        </TermInfo>
+      </Terms>
+    </Event_x0020_VenueTaxHTField0>
+  </documentManagement>
+</p:properties>
+</file>
+
+<file path=customXml/item2.xml><?xml version="1.0" encoding="utf-8"?>
+<?mso-contentType ?>
+<FormTemplates xmlns="http://schemas.microsoft.com/sharepoint/v3/contenttype/forms">
+  <Display>DocumentLibraryForm</Display>
+  <Edit>DocumentLibraryForm</Edit>
+  <New>DocumentLibraryForm</New>
+</FormTemplates>
+</file>
+
+<file path=customXml/item3.xml><?xml version="1.0" encoding="utf-8"?>
 <ct:contentTypeSchema xmlns:ct="http://schemas.microsoft.com/office/2006/metadata/contentType" xmlns:ma="http://schemas.microsoft.com/office/2006/metadata/properties/metaAttributes" ct:_="" ma:_="" ma:contentTypeName="PresentationsDoc" ma:contentTypeID="0x010100B88FC3ECA26D1C46B3C4C83281D2EB9C003BBE479AF4108146A616B6B5E7069DBC" ma:contentTypeVersion="61" ma:contentTypeDescription="" ma:contentTypeScope="" ma:versionID="89fe5faf2f25a24617a4f509b32cc989">
   <xsd:schema xmlns:xsd="http://www.w3.org/2001/XMLSchema" xmlns:xs="http://www.w3.org/2001/XMLSchema" xmlns:p="http://schemas.microsoft.com/office/2006/metadata/properties" xmlns:ns2="2295e2e7-0eeb-498e-8716-217bb2ee6ee3" xmlns:ns3="230e9df3-be65-4c73-a93b-d1236ebd677e" xmlns:ns4="8b529f77-48ab-4581-b468-93f09345b8aa" targetNamespace="http://schemas.microsoft.com/office/2006/metadata/properties" ma:root="true" ma:fieldsID="dfcb5511298a0ed35e170e5fd997f4f9" ns2:_="" ns3:_="" ns4:_="">
     <xsd:import namespace="2295e2e7-0eeb-498e-8716-217bb2ee6ee3"/>
@@ -10492,104 +10589,33 @@
 </ct:contentTypeSchema>
 </file>
 
-<file path=customXml/item2.xml><?xml version="1.0" encoding="utf-8"?>
-<?mso-contentType ?>
-<FormTemplates xmlns="http://schemas.microsoft.com/sharepoint/v3/contenttype/forms">
-  <Display>DocumentLibraryForm</Display>
-  <Edit>DocumentLibraryForm</Edit>
-  <New>DocumentLibraryForm</New>
-</FormTemplates>
+<file path=customXml/itemProps1.xml><?xml version="1.0" encoding="utf-8"?>
+<ds:datastoreItem xmlns:ds="http://schemas.openxmlformats.org/officeDocument/2006/customXml" ds:itemID="{F990F116-B58F-4255-B05B-DA3808E0E5C6}">
+  <ds:schemaRefs>
+    <ds:schemaRef ds:uri="http://purl.org/dc/elements/1.1/"/>
+    <ds:schemaRef ds:uri="8b529f77-48ab-4581-b468-93f09345b8aa"/>
+    <ds:schemaRef ds:uri="http://schemas.microsoft.com/office/infopath/2007/PartnerControls"/>
+    <ds:schemaRef ds:uri="http://schemas.openxmlformats.org/package/2006/metadata/core-properties"/>
+    <ds:schemaRef ds:uri="2295e2e7-0eeb-498e-8716-217bb2ee6ee3"/>
+    <ds:schemaRef ds:uri="http://schemas.microsoft.com/office/2006/documentManagement/types"/>
+    <ds:schemaRef ds:uri="http://purl.org/dc/terms/"/>
+    <ds:schemaRef ds:uri="230e9df3-be65-4c73-a93b-d1236ebd677e"/>
+    <ds:schemaRef ds:uri="http://schemas.microsoft.com/office/2006/metadata/properties"/>
+    <ds:schemaRef ds:uri="http://www.w3.org/XML/1998/namespace"/>
+    <ds:schemaRef ds:uri="http://purl.org/dc/dcmitype/"/>
+  </ds:schemaRefs>
+</ds:datastoreItem>
 </file>
 
-<file path=customXml/item3.xml><?xml version="1.0" encoding="utf-8"?>
-<p:properties xmlns:p="http://schemas.microsoft.com/office/2006/metadata/properties" xmlns:xsi="http://www.w3.org/2001/XMLSchema-instance" xmlns:pc="http://schemas.microsoft.com/office/infopath/2007/PartnerControls">
-  <documentManagement>
-    <TrackTaxHTField0 xmlns="2295e2e7-0eeb-498e-8716-217bb2ee6ee3">
-      <Terms xmlns="http://schemas.microsoft.com/office/infopath/2007/PartnerControls"/>
-    </TrackTaxHTField0>
-    <CampaignTaxHTField0 xmlns="2295e2e7-0eeb-498e-8716-217bb2ee6ee3">
-      <Terms xmlns="http://schemas.microsoft.com/office/infopath/2007/PartnerControls"/>
-    </CampaignTaxHTField0>
-    <Event_x0020_End_x0020_Date xmlns="2295e2e7-0eeb-498e-8716-217bb2ee6ee3">2014-03-07T08:00:00+00:00</Event_x0020_End_x0020_Date>
-    <Event_x0020_Start_x0020_Date xmlns="2295e2e7-0eeb-498e-8716-217bb2ee6ee3">2014-03-04T08:00:00+00:00</Event_x0020_Start_x0020_Date>
-    <MS_x0020_Speaker xmlns="2295e2e7-0eeb-498e-8716-217bb2ee6ee3">
-      <UserInfo>
-        <DisplayName/>
-        <AccountId xsi:nil="true"/>
-        <AccountType/>
-      </UserInfo>
-    </MS_x0020_Speaker>
-    <External_x0020_Speaker xmlns="2295e2e7-0eeb-498e-8716-217bb2ee6ee3" xsi:nil="true"/>
-    <Session_x0020_Code xmlns="2295e2e7-0eeb-498e-8716-217bb2ee6ee3" xsi:nil="true"/>
-    <ProductTaxHTField0 xmlns="2295e2e7-0eeb-498e-8716-217bb2ee6ee3">
-      <Terms xmlns="http://schemas.microsoft.com/office/infopath/2007/PartnerControls"/>
-    </ProductTaxHTField0>
-    <Presentation_x0020_Date xmlns="2295e2e7-0eeb-498e-8716-217bb2ee6ee3" xsi:nil="true"/>
-    <Event_x0020_LocationTaxHTField0 xmlns="2295e2e7-0eeb-498e-8716-217bb2ee6ee3">
-      <Terms xmlns="http://schemas.microsoft.com/office/infopath/2007/PartnerControls">
-        <TermInfo xmlns="http://schemas.microsoft.com/office/infopath/2007/PartnerControls">
-          <TermName xmlns="http://schemas.microsoft.com/office/infopath/2007/PartnerControls">Atlanta</TermName>
-          <TermId xmlns="http://schemas.microsoft.com/office/infopath/2007/PartnerControls">01fb9831-5840-48a0-a576-3e48f42baa53</TermId>
-        </TermInfo>
-      </Terms>
-    </Event_x0020_LocationTaxHTField0>
-    <Event1TaxHTField0 xmlns="2295e2e7-0eeb-498e-8716-217bb2ee6ee3">
-      <Terms xmlns="http://schemas.microsoft.com/office/infopath/2007/PartnerControls">
-        <TermInfo xmlns="http://schemas.microsoft.com/office/infopath/2007/PartnerControls">
-          <TermName xmlns="http://schemas.microsoft.com/office/infopath/2007/PartnerControls">Convergence</TermName>
-          <TermId xmlns="http://schemas.microsoft.com/office/infopath/2007/PartnerControls">1d09c950-c38f-4478-9281-d35ce331b3fb</TermId>
-        </TermInfo>
-      </Terms>
-    </Event1TaxHTField0>
-    <AudienceTaxHTField0 xmlns="8b529f77-48ab-4581-b468-93f09345b8aa">
-      <Terms xmlns="http://schemas.microsoft.com/office/infopath/2007/PartnerControls">
-        <TermInfo xmlns="http://schemas.microsoft.com/office/infopath/2007/PartnerControls">
-          <TermName xmlns="http://schemas.microsoft.com/office/infopath/2007/PartnerControls">customers</TermName>
-          <TermId xmlns="http://schemas.microsoft.com/office/infopath/2007/PartnerControls">53e3f70c-67b5-450d-95d4-c8ae9a16f63b</TermId>
-        </TermInfo>
-        <TermInfo xmlns="http://schemas.microsoft.com/office/infopath/2007/PartnerControls">
-          <TermName xmlns="http://schemas.microsoft.com/office/infopath/2007/PartnerControls">consumers</TermName>
-          <TermId xmlns="http://schemas.microsoft.com/office/infopath/2007/PartnerControls">9adf4a48-4924-43a3-9278-975755bc3172</TermId>
-        </TermInfo>
-        <TermInfo xmlns="http://schemas.microsoft.com/office/infopath/2007/PartnerControls">
-          <TermName xmlns="http://schemas.microsoft.com/office/infopath/2007/PartnerControls">partners</TermName>
-          <TermId xmlns="http://schemas.microsoft.com/office/infopath/2007/PartnerControls">1d23b997-60ce-4cfd-9201-15f1ad449e79</TermId>
-        </TermInfo>
-        <TermInfo xmlns="http://schemas.microsoft.com/office/infopath/2007/PartnerControls">
-          <TermName xmlns="http://schemas.microsoft.com/office/infopath/2007/PartnerControls">employees</TermName>
-          <TermId xmlns="http://schemas.microsoft.com/office/infopath/2007/PartnerControls">56f02798-ac9e-42de-92e6-b37395b5f857</TermId>
-        </TermInfo>
-      </Terms>
-    </AudienceTaxHTField0>
-    <TaxCatchAll xmlns="230e9df3-be65-4c73-a93b-d1236ebd677e">
-      <Value>626</Value>
-      <Value>273</Value>
-      <Value>740</Value>
-      <Value>352</Value>
-      <Value>267</Value>
-      <Value>745</Value>
-      <Value>330</Value>
-    </TaxCatchAll>
-    <MS_x0020_Content_x0020_Owner xmlns="2295e2e7-0eeb-498e-8716-217bb2ee6ee3">
-      <UserInfo>
-        <DisplayName/>
-        <AccountId xsi:nil="true"/>
-        <AccountType/>
-      </UserInfo>
-    </MS_x0020_Content_x0020_Owner>
-    <Event_x0020_VenueTaxHTField0 xmlns="2295e2e7-0eeb-498e-8716-217bb2ee6ee3">
-      <Terms xmlns="http://schemas.microsoft.com/office/infopath/2007/PartnerControls">
-        <TermInfo xmlns="http://schemas.microsoft.com/office/infopath/2007/PartnerControls">
-          <TermName xmlns="http://schemas.microsoft.com/office/infopath/2007/PartnerControls">Georgia World Congress Center</TermName>
-          <TermId xmlns="http://schemas.microsoft.com/office/infopath/2007/PartnerControls">ea0ece34-59a6-4d43-8d9e-d0f9e2a2f1ce</TermId>
-        </TermInfo>
-      </Terms>
-    </Event_x0020_VenueTaxHTField0>
-  </documentManagement>
-</p:properties>
+<file path=customXml/itemProps2.xml><?xml version="1.0" encoding="utf-8"?>
+<ds:datastoreItem xmlns:ds="http://schemas.openxmlformats.org/officeDocument/2006/customXml" ds:itemID="{758FDAC0-319D-4A54-8D8E-1D42CB1F8004}">
+  <ds:schemaRefs>
+    <ds:schemaRef ds:uri="http://schemas.microsoft.com/sharepoint/v3/contenttype/forms"/>
+  </ds:schemaRefs>
+</ds:datastoreItem>
 </file>
 
-<file path=customXml/itemProps1.xml><?xml version="1.0" encoding="utf-8"?>
+<file path=customXml/itemProps3.xml><?xml version="1.0" encoding="utf-8"?>
 <ds:datastoreItem xmlns:ds="http://schemas.openxmlformats.org/officeDocument/2006/customXml" ds:itemID="{F20C9CFA-D549-4AB3-8A50-ED22815DF7D3}">
   <ds:schemaRefs>
     <ds:schemaRef ds:uri="http://schemas.microsoft.com/office/2006/metadata/contentType"/>
@@ -10607,30 +10633,4 @@
     <ds:schemaRef ds:uri="http://schemas.microsoft.com/internal/obd"/>
   </ds:schemaRefs>
 </ds:datastoreItem>
-</file>
-
-<file path=customXml/itemProps2.xml><?xml version="1.0" encoding="utf-8"?>
-<ds:datastoreItem xmlns:ds="http://schemas.openxmlformats.org/officeDocument/2006/customXml" ds:itemID="{758FDAC0-319D-4A54-8D8E-1D42CB1F8004}">
-  <ds:schemaRefs>
-    <ds:schemaRef ds:uri="http://schemas.microsoft.com/sharepoint/v3/contenttype/forms"/>
-  </ds:schemaRefs>
-</ds:datastoreItem>
-</file>
-
-<file path=customXml/itemProps3.xml><?xml version="1.0" encoding="utf-8"?>
-<ds:datastoreItem xmlns:ds="http://schemas.openxmlformats.org/officeDocument/2006/customXml" ds:itemID="{F990F116-B58F-4255-B05B-DA3808E0E5C6}">
-  <ds:schemaRefs>
-    <ds:schemaRef ds:uri="http://purl.org/dc/elements/1.1/"/>
-    <ds:schemaRef ds:uri="8b529f77-48ab-4581-b468-93f09345b8aa"/>
-    <ds:schemaRef ds:uri="http://schemas.microsoft.com/office/infopath/2007/PartnerControls"/>
-    <ds:schemaRef ds:uri="http://schemas.openxmlformats.org/package/2006/metadata/core-properties"/>
-    <ds:schemaRef ds:uri="2295e2e7-0eeb-498e-8716-217bb2ee6ee3"/>
-    <ds:schemaRef ds:uri="http://schemas.microsoft.com/office/2006/documentManagement/types"/>
-    <ds:schemaRef ds:uri="http://purl.org/dc/terms/"/>
-    <ds:schemaRef ds:uri="230e9df3-be65-4c73-a93b-d1236ebd677e"/>
-    <ds:schemaRef ds:uri="http://schemas.microsoft.com/office/2006/metadata/properties"/>
-    <ds:schemaRef ds:uri="http://www.w3.org/XML/1998/namespace"/>
-    <ds:schemaRef ds:uri="http://purl.org/dc/dcmitype/"/>
-  </ds:schemaRefs>
-</ds:datastoreItem>
 </file>
--- a/Going Beyond ReSharper with Roslyn.pptx
+++ b/Going Beyond ReSharper with Roslyn.pptx
@@ -263,7 +263,7 @@
               <a:rPr lang="en-US" smtClean="0">
                 <a:latin typeface="Segoe UI" pitchFamily="34" charset="0"/>
               </a:rPr>
-              <a:t>4/23/2015 9:25 AM</a:t>
+              <a:t>4/23/2015 10:12 AM</a:t>
             </a:fld>
             <a:endParaRPr lang="en-US" dirty="0">
               <a:latin typeface="Segoe UI" pitchFamily="34" charset="0"/>
@@ -561,7 +561,7 @@
           <a:p>
             <a:fld id="{2DFDA5C7-BBAE-481E-8BF7-731156A2E2C1}" type="datetime8">
               <a:rPr lang="en-US" smtClean="0"/>
-              <a:t>4/23/2015 9:25 AM</a:t>
+              <a:t>4/23/2015 10:12 AM</a:t>
             </a:fld>
             <a:endParaRPr lang="en-US" dirty="0"/>
           </a:p>
@@ -937,7 +937,7 @@
           <a:p>
             <a:fld id="{2DFDA5C7-BBAE-481E-8BF7-731156A2E2C1}" type="datetime8">
               <a:rPr lang="en-US" smtClean="0"/>
-              <a:t>4/23/2015 9:25 AM</a:t>
+              <a:t>4/23/2015 10:12 AM</a:t>
             </a:fld>
             <a:endParaRPr lang="en-US" dirty="0"/>
           </a:p>
@@ -1110,7 +1110,7 @@
           <a:p>
             <a:fld id="{2DFDA5C7-BBAE-481E-8BF7-731156A2E2C1}" type="datetime8">
               <a:rPr lang="en-US" smtClean="0"/>
-              <a:t>4/23/2015 9:25 AM</a:t>
+              <a:t>4/23/2015 10:12 AM</a:t>
             </a:fld>
             <a:endParaRPr lang="en-US" dirty="0"/>
           </a:p>
@@ -1283,7 +1283,7 @@
           <a:p>
             <a:fld id="{2DFDA5C7-BBAE-481E-8BF7-731156A2E2C1}" type="datetime8">
               <a:rPr lang="en-US" smtClean="0"/>
-              <a:t>4/23/2015 9:25 AM</a:t>
+              <a:t>4/23/2015 10:12 AM</a:t>
             </a:fld>
             <a:endParaRPr lang="en-US" dirty="0"/>
           </a:p>
@@ -1456,7 +1456,7 @@
           <a:p>
             <a:fld id="{2DFDA5C7-BBAE-481E-8BF7-731156A2E2C1}" type="datetime8">
               <a:rPr lang="en-US" smtClean="0"/>
-              <a:t>4/23/2015 9:25 AM</a:t>
+              <a:t>4/23/2015 10:12 AM</a:t>
             </a:fld>
             <a:endParaRPr lang="en-US" dirty="0"/>
           </a:p>
@@ -1629,7 +1629,7 @@
           <a:p>
             <a:fld id="{2DFDA5C7-BBAE-481E-8BF7-731156A2E2C1}" type="datetime8">
               <a:rPr lang="en-US" smtClean="0"/>
-              <a:t>4/23/2015 9:25 AM</a:t>
+              <a:t>4/23/2015 10:12 AM</a:t>
             </a:fld>
             <a:endParaRPr lang="en-US" dirty="0"/>
           </a:p>
@@ -7395,6 +7395,9 @@
             </a:r>
           </a:p>
           <a:p>
+            <a:pPr marL="0" indent="0">
+              <a:buNone/>
+            </a:pPr>
             <a:endParaRPr lang="en-US" dirty="0"/>
           </a:p>
           <a:p>
@@ -7417,19 +7420,19 @@
               <a:buNone/>
             </a:pPr>
             <a:r>
-              <a:rPr lang="en-US" sz="3200" dirty="0" smtClean="0"/>
+              <a:rPr lang="en-US" sz="3200" dirty="0"/>
               <a:t>github.com/</a:t>
             </a:r>
             <a:r>
-              <a:rPr lang="en-US" sz="3200" dirty="0" err="1" smtClean="0"/>
+              <a:rPr lang="en-US" sz="3200" dirty="0" err="1"/>
               <a:t>jlattimer</a:t>
             </a:r>
             <a:r>
-              <a:rPr lang="en-US" sz="3200" dirty="0" smtClean="0"/>
+              <a:rPr lang="en-US" sz="3200" dirty="0"/>
               <a:t>/</a:t>
             </a:r>
             <a:r>
-              <a:rPr lang="en-US" sz="3200" dirty="0" err="1" smtClean="0"/>
+              <a:rPr lang="en-US" sz="3200" dirty="0" err="1"/>
               <a:t>GoingBeyondReSharperWithRoslyn_Demo</a:t>
             </a:r>
             <a:endParaRPr lang="en-US" sz="3200" dirty="0"/>

--- a/Going Beyond ReSharper with Roslyn.pptx
+++ b/Going Beyond ReSharper with Roslyn.pptx
@@ -263,7 +263,7 @@
               <a:rPr lang="en-US" smtClean="0">
                 <a:latin typeface="Segoe UI" pitchFamily="34" charset="0"/>
               </a:rPr>
-              <a:t>4/23/2015 10:12 AM</a:t>
+              <a:t>4/23/2015 10:15 AM</a:t>
             </a:fld>
             <a:endParaRPr lang="en-US" dirty="0">
               <a:latin typeface="Segoe UI" pitchFamily="34" charset="0"/>
@@ -561,7 +561,7 @@
           <a:p>
             <a:fld id="{2DFDA5C7-BBAE-481E-8BF7-731156A2E2C1}" type="datetime8">
               <a:rPr lang="en-US" smtClean="0"/>
-              <a:t>4/23/2015 10:12 AM</a:t>
+              <a:t>4/23/2015 10:15 AM</a:t>
             </a:fld>
             <a:endParaRPr lang="en-US" dirty="0"/>
           </a:p>
@@ -937,7 +937,7 @@
           <a:p>
             <a:fld id="{2DFDA5C7-BBAE-481E-8BF7-731156A2E2C1}" type="datetime8">
               <a:rPr lang="en-US" smtClean="0"/>
-              <a:t>4/23/2015 10:12 AM</a:t>
+              <a:t>4/23/2015 10:15 AM</a:t>
             </a:fld>
             <a:endParaRPr lang="en-US" dirty="0"/>
           </a:p>
@@ -1110,7 +1110,7 @@
           <a:p>
             <a:fld id="{2DFDA5C7-BBAE-481E-8BF7-731156A2E2C1}" type="datetime8">
               <a:rPr lang="en-US" smtClean="0"/>
-              <a:t>4/23/2015 10:12 AM</a:t>
+              <a:t>4/23/2015 10:15 AM</a:t>
             </a:fld>
             <a:endParaRPr lang="en-US" dirty="0"/>
           </a:p>
@@ -1283,7 +1283,7 @@
           <a:p>
             <a:fld id="{2DFDA5C7-BBAE-481E-8BF7-731156A2E2C1}" type="datetime8">
               <a:rPr lang="en-US" smtClean="0"/>
-              <a:t>4/23/2015 10:12 AM</a:t>
+              <a:t>4/23/2015 10:15 AM</a:t>
             </a:fld>
             <a:endParaRPr lang="en-US" dirty="0"/>
           </a:p>
@@ -1456,7 +1456,7 @@
           <a:p>
             <a:fld id="{2DFDA5C7-BBAE-481E-8BF7-731156A2E2C1}" type="datetime8">
               <a:rPr lang="en-US" smtClean="0"/>
-              <a:t>4/23/2015 10:12 AM</a:t>
+              <a:t>4/23/2015 10:15 AM</a:t>
             </a:fld>
             <a:endParaRPr lang="en-US" dirty="0"/>
           </a:p>
@@ -1629,7 +1629,7 @@
           <a:p>
             <a:fld id="{2DFDA5C7-BBAE-481E-8BF7-731156A2E2C1}" type="datetime8">
               <a:rPr lang="en-US" smtClean="0"/>
-              <a:t>4/23/2015 10:12 AM</a:t>
+              <a:t>4/23/2015 10:15 AM</a:t>
             </a:fld>
             <a:endParaRPr lang="en-US" dirty="0"/>
           </a:p>
@@ -1674,8 +1674,8 @@
 
 <file path=ppt/slideLayouts/slideLayout1.xml><?xml version="1.0" encoding="utf-8"?>
 <p:sldLayout xmlns:a="http://schemas.openxmlformats.org/drawingml/2006/main" xmlns:r="http://schemas.openxmlformats.org/officeDocument/2006/relationships" xmlns:p="http://schemas.openxmlformats.org/presentationml/2006/main" preserve="1" userDrawn="1">
-  <p:cSld name="2_Walkin">
-    <p:bg bwMode="ltGray">
+  <p:cSld name="Section Title Accent Color 1">
+    <p:bg>
       <p:bgPr>
         <a:solidFill>
           <a:schemeClr val="accent1"/>
@@ -1697,450 +1697,60 @@
           <a:chExt cx="0" cy="0"/>
         </a:xfrm>
       </p:grpSpPr>
-      <p:pic>
-        <p:nvPicPr>
-          <p:cNvPr id="5" name="Picture 4"/>
-          <p:cNvPicPr>
-            <a:picLocks noChangeAspect="1"/>
-          </p:cNvPicPr>
-          <p:nvPr userDrawn="1"/>
-        </p:nvPicPr>
-        <p:blipFill>
-          <a:blip r:embed="rId2" cstate="email">
-            <a:extLst>
-              <a:ext uri="{28A0092B-C50C-407E-A947-70E740481C1C}">
-                <a14:useLocalDpi xmlns:a14="http://schemas.microsoft.com/office/drawing/2010/main"/>
-              </a:ext>
-            </a:extLst>
-          </a:blip>
-          <a:stretch>
-            <a:fillRect/>
-          </a:stretch>
-        </p:blipFill>
+      <p:sp>
+        <p:nvSpPr>
+          <p:cNvPr id="2" name="Title 1"/>
+          <p:cNvSpPr>
+            <a:spLocks noGrp="1"/>
+          </p:cNvSpPr>
+          <p:nvPr>
+            <p:ph type="title" hasCustomPrompt="1"/>
+          </p:nvPr>
+        </p:nvSpPr>
         <p:spPr>
           <a:xfrm>
-            <a:off x="317" y="-318"/>
-            <a:ext cx="12435840" cy="6995160"/>
+            <a:off x="274638" y="2125662"/>
+            <a:ext cx="11887200" cy="1831975"/>
           </a:xfrm>
-          <a:prstGeom prst="rect">
-            <a:avLst/>
-          </a:prstGeom>
-        </p:spPr>
-      </p:pic>
-      <p:pic>
-        <p:nvPicPr>
-          <p:cNvPr id="12" name="Picture 11"/>
-          <p:cNvPicPr>
-            <a:picLocks noChangeAspect="1"/>
-          </p:cNvPicPr>
-          <p:nvPr userDrawn="1"/>
-        </p:nvPicPr>
-        <p:blipFill>
-          <a:blip r:embed="rId3">
-            <a:extLst>
-              <a:ext uri="{28A0092B-C50C-407E-A947-70E740481C1C}">
-                <a14:useLocalDpi xmlns:a14="http://schemas.microsoft.com/office/drawing/2010/main" val="0"/>
-              </a:ext>
-            </a:extLst>
-          </a:blip>
-          <a:stretch>
-            <a:fillRect/>
-          </a:stretch>
-        </p:blipFill>
-        <p:spPr bwMode="black">
-          <a:xfrm>
-            <a:off x="10275142" y="479425"/>
-            <a:ext cx="1704133" cy="363774"/>
-          </a:xfrm>
-          <a:prstGeom prst="rect">
-            <a:avLst/>
-          </a:prstGeom>
-        </p:spPr>
-      </p:pic>
-      <p:sp>
-        <p:nvSpPr>
-          <p:cNvPr id="4" name="Rectangle 3"/>
-          <p:cNvSpPr/>
-          <p:nvPr userDrawn="1"/>
-        </p:nvSpPr>
-        <p:spPr bwMode="gray">
-          <a:xfrm>
-            <a:off x="0" y="3954463"/>
-            <a:ext cx="12436475" cy="3040062"/>
-          </a:xfrm>
-          <a:prstGeom prst="rect">
-            <a:avLst/>
-          </a:prstGeom>
-          <a:solidFill>
-            <a:schemeClr val="accent1">
-              <a:alpha val="90000"/>
-            </a:schemeClr>
-          </a:solidFill>
-          <a:ln>
-            <a:noFill/>
-            <a:headEnd type="none" w="med" len="med"/>
-            <a:tailEnd type="none" w="med" len="med"/>
-          </a:ln>
-          <a:effectLst/>
-        </p:spPr>
-        <p:style>
-          <a:lnRef idx="1">
-            <a:schemeClr val="accent2"/>
-          </a:lnRef>
-          <a:fillRef idx="3">
-            <a:schemeClr val="accent2"/>
-          </a:fillRef>
-          <a:effectRef idx="2">
-            <a:schemeClr val="accent2"/>
-          </a:effectRef>
-          <a:fontRef idx="minor">
-            <a:schemeClr val="lt1"/>
-          </a:fontRef>
-        </p:style>
-        <p:txBody>
-          <a:bodyPr rot="0" spcFirstLastPara="0" vertOverflow="overflow" horzOverflow="overflow" vert="horz" wrap="square" lIns="457200" tIns="146304" rIns="182880" bIns="146304" numCol="1" spcCol="0" rtlCol="0" fromWordArt="0" anchor="t" anchorCtr="0" forceAA="0" compatLnSpc="1">
-            <a:prstTxWarp prst="textNoShape">
-              <a:avLst/>
-            </a:prstTxWarp>
-            <a:noAutofit/>
-          </a:bodyPr>
-          <a:lstStyle/>
-          <a:p>
-            <a:pPr defTabSz="932472" fontAlgn="base">
-              <a:lnSpc>
-                <a:spcPct val="90000"/>
-              </a:lnSpc>
-              <a:spcBef>
-                <a:spcPct val="0"/>
-              </a:spcBef>
-              <a:spcAft>
-                <a:spcPct val="0"/>
-              </a:spcAft>
-            </a:pPr>
-            <a:endParaRPr lang="en-US" sz="7200" dirty="0" smtClean="0">
-              <a:gradFill>
-                <a:gsLst>
-                  <a:gs pos="0">
-                    <a:srgbClr val="FFFFFF"/>
-                  </a:gs>
-                  <a:gs pos="100000">
-                    <a:srgbClr val="FFFFFF"/>
-                  </a:gs>
-                </a:gsLst>
-                <a:lin ang="5400000" scaled="0"/>
-              </a:gradFill>
-              <a:latin typeface="+mj-lt"/>
-              <a:ea typeface="Segoe UI" pitchFamily="34" charset="0"/>
-              <a:cs typeface="Segoe UI" pitchFamily="34" charset="0"/>
-            </a:endParaRPr>
-          </a:p>
-        </p:txBody>
-      </p:sp>
-      <p:sp>
-        <p:nvSpPr>
-          <p:cNvPr id="6" name="TextBox 5"/>
-          <p:cNvSpPr txBox="1"/>
-          <p:nvPr userDrawn="1"/>
-        </p:nvSpPr>
-        <p:spPr bwMode="white">
-          <a:xfrm>
-            <a:off x="274638" y="5737400"/>
-            <a:ext cx="6766486" cy="960263"/>
-          </a:xfrm>
-          <a:prstGeom prst="rect">
-            <a:avLst/>
-          </a:prstGeom>
           <a:noFill/>
         </p:spPr>
         <p:txBody>
-          <a:bodyPr wrap="square" lIns="182880" tIns="146304" rIns="182880" bIns="146304" rtlCol="0">
-            <a:spAutoFit/>
-          </a:bodyPr>
-          <a:lstStyle/>
-          <a:p>
-            <a:pPr>
-              <a:lnSpc>
-                <a:spcPct val="90000"/>
-              </a:lnSpc>
-              <a:spcAft>
-                <a:spcPts val="600"/>
-              </a:spcAft>
-            </a:pPr>
-            <a:r>
-              <a:rPr lang="en-US" sz="2400" baseline="0" dirty="0" smtClean="0">
+          <a:bodyPr tIns="91440" bIns="91440" anchor="t" anchorCtr="0"/>
+          <a:lstStyle>
+            <a:lvl1pPr>
+              <a:defRPr sz="8800" spc="-100" baseline="0">
                 <a:gradFill>
                   <a:gsLst>
-                    <a:gs pos="2917">
-                      <a:schemeClr val="bg1"/>
+                    <a:gs pos="100000">
+                      <a:schemeClr val="tx1"/>
                     </a:gs>
-                    <a:gs pos="100000">
-                      <a:schemeClr val="bg1"/>
+                    <a:gs pos="0">
+                      <a:schemeClr val="tx1"/>
                     </a:gs>
                   </a:gsLst>
                   <a:lin ang="5400000" scaled="0"/>
                 </a:gradFill>
-              </a:rPr>
-              <a:t>March 4 – 7, 2014</a:t>
-            </a:r>
-            <a:br>
-              <a:rPr lang="en-US" sz="2400" baseline="0" dirty="0" smtClean="0">
-                <a:gradFill>
-                  <a:gsLst>
-                    <a:gs pos="2917">
-                      <a:schemeClr val="bg1"/>
-                    </a:gs>
-                    <a:gs pos="100000">
-                      <a:schemeClr val="bg1"/>
-                    </a:gs>
-                  </a:gsLst>
-                  <a:lin ang="5400000" scaled="0"/>
-                </a:gradFill>
-              </a:rPr>
-            </a:br>
-            <a:r>
-              <a:rPr lang="en-US" sz="2400" dirty="0" smtClean="0">
-                <a:gradFill>
-                  <a:gsLst>
-                    <a:gs pos="2917">
-                      <a:schemeClr val="bg1"/>
-                    </a:gs>
-                    <a:gs pos="100000">
-                      <a:schemeClr val="bg1"/>
-                    </a:gs>
-                  </a:gsLst>
-                  <a:lin ang="5400000" scaled="0"/>
-                </a:gradFill>
-              </a:rPr>
-              <a:t>Atlanta, Georgia</a:t>
-            </a:r>
-          </a:p>
-        </p:txBody>
-      </p:sp>
-      <p:pic>
-        <p:nvPicPr>
-          <p:cNvPr id="7" name="Picture 2"/>
-          <p:cNvPicPr>
-            <a:picLocks noChangeAspect="1" noChangeArrowheads="1"/>
-          </p:cNvPicPr>
-          <p:nvPr userDrawn="1"/>
-        </p:nvPicPr>
-        <p:blipFill>
-          <a:blip r:embed="rId4">
-            <a:extLst>
-              <a:ext uri="{28A0092B-C50C-407E-A947-70E740481C1C}">
-                <a14:useLocalDpi xmlns:a14="http://schemas.microsoft.com/office/drawing/2010/main" val="0"/>
-              </a:ext>
-            </a:extLst>
-          </a:blip>
-          <a:stretch>
-            <a:fillRect/>
-          </a:stretch>
-        </p:blipFill>
-        <p:spPr bwMode="blackWhite">
-          <a:xfrm>
-            <a:off x="9616720" y="6110893"/>
-            <a:ext cx="2468574" cy="514530"/>
-          </a:xfrm>
-          <a:prstGeom prst="rect">
-            <a:avLst/>
-          </a:prstGeom>
-          <a:noFill/>
-          <a:extLst>
-            <a:ext uri="{909E8E84-426E-40DD-AFC4-6F175D3DCCD1}">
-              <a14:hiddenFill xmlns:a14="http://schemas.microsoft.com/office/drawing/2010/main">
-                <a:solidFill>
-                  <a:srgbClr val="FFFFFF"/>
-                </a:solidFill>
-              </a14:hiddenFill>
-            </a:ext>
-          </a:extLst>
-        </p:spPr>
-      </p:pic>
-      <p:pic>
-        <p:nvPicPr>
-          <p:cNvPr id="2" name="Picture 1"/>
-          <p:cNvPicPr>
-            <a:picLocks noChangeAspect="1"/>
-          </p:cNvPicPr>
-          <p:nvPr userDrawn="1"/>
-        </p:nvPicPr>
-        <p:blipFill>
-          <a:blip r:embed="rId5" cstate="screen">
-            <a:extLst>
-              <a:ext uri="{28A0092B-C50C-407E-A947-70E740481C1C}">
-                <a14:useLocalDpi xmlns:a14="http://schemas.microsoft.com/office/drawing/2010/main"/>
-              </a:ext>
-            </a:extLst>
-          </a:blip>
-          <a:stretch>
-            <a:fillRect/>
-          </a:stretch>
-        </p:blipFill>
-        <p:spPr>
-          <a:xfrm>
-            <a:off x="457192" y="4242816"/>
-            <a:ext cx="6814424" cy="832104"/>
-          </a:xfrm>
-          <a:prstGeom prst="rect">
-            <a:avLst/>
-          </a:prstGeom>
-        </p:spPr>
-      </p:pic>
+              </a:defRPr>
+            </a:lvl1pPr>
+          </a:lstStyle>
+          <a:p>
+            <a:r>
+              <a:rPr lang="en-US" dirty="0" smtClean="0"/>
+              <a:t>Section title</a:t>
+            </a:r>
+            <a:endParaRPr lang="en-US" dirty="0"/>
+          </a:p>
+        </p:txBody>
+      </p:sp>
     </p:spTree>
     <p:extLst>
       <p:ext uri="{BB962C8B-B14F-4D97-AF65-F5344CB8AC3E}">
-        <p14:creationId xmlns:p14="http://schemas.microsoft.com/office/powerpoint/2010/main" val="2152757101"/>
+        <p14:creationId xmlns:p14="http://schemas.microsoft.com/office/powerpoint/2010/main" val="4075357253"/>
       </p:ext>
     </p:extLst>
   </p:cSld>
   <p:clrMapOvr>
-    <a:masterClrMapping/>
-  </p:clrMapOvr>
-  <p:transition>
-    <p:fade/>
-  </p:transition>
-  <p:timing>
-    <p:tnLst>
-      <p:par>
-        <p:cTn id="1" dur="indefinite" restart="never" nodeType="tmRoot"/>
-      </p:par>
-    </p:tnLst>
-  </p:timing>
-  <p:extLst mod="1">
-    <p:ext uri="{DCECCB84-F9BA-43D5-87BE-67443E8EF086}">
-      <p15:sldGuideLst xmlns:p15="http://schemas.microsoft.com/office/powerpoint/2012/main">
-        <p15:guide id="1" orient="horz" pos="302">
-          <p15:clr>
-            <a:srgbClr val="C35EA4"/>
-          </p15:clr>
-        </p15:guide>
-        <p15:guide id="2" pos="288">
-          <p15:clr>
-            <a:srgbClr val="C35EA4"/>
-          </p15:clr>
-        </p15:guide>
-        <p15:guide id="3" pos="7546">
-          <p15:clr>
-            <a:srgbClr val="C35EA4"/>
-          </p15:clr>
-        </p15:guide>
-        <p15:guide id="4" orient="horz" pos="4104">
-          <p15:clr>
-            <a:srgbClr val="C35EA4"/>
-          </p15:clr>
-        </p15:guide>
-      </p15:sldGuideLst>
-    </p:ext>
-  </p:extLst>
-</p:sldLayout>
-</file>
-
-<file path=ppt/slideLayouts/slideLayout10.xml><?xml version="1.0" encoding="utf-8"?>
-<p:sldLayout xmlns:a="http://schemas.openxmlformats.org/drawingml/2006/main" xmlns:r="http://schemas.openxmlformats.org/officeDocument/2006/relationships" xmlns:p="http://schemas.openxmlformats.org/presentationml/2006/main" preserve="1" userDrawn="1">
-  <p:cSld name="Title and Content">
-    <p:spTree>
-      <p:nvGrpSpPr>
-        <p:cNvPr id="1" name=""/>
-        <p:cNvGrpSpPr/>
-        <p:nvPr/>
-      </p:nvGrpSpPr>
-      <p:grpSpPr>
-        <a:xfrm>
-          <a:off x="0" y="0"/>
-          <a:ext cx="0" cy="0"/>
-          <a:chOff x="0" y="0"/>
-          <a:chExt cx="0" cy="0"/>
-        </a:xfrm>
-      </p:grpSpPr>
-      <p:sp>
-        <p:nvSpPr>
-          <p:cNvPr id="6" name="Title 5"/>
-          <p:cNvSpPr>
-            <a:spLocks noGrp="1"/>
-          </p:cNvSpPr>
-          <p:nvPr>
-            <p:ph type="title"/>
-          </p:nvPr>
-        </p:nvSpPr>
-        <p:spPr/>
-        <p:txBody>
-          <a:bodyPr/>
-          <a:lstStyle/>
-          <a:p>
-            <a:r>
-              <a:rPr lang="en-US" smtClean="0"/>
-              <a:t>Click to edit Master title style</a:t>
-            </a:r>
-            <a:endParaRPr lang="en-US"/>
-          </a:p>
-        </p:txBody>
-      </p:sp>
-      <p:sp>
-        <p:nvSpPr>
-          <p:cNvPr id="7" name="Content Placeholder 6"/>
-          <p:cNvSpPr>
-            <a:spLocks noGrp="1"/>
-          </p:cNvSpPr>
-          <p:nvPr>
-            <p:ph sz="quarter" idx="10"/>
-          </p:nvPr>
-        </p:nvSpPr>
-        <p:spPr>
-          <a:xfrm>
-            <a:off x="274638" y="1214438"/>
-            <a:ext cx="11887200" cy="5483225"/>
-          </a:xfrm>
-        </p:spPr>
-        <p:txBody>
-          <a:bodyPr/>
-          <a:lstStyle/>
-          <a:p>
-            <a:pPr lvl="0"/>
-            <a:r>
-              <a:rPr lang="en-US" smtClean="0"/>
-              <a:t>Click to edit Master text styles</a:t>
-            </a:r>
-          </a:p>
-          <a:p>
-            <a:pPr lvl="1"/>
-            <a:r>
-              <a:rPr lang="en-US" smtClean="0"/>
-              <a:t>Second level</a:t>
-            </a:r>
-          </a:p>
-          <a:p>
-            <a:pPr lvl="2"/>
-            <a:r>
-              <a:rPr lang="en-US" smtClean="0"/>
-              <a:t>Third level</a:t>
-            </a:r>
-          </a:p>
-          <a:p>
-            <a:pPr lvl="3"/>
-            <a:r>
-              <a:rPr lang="en-US" smtClean="0"/>
-              <a:t>Fourth level</a:t>
-            </a:r>
-          </a:p>
-          <a:p>
-            <a:pPr lvl="4"/>
-            <a:r>
-              <a:rPr lang="en-US" smtClean="0"/>
-              <a:t>Fifth level</a:t>
-            </a:r>
-            <a:endParaRPr lang="en-US" dirty="0"/>
-          </a:p>
-        </p:txBody>
-      </p:sp>
-    </p:spTree>
-    <p:extLst>
-      <p:ext uri="{BB962C8B-B14F-4D97-AF65-F5344CB8AC3E}">
-        <p14:creationId xmlns:p14="http://schemas.microsoft.com/office/powerpoint/2010/main" val="553196831"/>
-      </p:ext>
-    </p:extLst>
-  </p:cSld>
-  <p:clrMapOvr>
-    <a:masterClrMapping/>
+    <a:overrideClrMapping bg1="dk1" tx1="lt1" bg2="dk2" tx2="lt2" accent1="accent1" accent2="accent2" accent3="accent3" accent4="accent4" accent5="accent5" accent6="accent6" hlink="hlink" folHlink="folHlink"/>
   </p:clrMapOvr>
   <p:transition>
     <p:fade/>
@@ -2155,644 +1765,7 @@
 </p:sldLayout>
 </file>
 
-<file path=ppt/slideLayouts/slideLayout11.xml><?xml version="1.0" encoding="utf-8"?>
-<p:sldLayout xmlns:a="http://schemas.openxmlformats.org/drawingml/2006/main" xmlns:r="http://schemas.openxmlformats.org/officeDocument/2006/relationships" xmlns:p="http://schemas.openxmlformats.org/presentationml/2006/main" preserve="1" userDrawn="1">
-  <p:cSld name="Title and Content 1st level color text">
-    <p:spTree>
-      <p:nvGrpSpPr>
-        <p:cNvPr id="1" name=""/>
-        <p:cNvGrpSpPr/>
-        <p:nvPr/>
-      </p:nvGrpSpPr>
-      <p:grpSpPr>
-        <a:xfrm>
-          <a:off x="0" y="0"/>
-          <a:ext cx="0" cy="0"/>
-          <a:chOff x="0" y="0"/>
-          <a:chExt cx="0" cy="0"/>
-        </a:xfrm>
-      </p:grpSpPr>
-      <p:sp>
-        <p:nvSpPr>
-          <p:cNvPr id="4" name="Text Placeholder 3"/>
-          <p:cNvSpPr>
-            <a:spLocks noGrp="1"/>
-          </p:cNvSpPr>
-          <p:nvPr>
-            <p:ph type="body" sz="quarter" idx="10"/>
-          </p:nvPr>
-        </p:nvSpPr>
-        <p:spPr>
-          <a:xfrm>
-            <a:off x="274638" y="1212850"/>
-            <a:ext cx="11887200" cy="2025170"/>
-          </a:xfrm>
-        </p:spPr>
-        <p:txBody>
-          <a:bodyPr>
-            <a:spAutoFit/>
-          </a:bodyPr>
-          <a:lstStyle>
-            <a:lvl1pPr>
-              <a:defRPr>
-                <a:gradFill>
-                  <a:gsLst>
-                    <a:gs pos="1250">
-                      <a:schemeClr val="tx2"/>
-                    </a:gs>
-                    <a:gs pos="99000">
-                      <a:schemeClr val="tx2"/>
-                    </a:gs>
-                  </a:gsLst>
-                  <a:lin ang="5400000" scaled="0"/>
-                </a:gradFill>
-              </a:defRPr>
-            </a:lvl1pPr>
-          </a:lstStyle>
-          <a:p>
-            <a:pPr lvl="0"/>
-            <a:r>
-              <a:rPr lang="en-US" smtClean="0"/>
-              <a:t>Click to edit Master text styles</a:t>
-            </a:r>
-          </a:p>
-          <a:p>
-            <a:pPr lvl="1"/>
-            <a:r>
-              <a:rPr lang="en-US" smtClean="0"/>
-              <a:t>Second level</a:t>
-            </a:r>
-          </a:p>
-          <a:p>
-            <a:pPr lvl="2"/>
-            <a:r>
-              <a:rPr lang="en-US" smtClean="0"/>
-              <a:t>Third level</a:t>
-            </a:r>
-          </a:p>
-          <a:p>
-            <a:pPr lvl="3"/>
-            <a:r>
-              <a:rPr lang="en-US" smtClean="0"/>
-              <a:t>Fourth level</a:t>
-            </a:r>
-          </a:p>
-          <a:p>
-            <a:pPr lvl="4"/>
-            <a:r>
-              <a:rPr lang="en-US" smtClean="0"/>
-              <a:t>Fifth level</a:t>
-            </a:r>
-            <a:endParaRPr lang="en-US" dirty="0"/>
-          </a:p>
-        </p:txBody>
-      </p:sp>
-      <p:sp>
-        <p:nvSpPr>
-          <p:cNvPr id="6" name="Title 5"/>
-          <p:cNvSpPr>
-            <a:spLocks noGrp="1"/>
-          </p:cNvSpPr>
-          <p:nvPr>
-            <p:ph type="title"/>
-          </p:nvPr>
-        </p:nvSpPr>
-        <p:spPr/>
-        <p:txBody>
-          <a:bodyPr/>
-          <a:lstStyle/>
-          <a:p>
-            <a:r>
-              <a:rPr lang="en-US" smtClean="0"/>
-              <a:t>Click to edit Master title style</a:t>
-            </a:r>
-            <a:endParaRPr lang="en-US"/>
-          </a:p>
-        </p:txBody>
-      </p:sp>
-    </p:spTree>
-    <p:extLst>
-      <p:ext uri="{BB962C8B-B14F-4D97-AF65-F5344CB8AC3E}">
-        <p14:creationId xmlns:p14="http://schemas.microsoft.com/office/powerpoint/2010/main" val="2229941979"/>
-      </p:ext>
-    </p:extLst>
-  </p:cSld>
-  <p:clrMapOvr>
-    <a:masterClrMapping/>
-  </p:clrMapOvr>
-  <p:transition>
-    <p:fade/>
-  </p:transition>
-  <p:timing>
-    <p:tnLst>
-      <p:par>
-        <p:cTn id="1" dur="indefinite" restart="never" nodeType="tmRoot"/>
-      </p:par>
-    </p:tnLst>
-  </p:timing>
-</p:sldLayout>
-</file>
-
-<file path=ppt/slideLayouts/slideLayout12.xml><?xml version="1.0" encoding="utf-8"?>
-<p:sldLayout xmlns:a="http://schemas.openxmlformats.org/drawingml/2006/main" xmlns:r="http://schemas.openxmlformats.org/officeDocument/2006/relationships" xmlns:p="http://schemas.openxmlformats.org/presentationml/2006/main" preserve="1" userDrawn="1">
-  <p:cSld name="Two Column 2-color Non-bulleted">
-    <p:spTree>
-      <p:nvGrpSpPr>
-        <p:cNvPr id="1" name=""/>
-        <p:cNvGrpSpPr/>
-        <p:nvPr/>
-      </p:nvGrpSpPr>
-      <p:grpSpPr>
-        <a:xfrm>
-          <a:off x="0" y="0"/>
-          <a:ext cx="0" cy="0"/>
-          <a:chOff x="0" y="0"/>
-          <a:chExt cx="0" cy="0"/>
-        </a:xfrm>
-      </p:grpSpPr>
-      <p:sp>
-        <p:nvSpPr>
-          <p:cNvPr id="2" name="Title 1"/>
-          <p:cNvSpPr>
-            <a:spLocks noGrp="1"/>
-          </p:cNvSpPr>
-          <p:nvPr>
-            <p:ph type="title"/>
-          </p:nvPr>
-        </p:nvSpPr>
-        <p:spPr/>
-        <p:txBody>
-          <a:bodyPr/>
-          <a:lstStyle/>
-          <a:p>
-            <a:r>
-              <a:rPr lang="en-US" smtClean="0"/>
-              <a:t>Click to edit Master title style</a:t>
-            </a:r>
-            <a:endParaRPr lang="en-US" dirty="0"/>
-          </a:p>
-        </p:txBody>
-      </p:sp>
-      <p:sp>
-        <p:nvSpPr>
-          <p:cNvPr id="4" name="Text Placeholder 3"/>
-          <p:cNvSpPr>
-            <a:spLocks noGrp="1"/>
-          </p:cNvSpPr>
-          <p:nvPr>
-            <p:ph type="body" sz="quarter" idx="10"/>
-          </p:nvPr>
-        </p:nvSpPr>
-        <p:spPr>
-          <a:xfrm>
-            <a:off x="274639" y="1212849"/>
-            <a:ext cx="5486399" cy="2536079"/>
-          </a:xfrm>
-        </p:spPr>
-        <p:txBody>
-          <a:bodyPr wrap="square">
-            <a:spAutoFit/>
-          </a:bodyPr>
-          <a:lstStyle>
-            <a:lvl1pPr marL="0" indent="0">
-              <a:spcBef>
-                <a:spcPts val="1224"/>
-              </a:spcBef>
-              <a:buClr>
-                <a:schemeClr val="tx1"/>
-              </a:buClr>
-              <a:buFont typeface="Wingdings" pitchFamily="2" charset="2"/>
-              <a:buNone/>
-              <a:defRPr sz="3600">
-                <a:gradFill>
-                  <a:gsLst>
-                    <a:gs pos="1250">
-                      <a:schemeClr val="tx2"/>
-                    </a:gs>
-                    <a:gs pos="99000">
-                      <a:schemeClr val="tx2"/>
-                    </a:gs>
-                  </a:gsLst>
-                  <a:lin ang="5400000" scaled="0"/>
-                </a:gradFill>
-              </a:defRPr>
-            </a:lvl1pPr>
-            <a:lvl2pPr marL="0" indent="0">
-              <a:buNone/>
-              <a:defRPr sz="2000"/>
-            </a:lvl2pPr>
-            <a:lvl3pPr marL="231775" indent="0">
-              <a:buNone/>
-              <a:tabLst/>
-              <a:defRPr sz="2000"/>
-            </a:lvl3pPr>
-            <a:lvl4pPr marL="460375" indent="0">
-              <a:buNone/>
-              <a:defRPr sz="1800"/>
-            </a:lvl4pPr>
-            <a:lvl5pPr marL="685800" indent="0">
-              <a:buNone/>
-              <a:tabLst/>
-              <a:defRPr sz="1800"/>
-            </a:lvl5pPr>
-          </a:lstStyle>
-          <a:p>
-            <a:pPr lvl="0"/>
-            <a:r>
-              <a:rPr lang="en-US" smtClean="0"/>
-              <a:t>Click to edit Master text styles</a:t>
-            </a:r>
-          </a:p>
-          <a:p>
-            <a:pPr lvl="1"/>
-            <a:r>
-              <a:rPr lang="en-US" smtClean="0"/>
-              <a:t>Second level</a:t>
-            </a:r>
-          </a:p>
-          <a:p>
-            <a:pPr lvl="2"/>
-            <a:r>
-              <a:rPr lang="en-US" smtClean="0"/>
-              <a:t>Third level</a:t>
-            </a:r>
-          </a:p>
-          <a:p>
-            <a:pPr lvl="3"/>
-            <a:r>
-              <a:rPr lang="en-US" smtClean="0"/>
-              <a:t>Fourth level</a:t>
-            </a:r>
-          </a:p>
-          <a:p>
-            <a:pPr lvl="4"/>
-            <a:r>
-              <a:rPr lang="en-US" smtClean="0"/>
-              <a:t>Fifth level</a:t>
-            </a:r>
-            <a:endParaRPr lang="en-US" dirty="0"/>
-          </a:p>
-        </p:txBody>
-      </p:sp>
-      <p:sp>
-        <p:nvSpPr>
-          <p:cNvPr id="5" name="Text Placeholder 3"/>
-          <p:cNvSpPr>
-            <a:spLocks noGrp="1"/>
-          </p:cNvSpPr>
-          <p:nvPr>
-            <p:ph type="body" sz="quarter" idx="11"/>
-          </p:nvPr>
-        </p:nvSpPr>
-        <p:spPr>
-          <a:xfrm>
-            <a:off x="6675439" y="1212849"/>
-            <a:ext cx="5486399" cy="2536079"/>
-          </a:xfrm>
-        </p:spPr>
-        <p:txBody>
-          <a:bodyPr wrap="square">
-            <a:spAutoFit/>
-          </a:bodyPr>
-          <a:lstStyle>
-            <a:lvl1pPr marL="0" indent="0">
-              <a:spcBef>
-                <a:spcPts val="1224"/>
-              </a:spcBef>
-              <a:buClr>
-                <a:schemeClr val="tx1"/>
-              </a:buClr>
-              <a:buFont typeface="Wingdings" pitchFamily="2" charset="2"/>
-              <a:buNone/>
-              <a:defRPr sz="3600">
-                <a:gradFill>
-                  <a:gsLst>
-                    <a:gs pos="1250">
-                      <a:schemeClr val="tx2"/>
-                    </a:gs>
-                    <a:gs pos="99000">
-                      <a:schemeClr val="tx2"/>
-                    </a:gs>
-                  </a:gsLst>
-                  <a:lin ang="5400000" scaled="0"/>
-                </a:gradFill>
-              </a:defRPr>
-            </a:lvl1pPr>
-            <a:lvl2pPr marL="0" indent="0">
-              <a:buNone/>
-              <a:defRPr sz="2000"/>
-            </a:lvl2pPr>
-            <a:lvl3pPr marL="231775" indent="0">
-              <a:buNone/>
-              <a:tabLst/>
-              <a:defRPr sz="2000"/>
-            </a:lvl3pPr>
-            <a:lvl4pPr marL="460375" indent="0">
-              <a:buNone/>
-              <a:defRPr sz="1800"/>
-            </a:lvl4pPr>
-            <a:lvl5pPr marL="685800" indent="0">
-              <a:buNone/>
-              <a:tabLst/>
-              <a:defRPr sz="1800"/>
-            </a:lvl5pPr>
-          </a:lstStyle>
-          <a:p>
-            <a:pPr lvl="0"/>
-            <a:r>
-              <a:rPr lang="en-US" smtClean="0"/>
-              <a:t>Click to edit Master text styles</a:t>
-            </a:r>
-          </a:p>
-          <a:p>
-            <a:pPr lvl="1"/>
-            <a:r>
-              <a:rPr lang="en-US" smtClean="0"/>
-              <a:t>Second level</a:t>
-            </a:r>
-          </a:p>
-          <a:p>
-            <a:pPr lvl="2"/>
-            <a:r>
-              <a:rPr lang="en-US" smtClean="0"/>
-              <a:t>Third level</a:t>
-            </a:r>
-          </a:p>
-          <a:p>
-            <a:pPr lvl="3"/>
-            <a:r>
-              <a:rPr lang="en-US" smtClean="0"/>
-              <a:t>Fourth level</a:t>
-            </a:r>
-          </a:p>
-          <a:p>
-            <a:pPr lvl="4"/>
-            <a:r>
-              <a:rPr lang="en-US" smtClean="0"/>
-              <a:t>Fifth level</a:t>
-            </a:r>
-            <a:endParaRPr lang="en-US" dirty="0"/>
-          </a:p>
-        </p:txBody>
-      </p:sp>
-    </p:spTree>
-    <p:extLst>
-      <p:ext uri="{BB962C8B-B14F-4D97-AF65-F5344CB8AC3E}">
-        <p14:creationId xmlns:p14="http://schemas.microsoft.com/office/powerpoint/2010/main" val="3968534032"/>
-      </p:ext>
-    </p:extLst>
-  </p:cSld>
-  <p:clrMapOvr>
-    <a:masterClrMapping/>
-  </p:clrMapOvr>
-  <p:transition>
-    <p:fade/>
-  </p:transition>
-</p:sldLayout>
-</file>
-
-<file path=ppt/slideLayouts/slideLayout13.xml><?xml version="1.0" encoding="utf-8"?>
-<p:sldLayout xmlns:a="http://schemas.openxmlformats.org/drawingml/2006/main" xmlns:r="http://schemas.openxmlformats.org/officeDocument/2006/relationships" xmlns:p="http://schemas.openxmlformats.org/presentationml/2006/main" preserve="1" userDrawn="1">
-  <p:cSld name="Two Column Non-bulleted text">
-    <p:spTree>
-      <p:nvGrpSpPr>
-        <p:cNvPr id="1" name=""/>
-        <p:cNvGrpSpPr/>
-        <p:nvPr/>
-      </p:nvGrpSpPr>
-      <p:grpSpPr>
-        <a:xfrm>
-          <a:off x="0" y="0"/>
-          <a:ext cx="0" cy="0"/>
-          <a:chOff x="0" y="0"/>
-          <a:chExt cx="0" cy="0"/>
-        </a:xfrm>
-      </p:grpSpPr>
-      <p:sp>
-        <p:nvSpPr>
-          <p:cNvPr id="2" name="Title 1"/>
-          <p:cNvSpPr>
-            <a:spLocks noGrp="1"/>
-          </p:cNvSpPr>
-          <p:nvPr>
-            <p:ph type="title"/>
-          </p:nvPr>
-        </p:nvSpPr>
-        <p:spPr/>
-        <p:txBody>
-          <a:bodyPr/>
-          <a:lstStyle/>
-          <a:p>
-            <a:r>
-              <a:rPr lang="en-US" smtClean="0"/>
-              <a:t>Click to edit Master title style</a:t>
-            </a:r>
-            <a:endParaRPr lang="en-US" dirty="0"/>
-          </a:p>
-        </p:txBody>
-      </p:sp>
-      <p:sp>
-        <p:nvSpPr>
-          <p:cNvPr id="4" name="Text Placeholder 3"/>
-          <p:cNvSpPr>
-            <a:spLocks noGrp="1"/>
-          </p:cNvSpPr>
-          <p:nvPr>
-            <p:ph type="body" sz="quarter" idx="10"/>
-          </p:nvPr>
-        </p:nvSpPr>
-        <p:spPr>
-          <a:xfrm>
-            <a:off x="274639" y="1212849"/>
-            <a:ext cx="5486399" cy="2536079"/>
-          </a:xfrm>
-        </p:spPr>
-        <p:txBody>
-          <a:bodyPr wrap="square">
-            <a:spAutoFit/>
-          </a:bodyPr>
-          <a:lstStyle>
-            <a:lvl1pPr marL="0" indent="0">
-              <a:spcBef>
-                <a:spcPts val="1224"/>
-              </a:spcBef>
-              <a:buClr>
-                <a:schemeClr val="tx1"/>
-              </a:buClr>
-              <a:buFont typeface="Wingdings" pitchFamily="2" charset="2"/>
-              <a:buNone/>
-              <a:defRPr sz="3600"/>
-            </a:lvl1pPr>
-            <a:lvl2pPr marL="0" indent="0">
-              <a:buNone/>
-              <a:defRPr sz="2000"/>
-            </a:lvl2pPr>
-            <a:lvl3pPr marL="231775" indent="0">
-              <a:buNone/>
-              <a:tabLst/>
-              <a:defRPr sz="2000"/>
-            </a:lvl3pPr>
-            <a:lvl4pPr marL="460375" indent="0">
-              <a:buNone/>
-              <a:defRPr sz="1800"/>
-            </a:lvl4pPr>
-            <a:lvl5pPr marL="685800" indent="0">
-              <a:buNone/>
-              <a:tabLst/>
-              <a:defRPr sz="1800"/>
-            </a:lvl5pPr>
-          </a:lstStyle>
-          <a:p>
-            <a:pPr lvl="0"/>
-            <a:r>
-              <a:rPr lang="en-US" smtClean="0"/>
-              <a:t>Click to edit Master text styles</a:t>
-            </a:r>
-          </a:p>
-          <a:p>
-            <a:pPr lvl="1"/>
-            <a:r>
-              <a:rPr lang="en-US" smtClean="0"/>
-              <a:t>Second level</a:t>
-            </a:r>
-          </a:p>
-          <a:p>
-            <a:pPr lvl="2"/>
-            <a:r>
-              <a:rPr lang="en-US" smtClean="0"/>
-              <a:t>Third level</a:t>
-            </a:r>
-          </a:p>
-          <a:p>
-            <a:pPr lvl="3"/>
-            <a:r>
-              <a:rPr lang="en-US" smtClean="0"/>
-              <a:t>Fourth level</a:t>
-            </a:r>
-          </a:p>
-          <a:p>
-            <a:pPr lvl="4"/>
-            <a:r>
-              <a:rPr lang="en-US" smtClean="0"/>
-              <a:t>Fifth level</a:t>
-            </a:r>
-            <a:endParaRPr lang="en-US" dirty="0"/>
-          </a:p>
-        </p:txBody>
-      </p:sp>
-      <p:sp>
-        <p:nvSpPr>
-          <p:cNvPr id="5" name="Text Placeholder 3"/>
-          <p:cNvSpPr>
-            <a:spLocks noGrp="1"/>
-          </p:cNvSpPr>
-          <p:nvPr>
-            <p:ph type="body" sz="quarter" idx="11"/>
-          </p:nvPr>
-        </p:nvSpPr>
-        <p:spPr>
-          <a:xfrm>
-            <a:off x="6675439" y="1212849"/>
-            <a:ext cx="5486399" cy="2468368"/>
-          </a:xfrm>
-        </p:spPr>
-        <p:txBody>
-          <a:bodyPr wrap="square">
-            <a:spAutoFit/>
-          </a:bodyPr>
-          <a:lstStyle>
-            <a:lvl1pPr marL="0" indent="0">
-              <a:spcBef>
-                <a:spcPts val="1224"/>
-              </a:spcBef>
-              <a:buClr>
-                <a:schemeClr val="tx1"/>
-              </a:buClr>
-              <a:buFont typeface="Wingdings" pitchFamily="2" charset="2"/>
-              <a:buNone/>
-              <a:defRPr sz="3600"/>
-            </a:lvl1pPr>
-            <a:lvl2pPr marL="0" indent="0">
-              <a:buNone/>
-              <a:defRPr sz="2000"/>
-            </a:lvl2pPr>
-            <a:lvl3pPr marL="231775" indent="0">
-              <a:buNone/>
-              <a:tabLst/>
-              <a:defRPr sz="2000"/>
-            </a:lvl3pPr>
-            <a:lvl4pPr marL="460375" indent="0">
-              <a:buNone/>
-              <a:defRPr sz="1800"/>
-            </a:lvl4pPr>
-            <a:lvl5pPr marL="685800" indent="0">
-              <a:buNone/>
-              <a:tabLst/>
-              <a:defRPr sz="1800"/>
-            </a:lvl5pPr>
-          </a:lstStyle>
-          <a:p>
-            <a:pPr lvl="0"/>
-            <a:r>
-              <a:rPr lang="en-US" smtClean="0"/>
-              <a:t>Click to edit Master text styles</a:t>
-            </a:r>
-          </a:p>
-          <a:p>
-            <a:pPr lvl="1"/>
-            <a:r>
-              <a:rPr lang="en-US" smtClean="0"/>
-              <a:t>Second level</a:t>
-            </a:r>
-          </a:p>
-          <a:p>
-            <a:pPr lvl="2"/>
-            <a:r>
-              <a:rPr lang="en-US" smtClean="0"/>
-              <a:t>Third level</a:t>
-            </a:r>
-          </a:p>
-          <a:p>
-            <a:pPr lvl="3"/>
-            <a:r>
-              <a:rPr lang="en-US" smtClean="0"/>
-              <a:t>Fourth level</a:t>
-            </a:r>
-          </a:p>
-          <a:p>
-            <a:pPr lvl="4"/>
-            <a:r>
-              <a:rPr lang="en-US" smtClean="0"/>
-              <a:t>Fifth level</a:t>
-            </a:r>
-            <a:endParaRPr lang="en-US" dirty="0"/>
-          </a:p>
-        </p:txBody>
-      </p:sp>
-    </p:spTree>
-    <p:extLst>
-      <p:ext uri="{BB962C8B-B14F-4D97-AF65-F5344CB8AC3E}">
-        <p14:creationId xmlns:p14="http://schemas.microsoft.com/office/powerpoint/2010/main" val="1918839873"/>
-      </p:ext>
-    </p:extLst>
-  </p:cSld>
-  <p:clrMapOvr>
-    <a:masterClrMapping/>
-  </p:clrMapOvr>
-  <p:transition>
-    <p:fade/>
-  </p:transition>
-  <p:timing>
-    <p:tnLst>
-      <p:par>
-        <p:cTn id="1" dur="indefinite" restart="never" nodeType="tmRoot"/>
-      </p:par>
-    </p:tnLst>
-  </p:timing>
-</p:sldLayout>
-</file>
-
-<file path=ppt/slideLayouts/slideLayout14.xml><?xml version="1.0" encoding="utf-8"?>
+<file path=ppt/slideLayouts/slideLayout10.xml><?xml version="1.0" encoding="utf-8"?>
 <p:sldLayout xmlns:a="http://schemas.openxmlformats.org/drawingml/2006/main" xmlns:r="http://schemas.openxmlformats.org/officeDocument/2006/relationships" xmlns:p="http://schemas.openxmlformats.org/presentationml/2006/main" preserve="1" userDrawn="1">
   <p:cSld name="Two Column Bullet text">
     <p:spTree>
@@ -3018,7 +1991,7 @@
 </p:sldLayout>
 </file>
 
-<file path=ppt/slideLayouts/slideLayout15.xml><?xml version="1.0" encoding="utf-8"?>
+<file path=ppt/slideLayouts/slideLayout11.xml><?xml version="1.0" encoding="utf-8"?>
 <p:sldLayout xmlns:a="http://schemas.openxmlformats.org/drawingml/2006/main" xmlns:r="http://schemas.openxmlformats.org/officeDocument/2006/relationships" xmlns:p="http://schemas.openxmlformats.org/presentationml/2006/main" preserve="1" userDrawn="1">
   <p:cSld name="Two Column Bullet text 1st level color">
     <p:spTree>
@@ -3268,7 +2241,7 @@
 </p:sldLayout>
 </file>
 
-<file path=ppt/slideLayouts/slideLayout16.xml><?xml version="1.0" encoding="utf-8"?>
+<file path=ppt/slideLayouts/slideLayout12.xml><?xml version="1.0" encoding="utf-8"?>
 <p:sldLayout xmlns:a="http://schemas.openxmlformats.org/drawingml/2006/main" xmlns:r="http://schemas.openxmlformats.org/officeDocument/2006/relationships" xmlns:p="http://schemas.openxmlformats.org/presentationml/2006/main" preserve="1" userDrawn="1">
   <p:cSld name="Title Only">
     <p:spTree>
@@ -3331,7 +2304,7 @@
 </p:sldLayout>
 </file>
 
-<file path=ppt/slideLayouts/slideLayout17.xml><?xml version="1.0" encoding="utf-8"?>
+<file path=ppt/slideLayouts/slideLayout13.xml><?xml version="1.0" encoding="utf-8"?>
 <p:sldLayout xmlns:a="http://schemas.openxmlformats.org/drawingml/2006/main" xmlns:r="http://schemas.openxmlformats.org/officeDocument/2006/relationships" xmlns:p="http://schemas.openxmlformats.org/presentationml/2006/main" preserve="1" userDrawn="1">
   <p:cSld name="Blank">
     <p:spTree>
@@ -3371,7 +2344,7 @@
 </p:sldLayout>
 </file>
 
-<file path=ppt/slideLayouts/slideLayout18.xml><?xml version="1.0" encoding="utf-8"?>
+<file path=ppt/slideLayouts/slideLayout14.xml><?xml version="1.0" encoding="utf-8"?>
 <p:sldLayout xmlns:a="http://schemas.openxmlformats.org/drawingml/2006/main" xmlns:r="http://schemas.openxmlformats.org/officeDocument/2006/relationships" xmlns:p="http://schemas.openxmlformats.org/presentationml/2006/main" preserve="1" userDrawn="1">
   <p:cSld name="Blank Accent Color 1">
     <p:bg>
@@ -3419,7 +2392,7 @@
 </p:sldLayout>
 </file>
 
-<file path=ppt/slideLayouts/slideLayout19.xml><?xml version="1.0" encoding="utf-8"?>
+<file path=ppt/slideLayouts/slideLayout15.xml><?xml version="1.0" encoding="utf-8"?>
 <p:sldLayout xmlns:a="http://schemas.openxmlformats.org/drawingml/2006/main" xmlns:r="http://schemas.openxmlformats.org/officeDocument/2006/relationships" xmlns:p="http://schemas.openxmlformats.org/presentationml/2006/main" preserve="1" userDrawn="1">
   <p:cSld name="Blank Accent Color 2">
     <p:bg>
@@ -3467,467 +2440,7 @@
 </p:sldLayout>
 </file>
 
-<file path=ppt/slideLayouts/slideLayout2.xml><?xml version="1.0" encoding="utf-8"?>
-<p:sldLayout xmlns:a="http://schemas.openxmlformats.org/drawingml/2006/main" xmlns:r="http://schemas.openxmlformats.org/officeDocument/2006/relationships" xmlns:p="http://schemas.openxmlformats.org/presentationml/2006/main" preserve="1" userDrawn="1">
-  <p:cSld name="Title Slide 2">
-    <p:bg>
-      <p:bgPr>
-        <a:solidFill>
-          <a:schemeClr val="accent1"/>
-        </a:solidFill>
-        <a:effectLst/>
-      </p:bgPr>
-    </p:bg>
-    <p:spTree>
-      <p:nvGrpSpPr>
-        <p:cNvPr id="1" name=""/>
-        <p:cNvGrpSpPr/>
-        <p:nvPr/>
-      </p:nvGrpSpPr>
-      <p:grpSpPr>
-        <a:xfrm>
-          <a:off x="0" y="0"/>
-          <a:ext cx="0" cy="0"/>
-          <a:chOff x="0" y="0"/>
-          <a:chExt cx="0" cy="0"/>
-        </a:xfrm>
-      </p:grpSpPr>
-      <p:pic>
-        <p:nvPicPr>
-          <p:cNvPr id="12" name="Picture 11"/>
-          <p:cNvPicPr>
-            <a:picLocks noChangeAspect="1"/>
-          </p:cNvPicPr>
-          <p:nvPr userDrawn="1"/>
-        </p:nvPicPr>
-        <p:blipFill>
-          <a:blip r:embed="rId2" cstate="email">
-            <a:extLst>
-              <a:ext uri="{28A0092B-C50C-407E-A947-70E740481C1C}">
-                <a14:useLocalDpi xmlns:a14="http://schemas.microsoft.com/office/drawing/2010/main"/>
-              </a:ext>
-            </a:extLst>
-          </a:blip>
-          <a:stretch>
-            <a:fillRect/>
-          </a:stretch>
-        </p:blipFill>
-        <p:spPr>
-          <a:xfrm>
-            <a:off x="317" y="-318"/>
-            <a:ext cx="12435840" cy="6995160"/>
-          </a:xfrm>
-          <a:prstGeom prst="rect">
-            <a:avLst/>
-          </a:prstGeom>
-        </p:spPr>
-      </p:pic>
-      <p:pic>
-        <p:nvPicPr>
-          <p:cNvPr id="8" name="Picture 7"/>
-          <p:cNvPicPr>
-            <a:picLocks noChangeAspect="1"/>
-          </p:cNvPicPr>
-          <p:nvPr userDrawn="1"/>
-        </p:nvPicPr>
-        <p:blipFill>
-          <a:blip r:embed="rId3">
-            <a:extLst>
-              <a:ext uri="{28A0092B-C50C-407E-A947-70E740481C1C}">
-                <a14:useLocalDpi xmlns:a14="http://schemas.microsoft.com/office/drawing/2010/main" val="0"/>
-              </a:ext>
-            </a:extLst>
-          </a:blip>
-          <a:stretch>
-            <a:fillRect/>
-          </a:stretch>
-        </p:blipFill>
-        <p:spPr bwMode="black">
-          <a:xfrm>
-            <a:off x="10275142" y="479425"/>
-            <a:ext cx="1704133" cy="363774"/>
-          </a:xfrm>
-          <a:prstGeom prst="rect">
-            <a:avLst/>
-          </a:prstGeom>
-        </p:spPr>
-      </p:pic>
-      <p:sp>
-        <p:nvSpPr>
-          <p:cNvPr id="3" name="Rectangle 2"/>
-          <p:cNvSpPr/>
-          <p:nvPr userDrawn="1"/>
-        </p:nvSpPr>
-        <p:spPr bwMode="ltGray">
-          <a:xfrm>
-            <a:off x="274638" y="3040063"/>
-            <a:ext cx="10972800" cy="3657600"/>
-          </a:xfrm>
-          <a:prstGeom prst="rect">
-            <a:avLst/>
-          </a:prstGeom>
-          <a:solidFill>
-            <a:schemeClr val="accent1">
-              <a:alpha val="90000"/>
-            </a:schemeClr>
-          </a:solidFill>
-          <a:ln>
-            <a:noFill/>
-            <a:headEnd type="none" w="med" len="med"/>
-            <a:tailEnd type="none" w="med" len="med"/>
-          </a:ln>
-          <a:effectLst/>
-        </p:spPr>
-        <p:style>
-          <a:lnRef idx="1">
-            <a:schemeClr val="accent2"/>
-          </a:lnRef>
-          <a:fillRef idx="3">
-            <a:schemeClr val="accent2"/>
-          </a:fillRef>
-          <a:effectRef idx="2">
-            <a:schemeClr val="accent2"/>
-          </a:effectRef>
-          <a:fontRef idx="minor">
-            <a:schemeClr val="lt1"/>
-          </a:fontRef>
-        </p:style>
-        <p:txBody>
-          <a:bodyPr rot="0" spcFirstLastPara="0" vertOverflow="overflow" horzOverflow="overflow" vert="horz" wrap="square" lIns="182880" tIns="146304" rIns="182880" bIns="146304" numCol="1" spcCol="0" rtlCol="0" fromWordArt="0" anchor="t" anchorCtr="0" forceAA="0" compatLnSpc="1">
-            <a:prstTxWarp prst="textNoShape">
-              <a:avLst/>
-            </a:prstTxWarp>
-            <a:noAutofit/>
-          </a:bodyPr>
-          <a:lstStyle/>
-          <a:p>
-            <a:pPr algn="ctr" defTabSz="932472" fontAlgn="base">
-              <a:lnSpc>
-                <a:spcPct val="90000"/>
-              </a:lnSpc>
-              <a:spcBef>
-                <a:spcPct val="0"/>
-              </a:spcBef>
-              <a:spcAft>
-                <a:spcPct val="0"/>
-              </a:spcAft>
-            </a:pPr>
-            <a:endParaRPr lang="en-US" sz="2400" dirty="0" smtClean="0">
-              <a:gradFill>
-                <a:gsLst>
-                  <a:gs pos="0">
-                    <a:srgbClr val="FFFFFF"/>
-                  </a:gs>
-                  <a:gs pos="100000">
-                    <a:srgbClr val="FFFFFF"/>
-                  </a:gs>
-                </a:gsLst>
-                <a:lin ang="5400000" scaled="0"/>
-              </a:gradFill>
-              <a:ea typeface="Segoe UI" pitchFamily="34" charset="0"/>
-              <a:cs typeface="Segoe UI" pitchFamily="34" charset="0"/>
-            </a:endParaRPr>
-          </a:p>
-        </p:txBody>
-      </p:sp>
-      <p:sp>
-        <p:nvSpPr>
-          <p:cNvPr id="9" name="Title 1"/>
-          <p:cNvSpPr>
-            <a:spLocks noGrp="1"/>
-          </p:cNvSpPr>
-          <p:nvPr>
-            <p:ph type="title" hasCustomPrompt="1"/>
-          </p:nvPr>
-        </p:nvSpPr>
-        <p:spPr>
-          <a:xfrm>
-            <a:off x="274702" y="3040078"/>
-            <a:ext cx="8229536" cy="1828786"/>
-          </a:xfrm>
-          <a:noFill/>
-        </p:spPr>
-        <p:txBody>
-          <a:bodyPr lIns="146304" tIns="91440" rIns="146304" bIns="91440" anchor="t" anchorCtr="0"/>
-          <a:lstStyle>
-            <a:lvl1pPr>
-              <a:defRPr sz="6000" spc="-100" baseline="0">
-                <a:gradFill>
-                  <a:gsLst>
-                    <a:gs pos="5833">
-                      <a:srgbClr val="FFFFFF"/>
-                    </a:gs>
-                    <a:gs pos="18000">
-                      <a:srgbClr val="FFFFFF"/>
-                    </a:gs>
-                  </a:gsLst>
-                  <a:lin ang="5400000" scaled="0"/>
-                </a:gradFill>
-              </a:defRPr>
-            </a:lvl1pPr>
-          </a:lstStyle>
-          <a:p>
-            <a:r>
-              <a:rPr lang="en-US" dirty="0" smtClean="0"/>
-              <a:t>Presentation title</a:t>
-            </a:r>
-            <a:endParaRPr lang="en-US" dirty="0"/>
-          </a:p>
-        </p:txBody>
-      </p:sp>
-      <p:sp>
-        <p:nvSpPr>
-          <p:cNvPr id="5" name="Text Placeholder 4"/>
-          <p:cNvSpPr>
-            <a:spLocks noGrp="1"/>
-          </p:cNvSpPr>
-          <p:nvPr>
-            <p:ph type="body" sz="quarter" idx="12" hasCustomPrompt="1"/>
-          </p:nvPr>
-        </p:nvSpPr>
-        <p:spPr>
-          <a:xfrm>
-            <a:off x="274701" y="4870187"/>
-            <a:ext cx="8229537" cy="1313212"/>
-          </a:xfrm>
-          <a:noFill/>
-        </p:spPr>
-        <p:txBody>
-          <a:bodyPr lIns="182880" tIns="146304" rIns="182880" bIns="146304">
-            <a:noAutofit/>
-          </a:bodyPr>
-          <a:lstStyle>
-            <a:lvl1pPr marL="0" indent="0">
-              <a:spcBef>
-                <a:spcPts val="0"/>
-              </a:spcBef>
-              <a:buNone/>
-              <a:defRPr sz="3200" spc="0" baseline="0">
-                <a:gradFill>
-                  <a:gsLst>
-                    <a:gs pos="2917">
-                      <a:srgbClr val="FFFFFF"/>
-                    </a:gs>
-                    <a:gs pos="30000">
-                      <a:srgbClr val="FFFFFF"/>
-                    </a:gs>
-                  </a:gsLst>
-                  <a:lin ang="5400000" scaled="0"/>
-                </a:gradFill>
-                <a:latin typeface="+mj-lt"/>
-              </a:defRPr>
-            </a:lvl1pPr>
-          </a:lstStyle>
-          <a:p>
-            <a:pPr lvl="0"/>
-            <a:r>
-              <a:rPr lang="en-US" dirty="0" smtClean="0"/>
-              <a:t>Speaker Name</a:t>
-            </a:r>
-          </a:p>
-        </p:txBody>
-      </p:sp>
-      <p:pic>
-        <p:nvPicPr>
-          <p:cNvPr id="11" name="Picture 2"/>
-          <p:cNvPicPr>
-            <a:picLocks noChangeAspect="1" noChangeArrowheads="1"/>
-          </p:cNvPicPr>
-          <p:nvPr userDrawn="1"/>
-        </p:nvPicPr>
-        <p:blipFill>
-          <a:blip r:embed="rId4">
-            <a:extLst>
-              <a:ext uri="{28A0092B-C50C-407E-A947-70E740481C1C}">
-                <a14:useLocalDpi xmlns:a14="http://schemas.microsoft.com/office/drawing/2010/main" val="0"/>
-              </a:ext>
-            </a:extLst>
-          </a:blip>
-          <a:stretch>
-            <a:fillRect/>
-          </a:stretch>
-        </p:blipFill>
-        <p:spPr bwMode="black">
-          <a:xfrm>
-            <a:off x="364537" y="6183398"/>
-            <a:ext cx="2468574" cy="514530"/>
-          </a:xfrm>
-          <a:prstGeom prst="rect">
-            <a:avLst/>
-          </a:prstGeom>
-          <a:noFill/>
-          <a:extLst>
-            <a:ext uri="{909E8E84-426E-40DD-AFC4-6F175D3DCCD1}">
-              <a14:hiddenFill xmlns:a14="http://schemas.microsoft.com/office/drawing/2010/main">
-                <a:solidFill>
-                  <a:srgbClr val="FFFFFF"/>
-                </a:solidFill>
-              </a14:hiddenFill>
-            </a:ext>
-          </a:extLst>
-        </p:spPr>
-      </p:pic>
-      <p:sp>
-        <p:nvSpPr>
-          <p:cNvPr id="4" name="Text Placeholder 3"/>
-          <p:cNvSpPr>
-            <a:spLocks noGrp="1"/>
-          </p:cNvSpPr>
-          <p:nvPr>
-            <p:ph type="body" sz="quarter" idx="13" hasCustomPrompt="1"/>
-          </p:nvPr>
-        </p:nvSpPr>
-        <p:spPr>
-          <a:xfrm>
-            <a:off x="8504238" y="3040063"/>
-            <a:ext cx="2743200" cy="738664"/>
-          </a:xfrm>
-        </p:spPr>
-        <p:txBody>
-          <a:bodyPr/>
-          <a:lstStyle>
-            <a:lvl1pPr marL="0" indent="0" algn="r">
-              <a:buNone/>
-              <a:defRPr sz="2000">
-                <a:gradFill>
-                  <a:gsLst>
-                    <a:gs pos="5310">
-                      <a:srgbClr val="FFFFFF"/>
-                    </a:gs>
-                    <a:gs pos="100000">
-                      <a:srgbClr val="FFFFFF"/>
-                    </a:gs>
-                  </a:gsLst>
-                  <a:lin ang="5400000" scaled="0"/>
-                </a:gradFill>
-                <a:latin typeface="+mn-lt"/>
-              </a:defRPr>
-            </a:lvl1pPr>
-            <a:lvl2pPr marL="342900" indent="0">
-              <a:buNone/>
-              <a:defRPr>
-                <a:gradFill>
-                  <a:gsLst>
-                    <a:gs pos="5310">
-                      <a:srgbClr val="FFFFFF"/>
-                    </a:gs>
-                    <a:gs pos="100000">
-                      <a:srgbClr val="FFFFFF"/>
-                    </a:gs>
-                  </a:gsLst>
-                  <a:lin ang="5400000" scaled="0"/>
-                </a:gradFill>
-              </a:defRPr>
-            </a:lvl2pPr>
-            <a:lvl3pPr marL="571500" indent="0">
-              <a:buNone/>
-              <a:defRPr>
-                <a:gradFill>
-                  <a:gsLst>
-                    <a:gs pos="5310">
-                      <a:srgbClr val="FFFFFF"/>
-                    </a:gs>
-                    <a:gs pos="100000">
-                      <a:srgbClr val="FFFFFF"/>
-                    </a:gs>
-                  </a:gsLst>
-                  <a:lin ang="5400000" scaled="0"/>
-                </a:gradFill>
-              </a:defRPr>
-            </a:lvl3pPr>
-            <a:lvl4pPr marL="800100" indent="0">
-              <a:buNone/>
-              <a:defRPr>
-                <a:gradFill>
-                  <a:gsLst>
-                    <a:gs pos="5310">
-                      <a:srgbClr val="FFFFFF"/>
-                    </a:gs>
-                    <a:gs pos="100000">
-                      <a:srgbClr val="FFFFFF"/>
-                    </a:gs>
-                  </a:gsLst>
-                  <a:lin ang="5400000" scaled="0"/>
-                </a:gradFill>
-              </a:defRPr>
-            </a:lvl4pPr>
-            <a:lvl5pPr marL="1028700" indent="0">
-              <a:buNone/>
-              <a:defRPr>
-                <a:gradFill>
-                  <a:gsLst>
-                    <a:gs pos="5310">
-                      <a:srgbClr val="FFFFFF"/>
-                    </a:gs>
-                    <a:gs pos="100000">
-                      <a:srgbClr val="FFFFFF"/>
-                    </a:gs>
-                  </a:gsLst>
-                  <a:lin ang="5400000" scaled="0"/>
-                </a:gradFill>
-              </a:defRPr>
-            </a:lvl5pPr>
-          </a:lstStyle>
-          <a:p>
-            <a:pPr lvl="0"/>
-            <a:r>
-              <a:rPr lang="en-US" dirty="0" smtClean="0"/>
-              <a:t>Concurrent Session Code</a:t>
-            </a:r>
-            <a:endParaRPr lang="en-US" dirty="0"/>
-          </a:p>
-        </p:txBody>
-      </p:sp>
-    </p:spTree>
-    <p:extLst>
-      <p:ext uri="{BB962C8B-B14F-4D97-AF65-F5344CB8AC3E}">
-        <p14:creationId xmlns:p14="http://schemas.microsoft.com/office/powerpoint/2010/main" val="1341244791"/>
-      </p:ext>
-    </p:extLst>
-  </p:cSld>
-  <p:clrMapOvr>
-    <a:masterClrMapping/>
-  </p:clrMapOvr>
-  <p:transition spd="slow">
-    <p:push dir="u"/>
-  </p:transition>
-  <p:timing>
-    <p:tnLst>
-      <p:par>
-        <p:cTn id="1" dur="indefinite" restart="never" nodeType="tmRoot"/>
-      </p:par>
-    </p:tnLst>
-  </p:timing>
-  <p:extLst mod="1">
-    <p:ext uri="{DCECCB84-F9BA-43D5-87BE-67443E8EF086}">
-      <p15:sldGuideLst xmlns:p15="http://schemas.microsoft.com/office/powerpoint/2012/main">
-        <p15:guide id="1" pos="288" userDrawn="1">
-          <p15:clr>
-            <a:srgbClr val="C35EA4"/>
-          </p15:clr>
-        </p15:guide>
-        <p15:guide id="2" pos="7546" userDrawn="1">
-          <p15:clr>
-            <a:srgbClr val="C35EA4"/>
-          </p15:clr>
-        </p15:guide>
-        <p15:guide id="3" orient="horz" pos="302" userDrawn="1">
-          <p15:clr>
-            <a:srgbClr val="C35EA4"/>
-          </p15:clr>
-        </p15:guide>
-        <p15:guide id="4" orient="horz" pos="4104" userDrawn="1">
-          <p15:clr>
-            <a:srgbClr val="C35EA4"/>
-          </p15:clr>
-        </p15:guide>
-      </p15:sldGuideLst>
-    </p:ext>
-  </p:extLst>
-</p:sldLayout>
-</file>
-
-<file path=ppt/slideLayouts/slideLayout20.xml><?xml version="1.0" encoding="utf-8"?>
+<file path=ppt/slideLayouts/slideLayout16.xml><?xml version="1.0" encoding="utf-8"?>
 <p:sldLayout xmlns:a="http://schemas.openxmlformats.org/drawingml/2006/main" xmlns:r="http://schemas.openxmlformats.org/officeDocument/2006/relationships" xmlns:p="http://schemas.openxmlformats.org/presentationml/2006/main" preserve="1" userDrawn="1">
   <p:cSld name="Blank Accent Color 3">
     <p:bg>
@@ -3975,7 +2488,7 @@
 </p:sldLayout>
 </file>
 
-<file path=ppt/slideLayouts/slideLayout21.xml><?xml version="1.0" encoding="utf-8"?>
+<file path=ppt/slideLayouts/slideLayout17.xml><?xml version="1.0" encoding="utf-8"?>
 <p:sldLayout xmlns:a="http://schemas.openxmlformats.org/drawingml/2006/main" xmlns:r="http://schemas.openxmlformats.org/officeDocument/2006/relationships" xmlns:p="http://schemas.openxmlformats.org/presentationml/2006/main" preserve="1" userDrawn="1">
   <p:cSld name="Developer Code Layout">
     <p:spTree>
@@ -4263,7 +2776,7 @@
 </p:sldLayout>
 </file>
 
-<file path=ppt/slideLayouts/slideLayout22.xml><?xml version="1.0" encoding="utf-8"?>
+<file path=ppt/slideLayouts/slideLayout18.xml><?xml version="1.0" encoding="utf-8"?>
 <p:sldLayout xmlns:a="http://schemas.openxmlformats.org/drawingml/2006/main" xmlns:r="http://schemas.openxmlformats.org/officeDocument/2006/relationships" xmlns:p="http://schemas.openxmlformats.org/presentationml/2006/main" preserve="1" userDrawn="1">
   <p:cSld name="Black Notes slide Layout">
     <p:bg bwMode="black">
@@ -4592,659 +3105,7 @@
 </p:sldLayout>
 </file>
 
-<file path=ppt/slideLayouts/slideLayout3.xml><?xml version="1.0" encoding="utf-8"?>
-<p:sldLayout xmlns:a="http://schemas.openxmlformats.org/drawingml/2006/main" xmlns:r="http://schemas.openxmlformats.org/officeDocument/2006/relationships" xmlns:p="http://schemas.openxmlformats.org/presentationml/2006/main" preserve="1" userDrawn="1">
-  <p:cSld name="Demo slide">
-    <p:bg>
-      <p:bgRef idx="1001">
-        <a:schemeClr val="bg2"/>
-      </p:bgRef>
-    </p:bg>
-    <p:spTree>
-      <p:nvGrpSpPr>
-        <p:cNvPr id="1" name=""/>
-        <p:cNvGrpSpPr/>
-        <p:nvPr/>
-      </p:nvGrpSpPr>
-      <p:grpSpPr>
-        <a:xfrm>
-          <a:off x="0" y="0"/>
-          <a:ext cx="0" cy="0"/>
-          <a:chOff x="0" y="0"/>
-          <a:chExt cx="0" cy="0"/>
-        </a:xfrm>
-      </p:grpSpPr>
-      <p:pic>
-        <p:nvPicPr>
-          <p:cNvPr id="6" name="Picture 5"/>
-          <p:cNvPicPr>
-            <a:picLocks noChangeAspect="1"/>
-          </p:cNvPicPr>
-          <p:nvPr userDrawn="1"/>
-        </p:nvPicPr>
-        <p:blipFill>
-          <a:blip r:embed="rId2" cstate="email">
-            <a:extLst>
-              <a:ext uri="{28A0092B-C50C-407E-A947-70E740481C1C}">
-                <a14:useLocalDpi xmlns:a14="http://schemas.microsoft.com/office/drawing/2010/main"/>
-              </a:ext>
-            </a:extLst>
-          </a:blip>
-          <a:stretch>
-            <a:fillRect/>
-          </a:stretch>
-        </p:blipFill>
-        <p:spPr>
-          <a:xfrm>
-            <a:off x="317" y="-318"/>
-            <a:ext cx="12435840" cy="6995160"/>
-          </a:xfrm>
-          <a:prstGeom prst="rect">
-            <a:avLst/>
-          </a:prstGeom>
-        </p:spPr>
-      </p:pic>
-      <p:sp>
-        <p:nvSpPr>
-          <p:cNvPr id="4" name="Rectangle 3"/>
-          <p:cNvSpPr/>
-          <p:nvPr userDrawn="1"/>
-        </p:nvSpPr>
-        <p:spPr bwMode="ltGray">
-          <a:xfrm>
-            <a:off x="0" y="-1"/>
-            <a:ext cx="3932238" cy="6994525"/>
-          </a:xfrm>
-          <a:prstGeom prst="rect">
-            <a:avLst/>
-          </a:prstGeom>
-          <a:solidFill>
-            <a:schemeClr val="accent2">
-              <a:alpha val="90000"/>
-            </a:schemeClr>
-          </a:solidFill>
-          <a:ln>
-            <a:noFill/>
-            <a:headEnd type="none" w="med" len="med"/>
-            <a:tailEnd type="none" w="med" len="med"/>
-          </a:ln>
-          <a:effectLst/>
-        </p:spPr>
-        <p:style>
-          <a:lnRef idx="1">
-            <a:schemeClr val="accent2"/>
-          </a:lnRef>
-          <a:fillRef idx="3">
-            <a:schemeClr val="accent2"/>
-          </a:fillRef>
-          <a:effectRef idx="2">
-            <a:schemeClr val="accent2"/>
-          </a:effectRef>
-          <a:fontRef idx="minor">
-            <a:schemeClr val="lt1"/>
-          </a:fontRef>
-        </p:style>
-        <p:txBody>
-          <a:bodyPr rot="0" spcFirstLastPara="0" vertOverflow="overflow" horzOverflow="overflow" vert="horz" wrap="square" lIns="146304" tIns="109728" rIns="146304" bIns="109728" numCol="1" spcCol="0" rtlCol="0" fromWordArt="0" anchor="t" anchorCtr="0" forceAA="0" compatLnSpc="1">
-            <a:prstTxWarp prst="textNoShape">
-              <a:avLst/>
-            </a:prstTxWarp>
-            <a:noAutofit/>
-          </a:bodyPr>
-          <a:lstStyle/>
-          <a:p>
-            <a:pPr algn="ctr" defTabSz="932472" fontAlgn="base">
-              <a:lnSpc>
-                <a:spcPct val="90000"/>
-              </a:lnSpc>
-              <a:spcBef>
-                <a:spcPct val="0"/>
-              </a:spcBef>
-              <a:spcAft>
-                <a:spcPct val="0"/>
-              </a:spcAft>
-            </a:pPr>
-            <a:endParaRPr lang="en-US" sz="2400" dirty="0" smtClean="0">
-              <a:gradFill>
-                <a:gsLst>
-                  <a:gs pos="0">
-                    <a:srgbClr val="FFFFFF"/>
-                  </a:gs>
-                  <a:gs pos="100000">
-                    <a:srgbClr val="FFFFFF"/>
-                  </a:gs>
-                </a:gsLst>
-                <a:lin ang="5400000" scaled="0"/>
-              </a:gradFill>
-              <a:ea typeface="Segoe UI" pitchFamily="34" charset="0"/>
-              <a:cs typeface="Segoe UI" pitchFamily="34" charset="0"/>
-            </a:endParaRPr>
-          </a:p>
-        </p:txBody>
-      </p:sp>
-      <p:sp>
-        <p:nvSpPr>
-          <p:cNvPr id="2" name="Title 1"/>
-          <p:cNvSpPr>
-            <a:spLocks noGrp="1"/>
-          </p:cNvSpPr>
-          <p:nvPr>
-            <p:ph type="title" hasCustomPrompt="1"/>
-          </p:nvPr>
-        </p:nvSpPr>
-        <p:spPr>
-          <a:xfrm>
-            <a:off x="276227" y="296863"/>
-            <a:ext cx="3381373" cy="2751698"/>
-          </a:xfrm>
-          <a:noFill/>
-        </p:spPr>
-        <p:txBody>
-          <a:bodyPr tIns="91440" bIns="91440" anchor="t" anchorCtr="0"/>
-          <a:lstStyle>
-            <a:lvl1pPr>
-              <a:defRPr sz="6000" spc="-100" baseline="0">
-                <a:gradFill>
-                  <a:gsLst>
-                    <a:gs pos="0">
-                      <a:schemeClr val="tx1"/>
-                    </a:gs>
-                    <a:gs pos="100000">
-                      <a:schemeClr val="tx1"/>
-                    </a:gs>
-                  </a:gsLst>
-                  <a:lin ang="5400000" scaled="0"/>
-                </a:gradFill>
-              </a:defRPr>
-            </a:lvl1pPr>
-          </a:lstStyle>
-          <a:p>
-            <a:r>
-              <a:rPr lang="en-US" dirty="0" smtClean="0"/>
-              <a:t>Demo</a:t>
-            </a:r>
-            <a:endParaRPr lang="en-US" dirty="0"/>
-          </a:p>
-        </p:txBody>
-      </p:sp>
-      <p:sp>
-        <p:nvSpPr>
-          <p:cNvPr id="5" name="Text Placeholder 4"/>
-          <p:cNvSpPr>
-            <a:spLocks noGrp="1"/>
-          </p:cNvSpPr>
-          <p:nvPr>
-            <p:ph type="body" sz="quarter" idx="12" hasCustomPrompt="1"/>
-          </p:nvPr>
-        </p:nvSpPr>
-        <p:spPr>
-          <a:xfrm>
-            <a:off x="274639" y="3954457"/>
-            <a:ext cx="3382962" cy="1829593"/>
-          </a:xfrm>
-          <a:noFill/>
-        </p:spPr>
-        <p:txBody>
-          <a:bodyPr lIns="182880" tIns="146304" rIns="182880" bIns="146304">
-            <a:noAutofit/>
-          </a:bodyPr>
-          <a:lstStyle>
-            <a:lvl1pPr marL="0" indent="0">
-              <a:spcBef>
-                <a:spcPts val="0"/>
-              </a:spcBef>
-              <a:buNone/>
-              <a:defRPr sz="2800" spc="0" baseline="0">
-                <a:gradFill>
-                  <a:gsLst>
-                    <a:gs pos="100000">
-                      <a:schemeClr val="tx1"/>
-                    </a:gs>
-                    <a:gs pos="0">
-                      <a:schemeClr val="tx1"/>
-                    </a:gs>
-                  </a:gsLst>
-                  <a:lin ang="5400000" scaled="0"/>
-                </a:gradFill>
-                <a:latin typeface="+mj-lt"/>
-              </a:defRPr>
-            </a:lvl1pPr>
-          </a:lstStyle>
-          <a:p>
-            <a:pPr lvl="0"/>
-            <a:r>
-              <a:rPr lang="en-US" dirty="0" smtClean="0"/>
-              <a:t>Speaker Name</a:t>
-            </a:r>
-          </a:p>
-        </p:txBody>
-      </p:sp>
-      <p:pic>
-        <p:nvPicPr>
-          <p:cNvPr id="7" name="Picture 2"/>
-          <p:cNvPicPr>
-            <a:picLocks noChangeAspect="1" noChangeArrowheads="1"/>
-          </p:cNvPicPr>
-          <p:nvPr userDrawn="1"/>
-        </p:nvPicPr>
-        <p:blipFill>
-          <a:blip r:embed="rId3">
-            <a:extLst>
-              <a:ext uri="{28A0092B-C50C-407E-A947-70E740481C1C}">
-                <a14:useLocalDpi xmlns:a14="http://schemas.microsoft.com/office/drawing/2010/main" val="0"/>
-              </a:ext>
-            </a:extLst>
-          </a:blip>
-          <a:stretch>
-            <a:fillRect/>
-          </a:stretch>
-        </p:blipFill>
-        <p:spPr bwMode="auto">
-          <a:xfrm>
-            <a:off x="364537" y="6183398"/>
-            <a:ext cx="2468574" cy="514530"/>
-          </a:xfrm>
-          <a:prstGeom prst="rect">
-            <a:avLst/>
-          </a:prstGeom>
-          <a:noFill/>
-          <a:extLst>
-            <a:ext uri="{909E8E84-426E-40DD-AFC4-6F175D3DCCD1}">
-              <a14:hiddenFill xmlns:a14="http://schemas.microsoft.com/office/drawing/2010/main">
-                <a:solidFill>
-                  <a:srgbClr val="FFFFFF"/>
-                </a:solidFill>
-              </a14:hiddenFill>
-            </a:ext>
-          </a:extLst>
-        </p:spPr>
-      </p:pic>
-    </p:spTree>
-    <p:extLst>
-      <p:ext uri="{BB962C8B-B14F-4D97-AF65-F5344CB8AC3E}">
-        <p14:creationId xmlns:p14="http://schemas.microsoft.com/office/powerpoint/2010/main" val="2923861903"/>
-      </p:ext>
-    </p:extLst>
-  </p:cSld>
-  <p:clrMapOvr>
-    <a:overrideClrMapping bg1="dk1" tx1="lt1" bg2="dk2" tx2="lt2" accent1="accent1" accent2="accent2" accent3="accent3" accent4="accent4" accent5="accent5" accent6="accent6" hlink="hlink" folHlink="folHlink"/>
-  </p:clrMapOvr>
-  <mc:AlternateContent xmlns:mc="http://schemas.openxmlformats.org/markup-compatibility/2006" xmlns:p14="http://schemas.microsoft.com/office/powerpoint/2010/main">
-    <mc:Choice Requires="p14">
-      <p:transition spd="med" p14:dur="700">
-        <p:fade/>
-      </p:transition>
-    </mc:Choice>
-    <mc:Fallback xmlns="">
-      <p:transition spd="med">
-        <p:fade/>
-      </p:transition>
-    </mc:Fallback>
-  </mc:AlternateContent>
-  <p:timing>
-    <p:tnLst>
-      <p:par>
-        <p:cTn id="1" dur="indefinite" restart="never" nodeType="tmRoot"/>
-      </p:par>
-    </p:tnLst>
-  </p:timing>
-  <p:extLst mod="1">
-    <p:ext uri="{DCECCB84-F9BA-43D5-87BE-67443E8EF086}">
-      <p15:sldGuideLst xmlns:p15="http://schemas.microsoft.com/office/powerpoint/2012/main"/>
-    </p:ext>
-  </p:extLst>
-</p:sldLayout>
-</file>
-
-<file path=ppt/slideLayouts/slideLayout4.xml><?xml version="1.0" encoding="utf-8"?>
-<p:sldLayout xmlns:a="http://schemas.openxmlformats.org/drawingml/2006/main" xmlns:r="http://schemas.openxmlformats.org/officeDocument/2006/relationships" xmlns:p="http://schemas.openxmlformats.org/presentationml/2006/main" preserve="1" userDrawn="1">
-  <p:cSld name="Video slide">
-    <p:bg>
-      <p:bgPr>
-        <a:solidFill>
-          <a:schemeClr val="bg2"/>
-        </a:solidFill>
-        <a:effectLst/>
-      </p:bgPr>
-    </p:bg>
-    <p:spTree>
-      <p:nvGrpSpPr>
-        <p:cNvPr id="1" name=""/>
-        <p:cNvGrpSpPr/>
-        <p:nvPr/>
-      </p:nvGrpSpPr>
-      <p:grpSpPr>
-        <a:xfrm>
-          <a:off x="0" y="0"/>
-          <a:ext cx="0" cy="0"/>
-          <a:chOff x="0" y="0"/>
-          <a:chExt cx="0" cy="0"/>
-        </a:xfrm>
-      </p:grpSpPr>
-      <p:pic>
-        <p:nvPicPr>
-          <p:cNvPr id="8" name="Picture 7"/>
-          <p:cNvPicPr>
-            <a:picLocks noChangeAspect="1"/>
-          </p:cNvPicPr>
-          <p:nvPr userDrawn="1"/>
-        </p:nvPicPr>
-        <p:blipFill>
-          <a:blip r:embed="rId2" cstate="email">
-            <a:extLst>
-              <a:ext uri="{28A0092B-C50C-407E-A947-70E740481C1C}">
-                <a14:useLocalDpi xmlns:a14="http://schemas.microsoft.com/office/drawing/2010/main"/>
-              </a:ext>
-            </a:extLst>
-          </a:blip>
-          <a:stretch>
-            <a:fillRect/>
-          </a:stretch>
-        </p:blipFill>
-        <p:spPr>
-          <a:xfrm>
-            <a:off x="317" y="-318"/>
-            <a:ext cx="12435840" cy="6995160"/>
-          </a:xfrm>
-          <a:prstGeom prst="rect">
-            <a:avLst/>
-          </a:prstGeom>
-        </p:spPr>
-      </p:pic>
-      <p:sp>
-        <p:nvSpPr>
-          <p:cNvPr id="5" name="Rectangle 4"/>
-          <p:cNvSpPr/>
-          <p:nvPr userDrawn="1"/>
-        </p:nvSpPr>
-        <p:spPr bwMode="ltGray">
-          <a:xfrm>
-            <a:off x="0" y="-1"/>
-            <a:ext cx="3932238" cy="6994525"/>
-          </a:xfrm>
-          <a:prstGeom prst="rect">
-            <a:avLst/>
-          </a:prstGeom>
-          <a:solidFill>
-            <a:schemeClr val="accent3">
-              <a:alpha val="90000"/>
-            </a:schemeClr>
-          </a:solidFill>
-          <a:ln>
-            <a:noFill/>
-            <a:headEnd type="none" w="med" len="med"/>
-            <a:tailEnd type="none" w="med" len="med"/>
-          </a:ln>
-          <a:effectLst/>
-        </p:spPr>
-        <p:style>
-          <a:lnRef idx="1">
-            <a:schemeClr val="accent2"/>
-          </a:lnRef>
-          <a:fillRef idx="3">
-            <a:schemeClr val="accent2"/>
-          </a:fillRef>
-          <a:effectRef idx="2">
-            <a:schemeClr val="accent2"/>
-          </a:effectRef>
-          <a:fontRef idx="minor">
-            <a:schemeClr val="lt1"/>
-          </a:fontRef>
-        </p:style>
-        <p:txBody>
-          <a:bodyPr rot="0" spcFirstLastPara="0" vertOverflow="overflow" horzOverflow="overflow" vert="horz" wrap="square" lIns="146304" tIns="109728" rIns="146304" bIns="109728" numCol="1" spcCol="0" rtlCol="0" fromWordArt="0" anchor="t" anchorCtr="0" forceAA="0" compatLnSpc="1">
-            <a:prstTxWarp prst="textNoShape">
-              <a:avLst/>
-            </a:prstTxWarp>
-            <a:noAutofit/>
-          </a:bodyPr>
-          <a:lstStyle/>
-          <a:p>
-            <a:pPr algn="ctr" defTabSz="932472" fontAlgn="base">
-              <a:lnSpc>
-                <a:spcPct val="90000"/>
-              </a:lnSpc>
-              <a:spcBef>
-                <a:spcPct val="0"/>
-              </a:spcBef>
-              <a:spcAft>
-                <a:spcPct val="0"/>
-              </a:spcAft>
-            </a:pPr>
-            <a:endParaRPr lang="en-US" sz="2400" dirty="0" smtClean="0">
-              <a:gradFill>
-                <a:gsLst>
-                  <a:gs pos="0">
-                    <a:srgbClr val="FFFFFF"/>
-                  </a:gs>
-                  <a:gs pos="100000">
-                    <a:srgbClr val="FFFFFF"/>
-                  </a:gs>
-                </a:gsLst>
-                <a:lin ang="5400000" scaled="0"/>
-              </a:gradFill>
-              <a:ea typeface="Segoe UI" pitchFamily="34" charset="0"/>
-              <a:cs typeface="Segoe UI" pitchFamily="34" charset="0"/>
-            </a:endParaRPr>
-          </a:p>
-        </p:txBody>
-      </p:sp>
-      <p:sp>
-        <p:nvSpPr>
-          <p:cNvPr id="6" name="Title 1"/>
-          <p:cNvSpPr>
-            <a:spLocks noGrp="1"/>
-          </p:cNvSpPr>
-          <p:nvPr>
-            <p:ph type="title" hasCustomPrompt="1"/>
-          </p:nvPr>
-        </p:nvSpPr>
-        <p:spPr>
-          <a:xfrm>
-            <a:off x="276227" y="296863"/>
-            <a:ext cx="3381373" cy="2751698"/>
-          </a:xfrm>
-          <a:noFill/>
-        </p:spPr>
-        <p:txBody>
-          <a:bodyPr tIns="91440" bIns="91440" anchor="t" anchorCtr="0"/>
-          <a:lstStyle>
-            <a:lvl1pPr>
-              <a:defRPr sz="6000" spc="-100" baseline="0">
-                <a:gradFill>
-                  <a:gsLst>
-                    <a:gs pos="5833">
-                      <a:srgbClr val="FFFFFF"/>
-                    </a:gs>
-                    <a:gs pos="18000">
-                      <a:srgbClr val="FFFFFF"/>
-                    </a:gs>
-                  </a:gsLst>
-                  <a:lin ang="5400000" scaled="0"/>
-                </a:gradFill>
-              </a:defRPr>
-            </a:lvl1pPr>
-          </a:lstStyle>
-          <a:p>
-            <a:r>
-              <a:rPr lang="en-US" dirty="0" smtClean="0"/>
-              <a:t>Video</a:t>
-            </a:r>
-            <a:endParaRPr lang="en-US" dirty="0"/>
-          </a:p>
-        </p:txBody>
-      </p:sp>
-      <p:pic>
-        <p:nvPicPr>
-          <p:cNvPr id="7" name="Picture 2"/>
-          <p:cNvPicPr>
-            <a:picLocks noChangeAspect="1" noChangeArrowheads="1"/>
-          </p:cNvPicPr>
-          <p:nvPr userDrawn="1"/>
-        </p:nvPicPr>
-        <p:blipFill>
-          <a:blip r:embed="rId3">
-            <a:extLst>
-              <a:ext uri="{28A0092B-C50C-407E-A947-70E740481C1C}">
-                <a14:useLocalDpi xmlns:a14="http://schemas.microsoft.com/office/drawing/2010/main" val="0"/>
-              </a:ext>
-            </a:extLst>
-          </a:blip>
-          <a:stretch>
-            <a:fillRect/>
-          </a:stretch>
-        </p:blipFill>
-        <p:spPr bwMode="auto">
-          <a:xfrm>
-            <a:off x="364537" y="6183398"/>
-            <a:ext cx="2468574" cy="514530"/>
-          </a:xfrm>
-          <a:prstGeom prst="rect">
-            <a:avLst/>
-          </a:prstGeom>
-          <a:noFill/>
-          <a:extLst>
-            <a:ext uri="{909E8E84-426E-40DD-AFC4-6F175D3DCCD1}">
-              <a14:hiddenFill xmlns:a14="http://schemas.microsoft.com/office/drawing/2010/main">
-                <a:solidFill>
-                  <a:srgbClr val="FFFFFF"/>
-                </a:solidFill>
-              </a14:hiddenFill>
-            </a:ext>
-          </a:extLst>
-        </p:spPr>
-      </p:pic>
-    </p:spTree>
-    <p:extLst>
-      <p:ext uri="{BB962C8B-B14F-4D97-AF65-F5344CB8AC3E}">
-        <p14:creationId xmlns:p14="http://schemas.microsoft.com/office/powerpoint/2010/main" val="2159412218"/>
-      </p:ext>
-    </p:extLst>
-  </p:cSld>
-  <p:clrMapOvr>
-    <a:masterClrMapping/>
-  </p:clrMapOvr>
-  <mc:AlternateContent xmlns:mc="http://schemas.openxmlformats.org/markup-compatibility/2006" xmlns:p14="http://schemas.microsoft.com/office/powerpoint/2010/main">
-    <mc:Choice Requires="p14">
-      <p:transition spd="med" p14:dur="700">
-        <p:fade/>
-      </p:transition>
-    </mc:Choice>
-    <mc:Fallback xmlns="">
-      <p:transition spd="med">
-        <p:fade/>
-      </p:transition>
-    </mc:Fallback>
-  </mc:AlternateContent>
-  <p:timing>
-    <p:tnLst>
-      <p:par>
-        <p:cTn id="1" dur="indefinite" restart="never" nodeType="tmRoot"/>
-      </p:par>
-    </p:tnLst>
-  </p:timing>
-  <p:extLst mod="1">
-    <p:ext uri="{DCECCB84-F9BA-43D5-87BE-67443E8EF086}">
-      <p15:sldGuideLst xmlns:p15="http://schemas.microsoft.com/office/powerpoint/2012/main"/>
-    </p:ext>
-  </p:extLst>
-</p:sldLayout>
-</file>
-
-<file path=ppt/slideLayouts/slideLayout5.xml><?xml version="1.0" encoding="utf-8"?>
-<p:sldLayout xmlns:a="http://schemas.openxmlformats.org/drawingml/2006/main" xmlns:r="http://schemas.openxmlformats.org/officeDocument/2006/relationships" xmlns:p="http://schemas.openxmlformats.org/presentationml/2006/main" preserve="1" userDrawn="1">
-  <p:cSld name="Section Title Accent Color 1">
-    <p:bg>
-      <p:bgPr>
-        <a:solidFill>
-          <a:schemeClr val="accent1"/>
-        </a:solidFill>
-        <a:effectLst/>
-      </p:bgPr>
-    </p:bg>
-    <p:spTree>
-      <p:nvGrpSpPr>
-        <p:cNvPr id="1" name=""/>
-        <p:cNvGrpSpPr/>
-        <p:nvPr/>
-      </p:nvGrpSpPr>
-      <p:grpSpPr>
-        <a:xfrm>
-          <a:off x="0" y="0"/>
-          <a:ext cx="0" cy="0"/>
-          <a:chOff x="0" y="0"/>
-          <a:chExt cx="0" cy="0"/>
-        </a:xfrm>
-      </p:grpSpPr>
-      <p:sp>
-        <p:nvSpPr>
-          <p:cNvPr id="2" name="Title 1"/>
-          <p:cNvSpPr>
-            <a:spLocks noGrp="1"/>
-          </p:cNvSpPr>
-          <p:nvPr>
-            <p:ph type="title" hasCustomPrompt="1"/>
-          </p:nvPr>
-        </p:nvSpPr>
-        <p:spPr>
-          <a:xfrm>
-            <a:off x="274638" y="2125662"/>
-            <a:ext cx="11887200" cy="1831975"/>
-          </a:xfrm>
-          <a:noFill/>
-        </p:spPr>
-        <p:txBody>
-          <a:bodyPr tIns="91440" bIns="91440" anchor="t" anchorCtr="0"/>
-          <a:lstStyle>
-            <a:lvl1pPr>
-              <a:defRPr sz="8800" spc="-100" baseline="0">
-                <a:gradFill>
-                  <a:gsLst>
-                    <a:gs pos="100000">
-                      <a:schemeClr val="tx1"/>
-                    </a:gs>
-                    <a:gs pos="0">
-                      <a:schemeClr val="tx1"/>
-                    </a:gs>
-                  </a:gsLst>
-                  <a:lin ang="5400000" scaled="0"/>
-                </a:gradFill>
-              </a:defRPr>
-            </a:lvl1pPr>
-          </a:lstStyle>
-          <a:p>
-            <a:r>
-              <a:rPr lang="en-US" dirty="0" smtClean="0"/>
-              <a:t>Section title</a:t>
-            </a:r>
-            <a:endParaRPr lang="en-US" dirty="0"/>
-          </a:p>
-        </p:txBody>
-      </p:sp>
-    </p:spTree>
-    <p:extLst>
-      <p:ext uri="{BB962C8B-B14F-4D97-AF65-F5344CB8AC3E}">
-        <p14:creationId xmlns:p14="http://schemas.microsoft.com/office/powerpoint/2010/main" val="4075357253"/>
-      </p:ext>
-    </p:extLst>
-  </p:cSld>
-  <p:clrMapOvr>
-    <a:overrideClrMapping bg1="dk1" tx1="lt1" bg2="dk2" tx2="lt2" accent1="accent1" accent2="accent2" accent3="accent3" accent4="accent4" accent5="accent5" accent6="accent6" hlink="hlink" folHlink="folHlink"/>
-  </p:clrMapOvr>
-  <p:transition>
-    <p:fade/>
-  </p:transition>
-  <p:timing>
-    <p:tnLst>
-      <p:par>
-        <p:cTn id="1" dur="indefinite" restart="never" nodeType="tmRoot"/>
-      </p:par>
-    </p:tnLst>
-  </p:timing>
-</p:sldLayout>
-</file>
-
-<file path=ppt/slideLayouts/slideLayout6.xml><?xml version="1.0" encoding="utf-8"?>
+<file path=ppt/slideLayouts/slideLayout2.xml><?xml version="1.0" encoding="utf-8"?>
 <p:sldLayout xmlns:a="http://schemas.openxmlformats.org/drawingml/2006/main" xmlns:r="http://schemas.openxmlformats.org/officeDocument/2006/relationships" xmlns:p="http://schemas.openxmlformats.org/presentationml/2006/main" preserve="1" userDrawn="1">
   <p:cSld name="Section Title Accent Color 2">
     <p:bg>
@@ -5337,7 +3198,7 @@
 </p:sldLayout>
 </file>
 
-<file path=ppt/slideLayouts/slideLayout7.xml><?xml version="1.0" encoding="utf-8"?>
+<file path=ppt/slideLayouts/slideLayout3.xml><?xml version="1.0" encoding="utf-8"?>
 <p:sldLayout xmlns:a="http://schemas.openxmlformats.org/drawingml/2006/main" xmlns:r="http://schemas.openxmlformats.org/officeDocument/2006/relationships" xmlns:p="http://schemas.openxmlformats.org/presentationml/2006/main" preserve="1" userDrawn="1">
   <p:cSld name="Section Title Accent Color 3">
     <p:bg>
@@ -5430,7 +3291,7 @@
 </p:sldLayout>
 </file>
 
-<file path=ppt/slideLayouts/slideLayout8.xml><?xml version="1.0" encoding="utf-8"?>
+<file path=ppt/slideLayouts/slideLayout4.xml><?xml version="1.0" encoding="utf-8"?>
 <p:sldLayout xmlns:a="http://schemas.openxmlformats.org/drawingml/2006/main" xmlns:r="http://schemas.openxmlformats.org/officeDocument/2006/relationships" xmlns:p="http://schemas.openxmlformats.org/presentationml/2006/main" preserve="1" userDrawn="1">
   <p:cSld name="Title &amp; 2-color Non-bulleted text">
     <p:spTree>
@@ -5584,7 +3445,7 @@
 </p:sldLayout>
 </file>
 
-<file path=ppt/slideLayouts/slideLayout9.xml><?xml version="1.0" encoding="utf-8"?>
+<file path=ppt/slideLayouts/slideLayout5.xml><?xml version="1.0" encoding="utf-8"?>
 <p:sldLayout xmlns:a="http://schemas.openxmlformats.org/drawingml/2006/main" xmlns:r="http://schemas.openxmlformats.org/officeDocument/2006/relationships" xmlns:p="http://schemas.openxmlformats.org/presentationml/2006/main" preserve="1" userDrawn="1">
   <p:cSld name="Title &amp; Non-bulleted text">
     <p:spTree>
@@ -5719,6 +3580,763 @@
     <p:extLst>
       <p:ext uri="{BB962C8B-B14F-4D97-AF65-F5344CB8AC3E}">
         <p14:creationId xmlns:p14="http://schemas.microsoft.com/office/powerpoint/2010/main" val="843985228"/>
+      </p:ext>
+    </p:extLst>
+  </p:cSld>
+  <p:clrMapOvr>
+    <a:masterClrMapping/>
+  </p:clrMapOvr>
+  <p:transition>
+    <p:fade/>
+  </p:transition>
+  <p:timing>
+    <p:tnLst>
+      <p:par>
+        <p:cTn id="1" dur="indefinite" restart="never" nodeType="tmRoot"/>
+      </p:par>
+    </p:tnLst>
+  </p:timing>
+</p:sldLayout>
+</file>
+
+<file path=ppt/slideLayouts/slideLayout6.xml><?xml version="1.0" encoding="utf-8"?>
+<p:sldLayout xmlns:a="http://schemas.openxmlformats.org/drawingml/2006/main" xmlns:r="http://schemas.openxmlformats.org/officeDocument/2006/relationships" xmlns:p="http://schemas.openxmlformats.org/presentationml/2006/main" preserve="1" userDrawn="1">
+  <p:cSld name="Title and Content">
+    <p:spTree>
+      <p:nvGrpSpPr>
+        <p:cNvPr id="1" name=""/>
+        <p:cNvGrpSpPr/>
+        <p:nvPr/>
+      </p:nvGrpSpPr>
+      <p:grpSpPr>
+        <a:xfrm>
+          <a:off x="0" y="0"/>
+          <a:ext cx="0" cy="0"/>
+          <a:chOff x="0" y="0"/>
+          <a:chExt cx="0" cy="0"/>
+        </a:xfrm>
+      </p:grpSpPr>
+      <p:sp>
+        <p:nvSpPr>
+          <p:cNvPr id="6" name="Title 5"/>
+          <p:cNvSpPr>
+            <a:spLocks noGrp="1"/>
+          </p:cNvSpPr>
+          <p:nvPr>
+            <p:ph type="title"/>
+          </p:nvPr>
+        </p:nvSpPr>
+        <p:spPr/>
+        <p:txBody>
+          <a:bodyPr/>
+          <a:lstStyle/>
+          <a:p>
+            <a:r>
+              <a:rPr lang="en-US" smtClean="0"/>
+              <a:t>Click to edit Master title style</a:t>
+            </a:r>
+            <a:endParaRPr lang="en-US"/>
+          </a:p>
+        </p:txBody>
+      </p:sp>
+      <p:sp>
+        <p:nvSpPr>
+          <p:cNvPr id="7" name="Content Placeholder 6"/>
+          <p:cNvSpPr>
+            <a:spLocks noGrp="1"/>
+          </p:cNvSpPr>
+          <p:nvPr>
+            <p:ph sz="quarter" idx="10"/>
+          </p:nvPr>
+        </p:nvSpPr>
+        <p:spPr>
+          <a:xfrm>
+            <a:off x="274638" y="1214438"/>
+            <a:ext cx="11887200" cy="5483225"/>
+          </a:xfrm>
+        </p:spPr>
+        <p:txBody>
+          <a:bodyPr/>
+          <a:lstStyle/>
+          <a:p>
+            <a:pPr lvl="0"/>
+            <a:r>
+              <a:rPr lang="en-US" smtClean="0"/>
+              <a:t>Click to edit Master text styles</a:t>
+            </a:r>
+          </a:p>
+          <a:p>
+            <a:pPr lvl="1"/>
+            <a:r>
+              <a:rPr lang="en-US" smtClean="0"/>
+              <a:t>Second level</a:t>
+            </a:r>
+          </a:p>
+          <a:p>
+            <a:pPr lvl="2"/>
+            <a:r>
+              <a:rPr lang="en-US" smtClean="0"/>
+              <a:t>Third level</a:t>
+            </a:r>
+          </a:p>
+          <a:p>
+            <a:pPr lvl="3"/>
+            <a:r>
+              <a:rPr lang="en-US" smtClean="0"/>
+              <a:t>Fourth level</a:t>
+            </a:r>
+          </a:p>
+          <a:p>
+            <a:pPr lvl="4"/>
+            <a:r>
+              <a:rPr lang="en-US" smtClean="0"/>
+              <a:t>Fifth level</a:t>
+            </a:r>
+            <a:endParaRPr lang="en-US" dirty="0"/>
+          </a:p>
+        </p:txBody>
+      </p:sp>
+    </p:spTree>
+    <p:extLst>
+      <p:ext uri="{BB962C8B-B14F-4D97-AF65-F5344CB8AC3E}">
+        <p14:creationId xmlns:p14="http://schemas.microsoft.com/office/powerpoint/2010/main" val="553196831"/>
+      </p:ext>
+    </p:extLst>
+  </p:cSld>
+  <p:clrMapOvr>
+    <a:masterClrMapping/>
+  </p:clrMapOvr>
+  <p:transition>
+    <p:fade/>
+  </p:transition>
+  <p:timing>
+    <p:tnLst>
+      <p:par>
+        <p:cTn id="1" dur="indefinite" restart="never" nodeType="tmRoot"/>
+      </p:par>
+    </p:tnLst>
+  </p:timing>
+</p:sldLayout>
+</file>
+
+<file path=ppt/slideLayouts/slideLayout7.xml><?xml version="1.0" encoding="utf-8"?>
+<p:sldLayout xmlns:a="http://schemas.openxmlformats.org/drawingml/2006/main" xmlns:r="http://schemas.openxmlformats.org/officeDocument/2006/relationships" xmlns:p="http://schemas.openxmlformats.org/presentationml/2006/main" preserve="1" userDrawn="1">
+  <p:cSld name="Title and Content 1st level color text">
+    <p:spTree>
+      <p:nvGrpSpPr>
+        <p:cNvPr id="1" name=""/>
+        <p:cNvGrpSpPr/>
+        <p:nvPr/>
+      </p:nvGrpSpPr>
+      <p:grpSpPr>
+        <a:xfrm>
+          <a:off x="0" y="0"/>
+          <a:ext cx="0" cy="0"/>
+          <a:chOff x="0" y="0"/>
+          <a:chExt cx="0" cy="0"/>
+        </a:xfrm>
+      </p:grpSpPr>
+      <p:sp>
+        <p:nvSpPr>
+          <p:cNvPr id="4" name="Text Placeholder 3"/>
+          <p:cNvSpPr>
+            <a:spLocks noGrp="1"/>
+          </p:cNvSpPr>
+          <p:nvPr>
+            <p:ph type="body" sz="quarter" idx="10"/>
+          </p:nvPr>
+        </p:nvSpPr>
+        <p:spPr>
+          <a:xfrm>
+            <a:off x="274638" y="1212850"/>
+            <a:ext cx="11887200" cy="2025170"/>
+          </a:xfrm>
+        </p:spPr>
+        <p:txBody>
+          <a:bodyPr>
+            <a:spAutoFit/>
+          </a:bodyPr>
+          <a:lstStyle>
+            <a:lvl1pPr>
+              <a:defRPr>
+                <a:gradFill>
+                  <a:gsLst>
+                    <a:gs pos="1250">
+                      <a:schemeClr val="tx2"/>
+                    </a:gs>
+                    <a:gs pos="99000">
+                      <a:schemeClr val="tx2"/>
+                    </a:gs>
+                  </a:gsLst>
+                  <a:lin ang="5400000" scaled="0"/>
+                </a:gradFill>
+              </a:defRPr>
+            </a:lvl1pPr>
+          </a:lstStyle>
+          <a:p>
+            <a:pPr lvl="0"/>
+            <a:r>
+              <a:rPr lang="en-US" smtClean="0"/>
+              <a:t>Click to edit Master text styles</a:t>
+            </a:r>
+          </a:p>
+          <a:p>
+            <a:pPr lvl="1"/>
+            <a:r>
+              <a:rPr lang="en-US" smtClean="0"/>
+              <a:t>Second level</a:t>
+            </a:r>
+          </a:p>
+          <a:p>
+            <a:pPr lvl="2"/>
+            <a:r>
+              <a:rPr lang="en-US" smtClean="0"/>
+              <a:t>Third level</a:t>
+            </a:r>
+          </a:p>
+          <a:p>
+            <a:pPr lvl="3"/>
+            <a:r>
+              <a:rPr lang="en-US" smtClean="0"/>
+              <a:t>Fourth level</a:t>
+            </a:r>
+          </a:p>
+          <a:p>
+            <a:pPr lvl="4"/>
+            <a:r>
+              <a:rPr lang="en-US" smtClean="0"/>
+              <a:t>Fifth level</a:t>
+            </a:r>
+            <a:endParaRPr lang="en-US" dirty="0"/>
+          </a:p>
+        </p:txBody>
+      </p:sp>
+      <p:sp>
+        <p:nvSpPr>
+          <p:cNvPr id="6" name="Title 5"/>
+          <p:cNvSpPr>
+            <a:spLocks noGrp="1"/>
+          </p:cNvSpPr>
+          <p:nvPr>
+            <p:ph type="title"/>
+          </p:nvPr>
+        </p:nvSpPr>
+        <p:spPr/>
+        <p:txBody>
+          <a:bodyPr/>
+          <a:lstStyle/>
+          <a:p>
+            <a:r>
+              <a:rPr lang="en-US" smtClean="0"/>
+              <a:t>Click to edit Master title style</a:t>
+            </a:r>
+            <a:endParaRPr lang="en-US"/>
+          </a:p>
+        </p:txBody>
+      </p:sp>
+    </p:spTree>
+    <p:extLst>
+      <p:ext uri="{BB962C8B-B14F-4D97-AF65-F5344CB8AC3E}">
+        <p14:creationId xmlns:p14="http://schemas.microsoft.com/office/powerpoint/2010/main" val="2229941979"/>
+      </p:ext>
+    </p:extLst>
+  </p:cSld>
+  <p:clrMapOvr>
+    <a:masterClrMapping/>
+  </p:clrMapOvr>
+  <p:transition>
+    <p:fade/>
+  </p:transition>
+  <p:timing>
+    <p:tnLst>
+      <p:par>
+        <p:cTn id="1" dur="indefinite" restart="never" nodeType="tmRoot"/>
+      </p:par>
+    </p:tnLst>
+  </p:timing>
+</p:sldLayout>
+</file>
+
+<file path=ppt/slideLayouts/slideLayout8.xml><?xml version="1.0" encoding="utf-8"?>
+<p:sldLayout xmlns:a="http://schemas.openxmlformats.org/drawingml/2006/main" xmlns:r="http://schemas.openxmlformats.org/officeDocument/2006/relationships" xmlns:p="http://schemas.openxmlformats.org/presentationml/2006/main" preserve="1" userDrawn="1">
+  <p:cSld name="Two Column 2-color Non-bulleted">
+    <p:spTree>
+      <p:nvGrpSpPr>
+        <p:cNvPr id="1" name=""/>
+        <p:cNvGrpSpPr/>
+        <p:nvPr/>
+      </p:nvGrpSpPr>
+      <p:grpSpPr>
+        <a:xfrm>
+          <a:off x="0" y="0"/>
+          <a:ext cx="0" cy="0"/>
+          <a:chOff x="0" y="0"/>
+          <a:chExt cx="0" cy="0"/>
+        </a:xfrm>
+      </p:grpSpPr>
+      <p:sp>
+        <p:nvSpPr>
+          <p:cNvPr id="2" name="Title 1"/>
+          <p:cNvSpPr>
+            <a:spLocks noGrp="1"/>
+          </p:cNvSpPr>
+          <p:nvPr>
+            <p:ph type="title"/>
+          </p:nvPr>
+        </p:nvSpPr>
+        <p:spPr/>
+        <p:txBody>
+          <a:bodyPr/>
+          <a:lstStyle/>
+          <a:p>
+            <a:r>
+              <a:rPr lang="en-US" smtClean="0"/>
+              <a:t>Click to edit Master title style</a:t>
+            </a:r>
+            <a:endParaRPr lang="en-US" dirty="0"/>
+          </a:p>
+        </p:txBody>
+      </p:sp>
+      <p:sp>
+        <p:nvSpPr>
+          <p:cNvPr id="4" name="Text Placeholder 3"/>
+          <p:cNvSpPr>
+            <a:spLocks noGrp="1"/>
+          </p:cNvSpPr>
+          <p:nvPr>
+            <p:ph type="body" sz="quarter" idx="10"/>
+          </p:nvPr>
+        </p:nvSpPr>
+        <p:spPr>
+          <a:xfrm>
+            <a:off x="274639" y="1212849"/>
+            <a:ext cx="5486399" cy="2536079"/>
+          </a:xfrm>
+        </p:spPr>
+        <p:txBody>
+          <a:bodyPr wrap="square">
+            <a:spAutoFit/>
+          </a:bodyPr>
+          <a:lstStyle>
+            <a:lvl1pPr marL="0" indent="0">
+              <a:spcBef>
+                <a:spcPts val="1224"/>
+              </a:spcBef>
+              <a:buClr>
+                <a:schemeClr val="tx1"/>
+              </a:buClr>
+              <a:buFont typeface="Wingdings" pitchFamily="2" charset="2"/>
+              <a:buNone/>
+              <a:defRPr sz="3600">
+                <a:gradFill>
+                  <a:gsLst>
+                    <a:gs pos="1250">
+                      <a:schemeClr val="tx2"/>
+                    </a:gs>
+                    <a:gs pos="99000">
+                      <a:schemeClr val="tx2"/>
+                    </a:gs>
+                  </a:gsLst>
+                  <a:lin ang="5400000" scaled="0"/>
+                </a:gradFill>
+              </a:defRPr>
+            </a:lvl1pPr>
+            <a:lvl2pPr marL="0" indent="0">
+              <a:buNone/>
+              <a:defRPr sz="2000"/>
+            </a:lvl2pPr>
+            <a:lvl3pPr marL="231775" indent="0">
+              <a:buNone/>
+              <a:tabLst/>
+              <a:defRPr sz="2000"/>
+            </a:lvl3pPr>
+            <a:lvl4pPr marL="460375" indent="0">
+              <a:buNone/>
+              <a:defRPr sz="1800"/>
+            </a:lvl4pPr>
+            <a:lvl5pPr marL="685800" indent="0">
+              <a:buNone/>
+              <a:tabLst/>
+              <a:defRPr sz="1800"/>
+            </a:lvl5pPr>
+          </a:lstStyle>
+          <a:p>
+            <a:pPr lvl="0"/>
+            <a:r>
+              <a:rPr lang="en-US" smtClean="0"/>
+              <a:t>Click to edit Master text styles</a:t>
+            </a:r>
+          </a:p>
+          <a:p>
+            <a:pPr lvl="1"/>
+            <a:r>
+              <a:rPr lang="en-US" smtClean="0"/>
+              <a:t>Second level</a:t>
+            </a:r>
+          </a:p>
+          <a:p>
+            <a:pPr lvl="2"/>
+            <a:r>
+              <a:rPr lang="en-US" smtClean="0"/>
+              <a:t>Third level</a:t>
+            </a:r>
+          </a:p>
+          <a:p>
+            <a:pPr lvl="3"/>
+            <a:r>
+              <a:rPr lang="en-US" smtClean="0"/>
+              <a:t>Fourth level</a:t>
+            </a:r>
+          </a:p>
+          <a:p>
+            <a:pPr lvl="4"/>
+            <a:r>
+              <a:rPr lang="en-US" smtClean="0"/>
+              <a:t>Fifth level</a:t>
+            </a:r>
+            <a:endParaRPr lang="en-US" dirty="0"/>
+          </a:p>
+        </p:txBody>
+      </p:sp>
+      <p:sp>
+        <p:nvSpPr>
+          <p:cNvPr id="5" name="Text Placeholder 3"/>
+          <p:cNvSpPr>
+            <a:spLocks noGrp="1"/>
+          </p:cNvSpPr>
+          <p:nvPr>
+            <p:ph type="body" sz="quarter" idx="11"/>
+          </p:nvPr>
+        </p:nvSpPr>
+        <p:spPr>
+          <a:xfrm>
+            <a:off x="6675439" y="1212849"/>
+            <a:ext cx="5486399" cy="2536079"/>
+          </a:xfrm>
+        </p:spPr>
+        <p:txBody>
+          <a:bodyPr wrap="square">
+            <a:spAutoFit/>
+          </a:bodyPr>
+          <a:lstStyle>
+            <a:lvl1pPr marL="0" indent="0">
+              <a:spcBef>
+                <a:spcPts val="1224"/>
+              </a:spcBef>
+              <a:buClr>
+                <a:schemeClr val="tx1"/>
+              </a:buClr>
+              <a:buFont typeface="Wingdings" pitchFamily="2" charset="2"/>
+              <a:buNone/>
+              <a:defRPr sz="3600">
+                <a:gradFill>
+                  <a:gsLst>
+                    <a:gs pos="1250">
+                      <a:schemeClr val="tx2"/>
+                    </a:gs>
+                    <a:gs pos="99000">
+                      <a:schemeClr val="tx2"/>
+                    </a:gs>
+                  </a:gsLst>
+                  <a:lin ang="5400000" scaled="0"/>
+                </a:gradFill>
+              </a:defRPr>
+            </a:lvl1pPr>
+            <a:lvl2pPr marL="0" indent="0">
+              <a:buNone/>
+              <a:defRPr sz="2000"/>
+            </a:lvl2pPr>
+            <a:lvl3pPr marL="231775" indent="0">
+              <a:buNone/>
+              <a:tabLst/>
+              <a:defRPr sz="2000"/>
+            </a:lvl3pPr>
+            <a:lvl4pPr marL="460375" indent="0">
+              <a:buNone/>
+              <a:defRPr sz="1800"/>
+            </a:lvl4pPr>
+            <a:lvl5pPr marL="685800" indent="0">
+              <a:buNone/>
+              <a:tabLst/>
+              <a:defRPr sz="1800"/>
+            </a:lvl5pPr>
+          </a:lstStyle>
+          <a:p>
+            <a:pPr lvl="0"/>
+            <a:r>
+              <a:rPr lang="en-US" smtClean="0"/>
+              <a:t>Click to edit Master text styles</a:t>
+            </a:r>
+          </a:p>
+          <a:p>
+            <a:pPr lvl="1"/>
+            <a:r>
+              <a:rPr lang="en-US" smtClean="0"/>
+              <a:t>Second level</a:t>
+            </a:r>
+          </a:p>
+          <a:p>
+            <a:pPr lvl="2"/>
+            <a:r>
+              <a:rPr lang="en-US" smtClean="0"/>
+              <a:t>Third level</a:t>
+            </a:r>
+          </a:p>
+          <a:p>
+            <a:pPr lvl="3"/>
+            <a:r>
+              <a:rPr lang="en-US" smtClean="0"/>
+              <a:t>Fourth level</a:t>
+            </a:r>
+          </a:p>
+          <a:p>
+            <a:pPr lvl="4"/>
+            <a:r>
+              <a:rPr lang="en-US" smtClean="0"/>
+              <a:t>Fifth level</a:t>
+            </a:r>
+            <a:endParaRPr lang="en-US" dirty="0"/>
+          </a:p>
+        </p:txBody>
+      </p:sp>
+    </p:spTree>
+    <p:extLst>
+      <p:ext uri="{BB962C8B-B14F-4D97-AF65-F5344CB8AC3E}">
+        <p14:creationId xmlns:p14="http://schemas.microsoft.com/office/powerpoint/2010/main" val="3968534032"/>
+      </p:ext>
+    </p:extLst>
+  </p:cSld>
+  <p:clrMapOvr>
+    <a:masterClrMapping/>
+  </p:clrMapOvr>
+  <p:transition>
+    <p:fade/>
+  </p:transition>
+</p:sldLayout>
+</file>
+
+<file path=ppt/slideLayouts/slideLayout9.xml><?xml version="1.0" encoding="utf-8"?>
+<p:sldLayout xmlns:a="http://schemas.openxmlformats.org/drawingml/2006/main" xmlns:r="http://schemas.openxmlformats.org/officeDocument/2006/relationships" xmlns:p="http://schemas.openxmlformats.org/presentationml/2006/main" preserve="1" userDrawn="1">
+  <p:cSld name="Two Column Non-bulleted text">
+    <p:spTree>
+      <p:nvGrpSpPr>
+        <p:cNvPr id="1" name=""/>
+        <p:cNvGrpSpPr/>
+        <p:nvPr/>
+      </p:nvGrpSpPr>
+      <p:grpSpPr>
+        <a:xfrm>
+          <a:off x="0" y="0"/>
+          <a:ext cx="0" cy="0"/>
+          <a:chOff x="0" y="0"/>
+          <a:chExt cx="0" cy="0"/>
+        </a:xfrm>
+      </p:grpSpPr>
+      <p:sp>
+        <p:nvSpPr>
+          <p:cNvPr id="2" name="Title 1"/>
+          <p:cNvSpPr>
+            <a:spLocks noGrp="1"/>
+          </p:cNvSpPr>
+          <p:nvPr>
+            <p:ph type="title"/>
+          </p:nvPr>
+        </p:nvSpPr>
+        <p:spPr/>
+        <p:txBody>
+          <a:bodyPr/>
+          <a:lstStyle/>
+          <a:p>
+            <a:r>
+              <a:rPr lang="en-US" smtClean="0"/>
+              <a:t>Click to edit Master title style</a:t>
+            </a:r>
+            <a:endParaRPr lang="en-US" dirty="0"/>
+          </a:p>
+        </p:txBody>
+      </p:sp>
+      <p:sp>
+        <p:nvSpPr>
+          <p:cNvPr id="4" name="Text Placeholder 3"/>
+          <p:cNvSpPr>
+            <a:spLocks noGrp="1"/>
+          </p:cNvSpPr>
+          <p:nvPr>
+            <p:ph type="body" sz="quarter" idx="10"/>
+          </p:nvPr>
+        </p:nvSpPr>
+        <p:spPr>
+          <a:xfrm>
+            <a:off x="274639" y="1212849"/>
+            <a:ext cx="5486399" cy="2536079"/>
+          </a:xfrm>
+        </p:spPr>
+        <p:txBody>
+          <a:bodyPr wrap="square">
+            <a:spAutoFit/>
+          </a:bodyPr>
+          <a:lstStyle>
+            <a:lvl1pPr marL="0" indent="0">
+              <a:spcBef>
+                <a:spcPts val="1224"/>
+              </a:spcBef>
+              <a:buClr>
+                <a:schemeClr val="tx1"/>
+              </a:buClr>
+              <a:buFont typeface="Wingdings" pitchFamily="2" charset="2"/>
+              <a:buNone/>
+              <a:defRPr sz="3600"/>
+            </a:lvl1pPr>
+            <a:lvl2pPr marL="0" indent="0">
+              <a:buNone/>
+              <a:defRPr sz="2000"/>
+            </a:lvl2pPr>
+            <a:lvl3pPr marL="231775" indent="0">
+              <a:buNone/>
+              <a:tabLst/>
+              <a:defRPr sz="2000"/>
+            </a:lvl3pPr>
+            <a:lvl4pPr marL="460375" indent="0">
+              <a:buNone/>
+              <a:defRPr sz="1800"/>
+            </a:lvl4pPr>
+            <a:lvl5pPr marL="685800" indent="0">
+              <a:buNone/>
+              <a:tabLst/>
+              <a:defRPr sz="1800"/>
+            </a:lvl5pPr>
+          </a:lstStyle>
+          <a:p>
+            <a:pPr lvl="0"/>
+            <a:r>
+              <a:rPr lang="en-US" smtClean="0"/>
+              <a:t>Click to edit Master text styles</a:t>
+            </a:r>
+          </a:p>
+          <a:p>
+            <a:pPr lvl="1"/>
+            <a:r>
+              <a:rPr lang="en-US" smtClean="0"/>
+              <a:t>Second level</a:t>
+            </a:r>
+          </a:p>
+          <a:p>
+            <a:pPr lvl="2"/>
+            <a:r>
+              <a:rPr lang="en-US" smtClean="0"/>
+              <a:t>Third level</a:t>
+            </a:r>
+          </a:p>
+          <a:p>
+            <a:pPr lvl="3"/>
+            <a:r>
+              <a:rPr lang="en-US" smtClean="0"/>
+              <a:t>Fourth level</a:t>
+            </a:r>
+          </a:p>
+          <a:p>
+            <a:pPr lvl="4"/>
+            <a:r>
+              <a:rPr lang="en-US" smtClean="0"/>
+              <a:t>Fifth level</a:t>
+            </a:r>
+            <a:endParaRPr lang="en-US" dirty="0"/>
+          </a:p>
+        </p:txBody>
+      </p:sp>
+      <p:sp>
+        <p:nvSpPr>
+          <p:cNvPr id="5" name="Text Placeholder 3"/>
+          <p:cNvSpPr>
+            <a:spLocks noGrp="1"/>
+          </p:cNvSpPr>
+          <p:nvPr>
+            <p:ph type="body" sz="quarter" idx="11"/>
+          </p:nvPr>
+        </p:nvSpPr>
+        <p:spPr>
+          <a:xfrm>
+            <a:off x="6675439" y="1212849"/>
+            <a:ext cx="5486399" cy="2468368"/>
+          </a:xfrm>
+        </p:spPr>
+        <p:txBody>
+          <a:bodyPr wrap="square">
+            <a:spAutoFit/>
+          </a:bodyPr>
+          <a:lstStyle>
+            <a:lvl1pPr marL="0" indent="0">
+              <a:spcBef>
+                <a:spcPts val="1224"/>
+              </a:spcBef>
+              <a:buClr>
+                <a:schemeClr val="tx1"/>
+              </a:buClr>
+              <a:buFont typeface="Wingdings" pitchFamily="2" charset="2"/>
+              <a:buNone/>
+              <a:defRPr sz="3600"/>
+            </a:lvl1pPr>
+            <a:lvl2pPr marL="0" indent="0">
+              <a:buNone/>
+              <a:defRPr sz="2000"/>
+            </a:lvl2pPr>
+            <a:lvl3pPr marL="231775" indent="0">
+              <a:buNone/>
+              <a:tabLst/>
+              <a:defRPr sz="2000"/>
+            </a:lvl3pPr>
+            <a:lvl4pPr marL="460375" indent="0">
+              <a:buNone/>
+              <a:defRPr sz="1800"/>
+            </a:lvl4pPr>
+            <a:lvl5pPr marL="685800" indent="0">
+              <a:buNone/>
+              <a:tabLst/>
+              <a:defRPr sz="1800"/>
+            </a:lvl5pPr>
+          </a:lstStyle>
+          <a:p>
+            <a:pPr lvl="0"/>
+            <a:r>
+              <a:rPr lang="en-US" smtClean="0"/>
+              <a:t>Click to edit Master text styles</a:t>
+            </a:r>
+          </a:p>
+          <a:p>
+            <a:pPr lvl="1"/>
+            <a:r>
+              <a:rPr lang="en-US" smtClean="0"/>
+              <a:t>Second level</a:t>
+            </a:r>
+          </a:p>
+          <a:p>
+            <a:pPr lvl="2"/>
+            <a:r>
+              <a:rPr lang="en-US" smtClean="0"/>
+              <a:t>Third level</a:t>
+            </a:r>
+          </a:p>
+          <a:p>
+            <a:pPr lvl="3"/>
+            <a:r>
+              <a:rPr lang="en-US" smtClean="0"/>
+              <a:t>Fourth level</a:t>
+            </a:r>
+          </a:p>
+          <a:p>
+            <a:pPr lvl="4"/>
+            <a:r>
+              <a:rPr lang="en-US" smtClean="0"/>
+              <a:t>Fifth level</a:t>
+            </a:r>
+            <a:endParaRPr lang="en-US" dirty="0"/>
+          </a:p>
+        </p:txBody>
+      </p:sp>
+    </p:spTree>
+    <p:extLst>
+      <p:ext uri="{BB962C8B-B14F-4D97-AF65-F5344CB8AC3E}">
+        <p14:creationId xmlns:p14="http://schemas.microsoft.com/office/powerpoint/2010/main" val="1918839873"/>
       </p:ext>
     </p:extLst>
   </p:cSld>
@@ -5864,28 +4482,24 @@
   </p:cSld>
   <p:clrMap bg1="lt1" tx1="dk1" bg2="lt2" tx2="dk2" accent1="accent1" accent2="accent2" accent3="accent3" accent4="accent4" accent5="accent5" accent6="accent6" hlink="hlink" folHlink="folHlink"/>
   <p:sldLayoutIdLst>
-    <p:sldLayoutId id="2147484189" r:id="rId1"/>
-    <p:sldLayoutId id="2147484166" r:id="rId2"/>
-    <p:sldLayoutId id="2147484105" r:id="rId3"/>
-    <p:sldLayoutId id="2147484182" r:id="rId4"/>
-    <p:sldLayoutId id="2147484130" r:id="rId5"/>
-    <p:sldLayoutId id="2147484101" r:id="rId6"/>
-    <p:sldLayoutId id="2147484102" r:id="rId7"/>
-    <p:sldLayoutId id="2147484087" r:id="rId8"/>
-    <p:sldLayoutId id="2147484098" r:id="rId9"/>
-    <p:sldLayoutId id="2147484086" r:id="rId10"/>
-    <p:sldLayoutId id="2147484107" r:id="rId11"/>
-    <p:sldLayoutId id="2147484099" r:id="rId12"/>
-    <p:sldLayoutId id="2147484100" r:id="rId13"/>
-    <p:sldLayoutId id="2147484089" r:id="rId14"/>
-    <p:sldLayoutId id="2147484106" r:id="rId15"/>
-    <p:sldLayoutId id="2147484092" r:id="rId16"/>
-    <p:sldLayoutId id="2147484093" r:id="rId17"/>
-    <p:sldLayoutId id="2147484127" r:id="rId18"/>
-    <p:sldLayoutId id="2147484128" r:id="rId19"/>
-    <p:sldLayoutId id="2147484129" r:id="rId20"/>
-    <p:sldLayoutId id="2147484094" r:id="rId21"/>
-    <p:sldLayoutId id="2147484096" r:id="rId22"/>
+    <p:sldLayoutId id="2147484130" r:id="rId1"/>
+    <p:sldLayoutId id="2147484101" r:id="rId2"/>
+    <p:sldLayoutId id="2147484102" r:id="rId3"/>
+    <p:sldLayoutId id="2147484087" r:id="rId4"/>
+    <p:sldLayoutId id="2147484098" r:id="rId5"/>
+    <p:sldLayoutId id="2147484086" r:id="rId6"/>
+    <p:sldLayoutId id="2147484107" r:id="rId7"/>
+    <p:sldLayoutId id="2147484099" r:id="rId8"/>
+    <p:sldLayoutId id="2147484100" r:id="rId9"/>
+    <p:sldLayoutId id="2147484089" r:id="rId10"/>
+    <p:sldLayoutId id="2147484106" r:id="rId11"/>
+    <p:sldLayoutId id="2147484092" r:id="rId12"/>
+    <p:sldLayoutId id="2147484093" r:id="rId13"/>
+    <p:sldLayoutId id="2147484127" r:id="rId14"/>
+    <p:sldLayoutId id="2147484128" r:id="rId15"/>
+    <p:sldLayoutId id="2147484129" r:id="rId16"/>
+    <p:sldLayoutId id="2147484094" r:id="rId17"/>
+    <p:sldLayoutId id="2147484096" r:id="rId18"/>
   </p:sldLayoutIdLst>
   <p:transition>
     <p:fade/>
@@ -7420,19 +6034,19 @@
               <a:buNone/>
             </a:pPr>
             <a:r>
-              <a:rPr lang="en-US" sz="3200" dirty="0"/>
+              <a:rPr lang="en-US" sz="3200" dirty="0" smtClean="0"/>
               <a:t>github.com/</a:t>
             </a:r>
             <a:r>
-              <a:rPr lang="en-US" sz="3200" dirty="0" err="1"/>
+              <a:rPr lang="en-US" sz="3200" dirty="0" err="1" smtClean="0"/>
               <a:t>jlattimer</a:t>
             </a:r>
             <a:r>
-              <a:rPr lang="en-US" sz="3200" dirty="0"/>
+              <a:rPr lang="en-US" sz="3200" dirty="0" smtClean="0"/>
               <a:t>/</a:t>
             </a:r>
             <a:r>
-              <a:rPr lang="en-US" sz="3200" dirty="0" err="1"/>
+              <a:rPr lang="en-US" sz="3200" dirty="0" err="1" smtClean="0"/>
               <a:t>GoingBeyondReSharperWithRoslyn_Demo</a:t>
             </a:r>
             <a:endParaRPr lang="en-US" sz="3200" dirty="0"/>
@@ -10212,103 +8826,6 @@
 </file>
 
 <file path=customXml/item1.xml><?xml version="1.0" encoding="utf-8"?>
-<p:properties xmlns:p="http://schemas.microsoft.com/office/2006/metadata/properties" xmlns:xsi="http://www.w3.org/2001/XMLSchema-instance" xmlns:pc="http://schemas.microsoft.com/office/infopath/2007/PartnerControls">
-  <documentManagement>
-    <TrackTaxHTField0 xmlns="2295e2e7-0eeb-498e-8716-217bb2ee6ee3">
-      <Terms xmlns="http://schemas.microsoft.com/office/infopath/2007/PartnerControls"/>
-    </TrackTaxHTField0>
-    <CampaignTaxHTField0 xmlns="2295e2e7-0eeb-498e-8716-217bb2ee6ee3">
-      <Terms xmlns="http://schemas.microsoft.com/office/infopath/2007/PartnerControls"/>
-    </CampaignTaxHTField0>
-    <Event_x0020_End_x0020_Date xmlns="2295e2e7-0eeb-498e-8716-217bb2ee6ee3">2014-03-07T08:00:00+00:00</Event_x0020_End_x0020_Date>
-    <Event_x0020_Start_x0020_Date xmlns="2295e2e7-0eeb-498e-8716-217bb2ee6ee3">2014-03-04T08:00:00+00:00</Event_x0020_Start_x0020_Date>
-    <MS_x0020_Speaker xmlns="2295e2e7-0eeb-498e-8716-217bb2ee6ee3">
-      <UserInfo>
-        <DisplayName/>
-        <AccountId xsi:nil="true"/>
-        <AccountType/>
-      </UserInfo>
-    </MS_x0020_Speaker>
-    <External_x0020_Speaker xmlns="2295e2e7-0eeb-498e-8716-217bb2ee6ee3" xsi:nil="true"/>
-    <Session_x0020_Code xmlns="2295e2e7-0eeb-498e-8716-217bb2ee6ee3" xsi:nil="true"/>
-    <ProductTaxHTField0 xmlns="2295e2e7-0eeb-498e-8716-217bb2ee6ee3">
-      <Terms xmlns="http://schemas.microsoft.com/office/infopath/2007/PartnerControls"/>
-    </ProductTaxHTField0>
-    <Presentation_x0020_Date xmlns="2295e2e7-0eeb-498e-8716-217bb2ee6ee3" xsi:nil="true"/>
-    <Event_x0020_LocationTaxHTField0 xmlns="2295e2e7-0eeb-498e-8716-217bb2ee6ee3">
-      <Terms xmlns="http://schemas.microsoft.com/office/infopath/2007/PartnerControls">
-        <TermInfo xmlns="http://schemas.microsoft.com/office/infopath/2007/PartnerControls">
-          <TermName xmlns="http://schemas.microsoft.com/office/infopath/2007/PartnerControls">Atlanta</TermName>
-          <TermId xmlns="http://schemas.microsoft.com/office/infopath/2007/PartnerControls">01fb9831-5840-48a0-a576-3e48f42baa53</TermId>
-        </TermInfo>
-      </Terms>
-    </Event_x0020_LocationTaxHTField0>
-    <Event1TaxHTField0 xmlns="2295e2e7-0eeb-498e-8716-217bb2ee6ee3">
-      <Terms xmlns="http://schemas.microsoft.com/office/infopath/2007/PartnerControls">
-        <TermInfo xmlns="http://schemas.microsoft.com/office/infopath/2007/PartnerControls">
-          <TermName xmlns="http://schemas.microsoft.com/office/infopath/2007/PartnerControls">Convergence</TermName>
-          <TermId xmlns="http://schemas.microsoft.com/office/infopath/2007/PartnerControls">1d09c950-c38f-4478-9281-d35ce331b3fb</TermId>
-        </TermInfo>
-      </Terms>
-    </Event1TaxHTField0>
-    <AudienceTaxHTField0 xmlns="8b529f77-48ab-4581-b468-93f09345b8aa">
-      <Terms xmlns="http://schemas.microsoft.com/office/infopath/2007/PartnerControls">
-        <TermInfo xmlns="http://schemas.microsoft.com/office/infopath/2007/PartnerControls">
-          <TermName xmlns="http://schemas.microsoft.com/office/infopath/2007/PartnerControls">customers</TermName>
-          <TermId xmlns="http://schemas.microsoft.com/office/infopath/2007/PartnerControls">53e3f70c-67b5-450d-95d4-c8ae9a16f63b</TermId>
-        </TermInfo>
-        <TermInfo xmlns="http://schemas.microsoft.com/office/infopath/2007/PartnerControls">
-          <TermName xmlns="http://schemas.microsoft.com/office/infopath/2007/PartnerControls">consumers</TermName>
-          <TermId xmlns="http://schemas.microsoft.com/office/infopath/2007/PartnerControls">9adf4a48-4924-43a3-9278-975755bc3172</TermId>
-        </TermInfo>
-        <TermInfo xmlns="http://schemas.microsoft.com/office/infopath/2007/PartnerControls">
-          <TermName xmlns="http://schemas.microsoft.com/office/infopath/2007/PartnerControls">partners</TermName>
-          <TermId xmlns="http://schemas.microsoft.com/office/infopath/2007/PartnerControls">1d23b997-60ce-4cfd-9201-15f1ad449e79</TermId>
-        </TermInfo>
-        <TermInfo xmlns="http://schemas.microsoft.com/office/infopath/2007/PartnerControls">
-          <TermName xmlns="http://schemas.microsoft.com/office/infopath/2007/PartnerControls">employees</TermName>
-          <TermId xmlns="http://schemas.microsoft.com/office/infopath/2007/PartnerControls">56f02798-ac9e-42de-92e6-b37395b5f857</TermId>
-        </TermInfo>
-      </Terms>
-    </AudienceTaxHTField0>
-    <TaxCatchAll xmlns="230e9df3-be65-4c73-a93b-d1236ebd677e">
-      <Value>626</Value>
-      <Value>273</Value>
-      <Value>740</Value>
-      <Value>352</Value>
-      <Value>267</Value>
-      <Value>745</Value>
-      <Value>330</Value>
-    </TaxCatchAll>
-    <MS_x0020_Content_x0020_Owner xmlns="2295e2e7-0eeb-498e-8716-217bb2ee6ee3">
-      <UserInfo>
-        <DisplayName/>
-        <AccountId xsi:nil="true"/>
-        <AccountType/>
-      </UserInfo>
-    </MS_x0020_Content_x0020_Owner>
-    <Event_x0020_VenueTaxHTField0 xmlns="2295e2e7-0eeb-498e-8716-217bb2ee6ee3">
-      <Terms xmlns="http://schemas.microsoft.com/office/infopath/2007/PartnerControls">
-        <TermInfo xmlns="http://schemas.microsoft.com/office/infopath/2007/PartnerControls">
-          <TermName xmlns="http://schemas.microsoft.com/office/infopath/2007/PartnerControls">Georgia World Congress Center</TermName>
-          <TermId xmlns="http://schemas.microsoft.com/office/infopath/2007/PartnerControls">ea0ece34-59a6-4d43-8d9e-d0f9e2a2f1ce</TermId>
-        </TermInfo>
-      </Terms>
-    </Event_x0020_VenueTaxHTField0>
-  </documentManagement>
-</p:properties>
-</file>
-
-<file path=customXml/item2.xml><?xml version="1.0" encoding="utf-8"?>
-<?mso-contentType ?>
-<FormTemplates xmlns="http://schemas.microsoft.com/sharepoint/v3/contenttype/forms">
-  <Display>DocumentLibraryForm</Display>
-  <Edit>DocumentLibraryForm</Edit>
-  <New>DocumentLibraryForm</New>
-</FormTemplates>
-</file>
-
-<file path=customXml/item3.xml><?xml version="1.0" encoding="utf-8"?>
 <ct:contentTypeSchema xmlns:ct="http://schemas.microsoft.com/office/2006/metadata/contentType" xmlns:ma="http://schemas.microsoft.com/office/2006/metadata/properties/metaAttributes" ct:_="" ma:_="" ma:contentTypeName="PresentationsDoc" ma:contentTypeID="0x010100B88FC3ECA26D1C46B3C4C83281D2EB9C003BBE479AF4108146A616B6B5E7069DBC" ma:contentTypeVersion="61" ma:contentTypeDescription="" ma:contentTypeScope="" ma:versionID="89fe5faf2f25a24617a4f509b32cc989">
   <xsd:schema xmlns:xsd="http://www.w3.org/2001/XMLSchema" xmlns:xs="http://www.w3.org/2001/XMLSchema" xmlns:p="http://schemas.microsoft.com/office/2006/metadata/properties" xmlns:ns2="2295e2e7-0eeb-498e-8716-217bb2ee6ee3" xmlns:ns3="230e9df3-be65-4c73-a93b-d1236ebd677e" xmlns:ns4="8b529f77-48ab-4581-b468-93f09345b8aa" targetNamespace="http://schemas.microsoft.com/office/2006/metadata/properties" ma:root="true" ma:fieldsID="dfcb5511298a0ed35e170e5fd997f4f9" ns2:_="" ns3:_="" ns4:_="">
     <xsd:import namespace="2295e2e7-0eeb-498e-8716-217bb2ee6ee3"/>
@@ -10592,33 +9109,104 @@
 </ct:contentTypeSchema>
 </file>
 
-<file path=customXml/itemProps1.xml><?xml version="1.0" encoding="utf-8"?>
-<ds:datastoreItem xmlns:ds="http://schemas.openxmlformats.org/officeDocument/2006/customXml" ds:itemID="{F990F116-B58F-4255-B05B-DA3808E0E5C6}">
-  <ds:schemaRefs>
-    <ds:schemaRef ds:uri="http://purl.org/dc/elements/1.1/"/>
-    <ds:schemaRef ds:uri="8b529f77-48ab-4581-b468-93f09345b8aa"/>
-    <ds:schemaRef ds:uri="http://schemas.microsoft.com/office/infopath/2007/PartnerControls"/>
-    <ds:schemaRef ds:uri="http://schemas.openxmlformats.org/package/2006/metadata/core-properties"/>
-    <ds:schemaRef ds:uri="2295e2e7-0eeb-498e-8716-217bb2ee6ee3"/>
-    <ds:schemaRef ds:uri="http://schemas.microsoft.com/office/2006/documentManagement/types"/>
-    <ds:schemaRef ds:uri="http://purl.org/dc/terms/"/>
-    <ds:schemaRef ds:uri="230e9df3-be65-4c73-a93b-d1236ebd677e"/>
-    <ds:schemaRef ds:uri="http://schemas.microsoft.com/office/2006/metadata/properties"/>
-    <ds:schemaRef ds:uri="http://www.w3.org/XML/1998/namespace"/>
-    <ds:schemaRef ds:uri="http://purl.org/dc/dcmitype/"/>
-  </ds:schemaRefs>
-</ds:datastoreItem>
+<file path=customXml/item2.xml><?xml version="1.0" encoding="utf-8"?>
+<?mso-contentType ?>
+<FormTemplates xmlns="http://schemas.microsoft.com/sharepoint/v3/contenttype/forms">
+  <Display>DocumentLibraryForm</Display>
+  <Edit>DocumentLibraryForm</Edit>
+  <New>DocumentLibraryForm</New>
+</FormTemplates>
 </file>
 
-<file path=customXml/itemProps2.xml><?xml version="1.0" encoding="utf-8"?>
-<ds:datastoreItem xmlns:ds="http://schemas.openxmlformats.org/officeDocument/2006/customXml" ds:itemID="{758FDAC0-319D-4A54-8D8E-1D42CB1F8004}">
-  <ds:schemaRefs>
-    <ds:schemaRef ds:uri="http://schemas.microsoft.com/sharepoint/v3/contenttype/forms"/>
-  </ds:schemaRefs>
-</ds:datastoreItem>
+<file path=customXml/item3.xml><?xml version="1.0" encoding="utf-8"?>
+<p:properties xmlns:p="http://schemas.microsoft.com/office/2006/metadata/properties" xmlns:xsi="http://www.w3.org/2001/XMLSchema-instance" xmlns:pc="http://schemas.microsoft.com/office/infopath/2007/PartnerControls">
+  <documentManagement>
+    <TrackTaxHTField0 xmlns="2295e2e7-0eeb-498e-8716-217bb2ee6ee3">
+      <Terms xmlns="http://schemas.microsoft.com/office/infopath/2007/PartnerControls"/>
+    </TrackTaxHTField0>
+    <CampaignTaxHTField0 xmlns="2295e2e7-0eeb-498e-8716-217bb2ee6ee3">
+      <Terms xmlns="http://schemas.microsoft.com/office/infopath/2007/PartnerControls"/>
+    </CampaignTaxHTField0>
+    <Event_x0020_End_x0020_Date xmlns="2295e2e7-0eeb-498e-8716-217bb2ee6ee3">2014-03-07T08:00:00+00:00</Event_x0020_End_x0020_Date>
+    <Event_x0020_Start_x0020_Date xmlns="2295e2e7-0eeb-498e-8716-217bb2ee6ee3">2014-03-04T08:00:00+00:00</Event_x0020_Start_x0020_Date>
+    <MS_x0020_Speaker xmlns="2295e2e7-0eeb-498e-8716-217bb2ee6ee3">
+      <UserInfo>
+        <DisplayName/>
+        <AccountId xsi:nil="true"/>
+        <AccountType/>
+      </UserInfo>
+    </MS_x0020_Speaker>
+    <External_x0020_Speaker xmlns="2295e2e7-0eeb-498e-8716-217bb2ee6ee3" xsi:nil="true"/>
+    <Session_x0020_Code xmlns="2295e2e7-0eeb-498e-8716-217bb2ee6ee3" xsi:nil="true"/>
+    <ProductTaxHTField0 xmlns="2295e2e7-0eeb-498e-8716-217bb2ee6ee3">
+      <Terms xmlns="http://schemas.microsoft.com/office/infopath/2007/PartnerControls"/>
+    </ProductTaxHTField0>
+    <Presentation_x0020_Date xmlns="2295e2e7-0eeb-498e-8716-217bb2ee6ee3" xsi:nil="true"/>
+    <Event_x0020_LocationTaxHTField0 xmlns="2295e2e7-0eeb-498e-8716-217bb2ee6ee3">
+      <Terms xmlns="http://schemas.microsoft.com/office/infopath/2007/PartnerControls">
+        <TermInfo xmlns="http://schemas.microsoft.com/office/infopath/2007/PartnerControls">
+          <TermName xmlns="http://schemas.microsoft.com/office/infopath/2007/PartnerControls">Atlanta</TermName>
+          <TermId xmlns="http://schemas.microsoft.com/office/infopath/2007/PartnerControls">01fb9831-5840-48a0-a576-3e48f42baa53</TermId>
+        </TermInfo>
+      </Terms>
+    </Event_x0020_LocationTaxHTField0>
+    <Event1TaxHTField0 xmlns="2295e2e7-0eeb-498e-8716-217bb2ee6ee3">
+      <Terms xmlns="http://schemas.microsoft.com/office/infopath/2007/PartnerControls">
+        <TermInfo xmlns="http://schemas.microsoft.com/office/infopath/2007/PartnerControls">
+          <TermName xmlns="http://schemas.microsoft.com/office/infopath/2007/PartnerControls">Convergence</TermName>
+          <TermId xmlns="http://schemas.microsoft.com/office/infopath/2007/PartnerControls">1d09c950-c38f-4478-9281-d35ce331b3fb</TermId>
+        </TermInfo>
+      </Terms>
+    </Event1TaxHTField0>
+    <AudienceTaxHTField0 xmlns="8b529f77-48ab-4581-b468-93f09345b8aa">
+      <Terms xmlns="http://schemas.microsoft.com/office/infopath/2007/PartnerControls">
+        <TermInfo xmlns="http://schemas.microsoft.com/office/infopath/2007/PartnerControls">
+          <TermName xmlns="http://schemas.microsoft.com/office/infopath/2007/PartnerControls">customers</TermName>
+          <TermId xmlns="http://schemas.microsoft.com/office/infopath/2007/PartnerControls">53e3f70c-67b5-450d-95d4-c8ae9a16f63b</TermId>
+        </TermInfo>
+        <TermInfo xmlns="http://schemas.microsoft.com/office/infopath/2007/PartnerControls">
+          <TermName xmlns="http://schemas.microsoft.com/office/infopath/2007/PartnerControls">consumers</TermName>
+          <TermId xmlns="http://schemas.microsoft.com/office/infopath/2007/PartnerControls">9adf4a48-4924-43a3-9278-975755bc3172</TermId>
+        </TermInfo>
+        <TermInfo xmlns="http://schemas.microsoft.com/office/infopath/2007/PartnerControls">
+          <TermName xmlns="http://schemas.microsoft.com/office/infopath/2007/PartnerControls">partners</TermName>
+          <TermId xmlns="http://schemas.microsoft.com/office/infopath/2007/PartnerControls">1d23b997-60ce-4cfd-9201-15f1ad449e79</TermId>
+        </TermInfo>
+        <TermInfo xmlns="http://schemas.microsoft.com/office/infopath/2007/PartnerControls">
+          <TermName xmlns="http://schemas.microsoft.com/office/infopath/2007/PartnerControls">employees</TermName>
+          <TermId xmlns="http://schemas.microsoft.com/office/infopath/2007/PartnerControls">56f02798-ac9e-42de-92e6-b37395b5f857</TermId>
+        </TermInfo>
+      </Terms>
+    </AudienceTaxHTField0>
+    <TaxCatchAll xmlns="230e9df3-be65-4c73-a93b-d1236ebd677e">
+      <Value>626</Value>
+      <Value>273</Value>
+      <Value>740</Value>
+      <Value>352</Value>
+      <Value>267</Value>
+      <Value>745</Value>
+      <Value>330</Value>
+    </TaxCatchAll>
+    <MS_x0020_Content_x0020_Owner xmlns="2295e2e7-0eeb-498e-8716-217bb2ee6ee3">
+      <UserInfo>
+        <DisplayName/>
+        <AccountId xsi:nil="true"/>
+        <AccountType/>
+      </UserInfo>
+    </MS_x0020_Content_x0020_Owner>
+    <Event_x0020_VenueTaxHTField0 xmlns="2295e2e7-0eeb-498e-8716-217bb2ee6ee3">
+      <Terms xmlns="http://schemas.microsoft.com/office/infopath/2007/PartnerControls">
+        <TermInfo xmlns="http://schemas.microsoft.com/office/infopath/2007/PartnerControls">
+          <TermName xmlns="http://schemas.microsoft.com/office/infopath/2007/PartnerControls">Georgia World Congress Center</TermName>
+          <TermId xmlns="http://schemas.microsoft.com/office/infopath/2007/PartnerControls">ea0ece34-59a6-4d43-8d9e-d0f9e2a2f1ce</TermId>
+        </TermInfo>
+      </Terms>
+    </Event_x0020_VenueTaxHTField0>
+  </documentManagement>
+</p:properties>
 </file>
 
-<file path=customXml/itemProps3.xml><?xml version="1.0" encoding="utf-8"?>
+<file path=customXml/itemProps1.xml><?xml version="1.0" encoding="utf-8"?>
 <ds:datastoreItem xmlns:ds="http://schemas.openxmlformats.org/officeDocument/2006/customXml" ds:itemID="{F20C9CFA-D549-4AB3-8A50-ED22815DF7D3}">
   <ds:schemaRefs>
     <ds:schemaRef ds:uri="http://schemas.microsoft.com/office/2006/metadata/contentType"/>
@@ -10636,4 +9224,30 @@
     <ds:schemaRef ds:uri="http://schemas.microsoft.com/internal/obd"/>
   </ds:schemaRefs>
 </ds:datastoreItem>
+</file>
+
+<file path=customXml/itemProps2.xml><?xml version="1.0" encoding="utf-8"?>
+<ds:datastoreItem xmlns:ds="http://schemas.openxmlformats.org/officeDocument/2006/customXml" ds:itemID="{758FDAC0-319D-4A54-8D8E-1D42CB1F8004}">
+  <ds:schemaRefs>
+    <ds:schemaRef ds:uri="http://schemas.microsoft.com/sharepoint/v3/contenttype/forms"/>
+  </ds:schemaRefs>
+</ds:datastoreItem>
+</file>
+
+<file path=customXml/itemProps3.xml><?xml version="1.0" encoding="utf-8"?>
+<ds:datastoreItem xmlns:ds="http://schemas.openxmlformats.org/officeDocument/2006/customXml" ds:itemID="{F990F116-B58F-4255-B05B-DA3808E0E5C6}">
+  <ds:schemaRefs>
+    <ds:schemaRef ds:uri="http://purl.org/dc/elements/1.1/"/>
+    <ds:schemaRef ds:uri="8b529f77-48ab-4581-b468-93f09345b8aa"/>
+    <ds:schemaRef ds:uri="http://schemas.microsoft.com/office/infopath/2007/PartnerControls"/>
+    <ds:schemaRef ds:uri="http://schemas.openxmlformats.org/package/2006/metadata/core-properties"/>
+    <ds:schemaRef ds:uri="2295e2e7-0eeb-498e-8716-217bb2ee6ee3"/>
+    <ds:schemaRef ds:uri="http://schemas.microsoft.com/office/2006/documentManagement/types"/>
+    <ds:schemaRef ds:uri="http://purl.org/dc/terms/"/>
+    <ds:schemaRef ds:uri="230e9df3-be65-4c73-a93b-d1236ebd677e"/>
+    <ds:schemaRef ds:uri="http://schemas.microsoft.com/office/2006/metadata/properties"/>
+    <ds:schemaRef ds:uri="http://www.w3.org/XML/1998/namespace"/>
+    <ds:schemaRef ds:uri="http://purl.org/dc/dcmitype/"/>
+  </ds:schemaRefs>
+</ds:datastoreItem>
 </file>
--- a/Going Beyond ReSharper with Roslyn.pptx
+++ b/Going Beyond ReSharper with Roslyn.pptx
@@ -5,10 +5,10 @@
     <p:sldMasterId id="2147484082" r:id="rId4"/>
   </p:sldMasterIdLst>
   <p:notesMasterIdLst>
-    <p:notesMasterId r:id="rId20"/>
+    <p:notesMasterId r:id="rId21"/>
   </p:notesMasterIdLst>
   <p:handoutMasterIdLst>
-    <p:handoutMasterId r:id="rId21"/>
+    <p:handoutMasterId r:id="rId22"/>
   </p:handoutMasterIdLst>
   <p:sldIdLst>
     <p:sldId id="1152" r:id="rId5"/>
@@ -26,6 +26,7 @@
     <p:sldId id="1163" r:id="rId17"/>
     <p:sldId id="1164" r:id="rId18"/>
     <p:sldId id="1166" r:id="rId19"/>
+    <p:sldId id="1169" r:id="rId20"/>
   </p:sldIdLst>
   <p:sldSz cx="12436475" cy="6994525"/>
   <p:notesSz cx="6858000" cy="9144000"/>
@@ -144,6 +145,7 @@
             <p14:sldId id="1163"/>
             <p14:sldId id="1164"/>
             <p14:sldId id="1166"/>
+            <p14:sldId id="1169"/>
           </p14:sldIdLst>
         </p14:section>
       </p14:sectionLst>
@@ -263,7 +265,7 @@
               <a:rPr lang="en-US" smtClean="0">
                 <a:latin typeface="Segoe UI" pitchFamily="34" charset="0"/>
               </a:rPr>
-              <a:t>4/23/2015 10:15 AM</a:t>
+              <a:t>5/11/2015 10:12 AM</a:t>
             </a:fld>
             <a:endParaRPr lang="en-US" dirty="0">
               <a:latin typeface="Segoe UI" pitchFamily="34" charset="0"/>
@@ -561,7 +563,7 @@
           <a:p>
             <a:fld id="{2DFDA5C7-BBAE-481E-8BF7-731156A2E2C1}" type="datetime8">
               <a:rPr lang="en-US" smtClean="0"/>
-              <a:t>4/23/2015 10:15 AM</a:t>
+              <a:t>5/11/2015 10:12 AM</a:t>
             </a:fld>
             <a:endParaRPr lang="en-US" dirty="0"/>
           </a:p>
@@ -937,7 +939,7 @@
           <a:p>
             <a:fld id="{2DFDA5C7-BBAE-481E-8BF7-731156A2E2C1}" type="datetime8">
               <a:rPr lang="en-US" smtClean="0"/>
-              <a:t>4/23/2015 10:15 AM</a:t>
+              <a:t>5/11/2015 10:12 AM</a:t>
             </a:fld>
             <a:endParaRPr lang="en-US" dirty="0"/>
           </a:p>
@@ -1110,7 +1112,7 @@
           <a:p>
             <a:fld id="{2DFDA5C7-BBAE-481E-8BF7-731156A2E2C1}" type="datetime8">
               <a:rPr lang="en-US" smtClean="0"/>
-              <a:t>4/23/2015 10:15 AM</a:t>
+              <a:t>5/11/2015 10:12 AM</a:t>
             </a:fld>
             <a:endParaRPr lang="en-US" dirty="0"/>
           </a:p>
@@ -1283,7 +1285,7 @@
           <a:p>
             <a:fld id="{2DFDA5C7-BBAE-481E-8BF7-731156A2E2C1}" type="datetime8">
               <a:rPr lang="en-US" smtClean="0"/>
-              <a:t>4/23/2015 10:15 AM</a:t>
+              <a:t>5/11/2015 10:12 AM</a:t>
             </a:fld>
             <a:endParaRPr lang="en-US" dirty="0"/>
           </a:p>
@@ -1456,7 +1458,7 @@
           <a:p>
             <a:fld id="{2DFDA5C7-BBAE-481E-8BF7-731156A2E2C1}" type="datetime8">
               <a:rPr lang="en-US" smtClean="0"/>
-              <a:t>4/23/2015 10:15 AM</a:t>
+              <a:t>5/11/2015 10:12 AM</a:t>
             </a:fld>
             <a:endParaRPr lang="en-US" dirty="0"/>
           </a:p>
@@ -1629,7 +1631,7 @@
           <a:p>
             <a:fld id="{2DFDA5C7-BBAE-481E-8BF7-731156A2E2C1}" type="datetime8">
               <a:rPr lang="en-US" smtClean="0"/>
-              <a:t>4/23/2015 10:15 AM</a:t>
+              <a:t>5/11/2015 10:12 AM</a:t>
             </a:fld>
             <a:endParaRPr lang="en-US" dirty="0"/>
           </a:p>
@@ -5843,7 +5845,7 @@
         <p:spPr>
           <a:xfrm>
             <a:off x="274638" y="1212850"/>
-            <a:ext cx="11887200" cy="5539978"/>
+            <a:ext cx="11887200" cy="2252924"/>
           </a:xfrm>
         </p:spPr>
         <p:txBody>
@@ -5880,35 +5882,21 @@
           <a:p>
             <a:r>
               <a:rPr lang="en-US" sz="3200" dirty="0"/>
-              <a:t>Change Vsix Version</a:t>
-            </a:r>
-          </a:p>
-          <a:p>
+              <a:t>Change </a:t>
+            </a:r>
+            <a:r>
+              <a:rPr lang="en-US" sz="3200" dirty="0" err="1"/>
+              <a:t>Vsix</a:t>
+            </a:r>
             <a:r>
               <a:rPr lang="en-US" sz="3200" dirty="0"/>
-              <a:t>Close Test Application Before Debugging (CTP?)</a:t>
-            </a:r>
-          </a:p>
-          <a:p>
-            <a:r>
-              <a:rPr lang="en-US" sz="3200" dirty="0"/>
-              <a:t>Log Out/In Normal &amp; Experimental Visual Studio Instances (CTP?)</a:t>
-            </a:r>
-          </a:p>
-          <a:p>
-            <a:r>
-              <a:rPr lang="en-US" sz="3200" dirty="0"/>
-              <a:t>NuGet Bug Going From CTP5 to CTP 6</a:t>
-            </a:r>
-          </a:p>
-          <a:p>
-            <a:r>
-              <a:rPr lang="en-US" sz="3200" dirty="0"/>
-              <a:t>Refactoring Project Targets Wrong Version of .NET Framework (CTP?)</a:t>
-            </a:r>
-          </a:p>
-          <a:p>
-            <a:endParaRPr lang="en-US" dirty="0"/>
+              <a:t> </a:t>
+            </a:r>
+            <a:r>
+              <a:rPr lang="en-US" sz="3200" dirty="0" smtClean="0"/>
+              <a:t>Version</a:t>
+            </a:r>
+            <a:endParaRPr lang="en-US" sz="3200" dirty="0"/>
           </a:p>
         </p:txBody>
       </p:sp>
@@ -5988,7 +5976,7 @@
         <p:spPr>
           <a:xfrm>
             <a:off x="274638" y="1212850"/>
-            <a:ext cx="12041540" cy="4351961"/>
+            <a:ext cx="12041540" cy="3133165"/>
           </a:xfrm>
         </p:spPr>
         <p:txBody>
@@ -6020,37 +6008,6 @@
             </a:pPr>
             <a:endParaRPr lang="en-US" sz="3600" dirty="0" smtClean="0"/>
           </a:p>
-          <a:p>
-            <a:pPr marL="0" indent="0">
-              <a:buNone/>
-            </a:pPr>
-            <a:r>
-              <a:rPr lang="en-US" u="sng" dirty="0" smtClean="0"/>
-              <a:t>Sample Code &amp; Slides</a:t>
-            </a:r>
-          </a:p>
-          <a:p>
-            <a:pPr marL="0" indent="0">
-              <a:buNone/>
-            </a:pPr>
-            <a:r>
-              <a:rPr lang="en-US" sz="3200" dirty="0" smtClean="0"/>
-              <a:t>github.com/</a:t>
-            </a:r>
-            <a:r>
-              <a:rPr lang="en-US" sz="3200" dirty="0" err="1" smtClean="0"/>
-              <a:t>jlattimer</a:t>
-            </a:r>
-            <a:r>
-              <a:rPr lang="en-US" sz="3200" dirty="0" smtClean="0"/>
-              <a:t>/</a:t>
-            </a:r>
-            <a:r>
-              <a:rPr lang="en-US" sz="3200" dirty="0" err="1" smtClean="0"/>
-              <a:t>GoingBeyondReSharperWithRoslyn_Demo</a:t>
-            </a:r>
-            <a:endParaRPr lang="en-US" sz="3200" dirty="0"/>
-          </a:p>
         </p:txBody>
       </p:sp>
       <p:sp>
@@ -6080,6 +6037,124 @@
     <p:extLst>
       <p:ext uri="{BB962C8B-B14F-4D97-AF65-F5344CB8AC3E}">
         <p14:creationId xmlns:p14="http://schemas.microsoft.com/office/powerpoint/2010/main" val="2780331070"/>
+      </p:ext>
+    </p:extLst>
+  </p:cSld>
+  <p:clrMapOvr>
+    <a:masterClrMapping/>
+  </p:clrMapOvr>
+  <p:transition>
+    <p:fade/>
+  </p:transition>
+  <p:timing>
+    <p:tnLst>
+      <p:par>
+        <p:cTn id="1" dur="indefinite" restart="never" nodeType="tmRoot"/>
+      </p:par>
+    </p:tnLst>
+  </p:timing>
+</p:sld>
+</file>
+
+<file path=ppt/slides/slide16.xml><?xml version="1.0" encoding="utf-8"?>
+<p:sld xmlns:a="http://schemas.openxmlformats.org/drawingml/2006/main" xmlns:r="http://schemas.openxmlformats.org/officeDocument/2006/relationships" xmlns:p="http://schemas.openxmlformats.org/presentationml/2006/main">
+  <p:cSld>
+    <p:spTree>
+      <p:nvGrpSpPr>
+        <p:cNvPr id="1" name=""/>
+        <p:cNvGrpSpPr/>
+        <p:nvPr/>
+      </p:nvGrpSpPr>
+      <p:grpSpPr>
+        <a:xfrm>
+          <a:off x="0" y="0"/>
+          <a:ext cx="0" cy="0"/>
+          <a:chOff x="0" y="0"/>
+          <a:chExt cx="0" cy="0"/>
+        </a:xfrm>
+      </p:grpSpPr>
+      <p:sp>
+        <p:nvSpPr>
+          <p:cNvPr id="2" name="Text Placeholder 1"/>
+          <p:cNvSpPr>
+            <a:spLocks noGrp="1"/>
+          </p:cNvSpPr>
+          <p:nvPr>
+            <p:ph type="body" sz="quarter" idx="10"/>
+          </p:nvPr>
+        </p:nvSpPr>
+        <p:spPr>
+          <a:xfrm>
+            <a:off x="274638" y="1212850"/>
+            <a:ext cx="11887200" cy="1957459"/>
+          </a:xfrm>
+        </p:spPr>
+        <p:txBody>
+          <a:bodyPr/>
+          <a:lstStyle/>
+          <a:p>
+            <a:pPr marL="0" indent="0">
+              <a:buNone/>
+            </a:pPr>
+            <a:endParaRPr lang="en-US" dirty="0" smtClean="0"/>
+          </a:p>
+          <a:p>
+            <a:pPr marL="0" indent="0">
+              <a:buNone/>
+            </a:pPr>
+            <a:r>
+              <a:rPr lang="en-US" sz="3200" dirty="0" smtClean="0"/>
+              <a:t>github.com/</a:t>
+            </a:r>
+            <a:r>
+              <a:rPr lang="en-US" sz="3200" dirty="0" err="1" smtClean="0"/>
+              <a:t>jlattimer</a:t>
+            </a:r>
+            <a:r>
+              <a:rPr lang="en-US" sz="3200" dirty="0" smtClean="0"/>
+              <a:t>/</a:t>
+            </a:r>
+            <a:r>
+              <a:rPr lang="en-US" sz="3200" dirty="0" err="1" smtClean="0"/>
+              <a:t>GoingBeyondReSharperWithRoslyn_Demo</a:t>
+            </a:r>
+            <a:endParaRPr lang="en-US" sz="3200" dirty="0"/>
+          </a:p>
+          <a:p>
+            <a:pPr marL="0" indent="0">
+              <a:buNone/>
+            </a:pPr>
+            <a:endParaRPr lang="en-US" dirty="0"/>
+          </a:p>
+        </p:txBody>
+      </p:sp>
+      <p:sp>
+        <p:nvSpPr>
+          <p:cNvPr id="3" name="Title 2"/>
+          <p:cNvSpPr>
+            <a:spLocks noGrp="1"/>
+          </p:cNvSpPr>
+          <p:nvPr>
+            <p:ph type="title"/>
+          </p:nvPr>
+        </p:nvSpPr>
+        <p:spPr/>
+        <p:txBody>
+          <a:bodyPr/>
+          <a:lstStyle/>
+          <a:p>
+            <a:r>
+              <a:rPr lang="en-US" dirty="0" smtClean="0"/>
+              <a:t>Sample Code &amp; Slides</a:t>
+            </a:r>
+            <a:endParaRPr lang="en-US" dirty="0"/>
+          </a:p>
+        </p:txBody>
+      </p:sp>
+    </p:spTree>
+    <p:extLst>
+      <p:ext uri="{BB962C8B-B14F-4D97-AF65-F5344CB8AC3E}">
+        <p14:creationId xmlns:p14="http://schemas.microsoft.com/office/powerpoint/2010/main" val="1281029628"/>
       </p:ext>
     </p:extLst>
   </p:cSld>
@@ -6970,7 +7045,15 @@
             </a:r>
             <a:r>
               <a:rPr lang="en-US" sz="3200" dirty="0"/>
-              <a:t>. CRM Consultant – PowerObjects</a:t>
+              <a:t>. </a:t>
+            </a:r>
+            <a:r>
+              <a:rPr lang="en-US" sz="3200" dirty="0" smtClean="0"/>
+              <a:t>Technical Architect – </a:t>
+            </a:r>
+            <a:r>
+              <a:rPr lang="en-US" sz="3200" dirty="0"/>
+              <a:t>PowerObjects</a:t>
             </a:r>
           </a:p>
           <a:p>
@@ -7432,7 +7515,15 @@
           <a:p>
             <a:r>
               <a:rPr lang="en-US" dirty="0"/>
-              <a:t>Latest CTP (6) Versions:</a:t>
+              <a:t>Latest </a:t>
+            </a:r>
+            <a:r>
+              <a:rPr lang="en-US" dirty="0" smtClean="0"/>
+              <a:t>RC Versions</a:t>
+            </a:r>
+            <a:r>
+              <a:rPr lang="en-US" dirty="0"/>
+              <a:t>:</a:t>
             </a:r>
           </a:p>
           <a:p>
